--- a/docs/songs_13-02-2022.pptx
+++ b/docs/songs_13-02-2022.pptx
@@ -10,32 +10,33 @@
     <p:sldId id="466" r:id="rId4"/>
     <p:sldId id="504" r:id="rId5"/>
     <p:sldId id="505" r:id="rId6"/>
-    <p:sldId id="423" r:id="rId7"/>
-    <p:sldId id="424" r:id="rId8"/>
-    <p:sldId id="425" r:id="rId9"/>
-    <p:sldId id="426" r:id="rId10"/>
-    <p:sldId id="541" r:id="rId11"/>
-    <p:sldId id="538" r:id="rId12"/>
-    <p:sldId id="522" r:id="rId13"/>
-    <p:sldId id="539" r:id="rId14"/>
-    <p:sldId id="540" r:id="rId15"/>
-    <p:sldId id="530" r:id="rId16"/>
-    <p:sldId id="408" r:id="rId17"/>
-    <p:sldId id="409" r:id="rId18"/>
-    <p:sldId id="410" r:id="rId19"/>
-    <p:sldId id="411" r:id="rId20"/>
-    <p:sldId id="480" r:id="rId21"/>
-    <p:sldId id="481" r:id="rId22"/>
-    <p:sldId id="482" r:id="rId23"/>
-    <p:sldId id="483" r:id="rId24"/>
-    <p:sldId id="484" r:id="rId25"/>
-    <p:sldId id="486" r:id="rId26"/>
-    <p:sldId id="542" r:id="rId27"/>
-    <p:sldId id="543" r:id="rId28"/>
-    <p:sldId id="544" r:id="rId29"/>
-    <p:sldId id="546" r:id="rId30"/>
-    <p:sldId id="545" r:id="rId31"/>
-    <p:sldId id="537" r:id="rId32"/>
+    <p:sldId id="538" r:id="rId7"/>
+    <p:sldId id="522" r:id="rId8"/>
+    <p:sldId id="539" r:id="rId9"/>
+    <p:sldId id="540" r:id="rId10"/>
+    <p:sldId id="530" r:id="rId11"/>
+    <p:sldId id="423" r:id="rId12"/>
+    <p:sldId id="424" r:id="rId13"/>
+    <p:sldId id="425" r:id="rId14"/>
+    <p:sldId id="426" r:id="rId15"/>
+    <p:sldId id="541" r:id="rId16"/>
+    <p:sldId id="547" r:id="rId17"/>
+    <p:sldId id="408" r:id="rId18"/>
+    <p:sldId id="409" r:id="rId19"/>
+    <p:sldId id="410" r:id="rId20"/>
+    <p:sldId id="411" r:id="rId21"/>
+    <p:sldId id="480" r:id="rId22"/>
+    <p:sldId id="481" r:id="rId23"/>
+    <p:sldId id="482" r:id="rId24"/>
+    <p:sldId id="483" r:id="rId25"/>
+    <p:sldId id="484" r:id="rId26"/>
+    <p:sldId id="486" r:id="rId27"/>
+    <p:sldId id="537" r:id="rId28"/>
+    <p:sldId id="542" r:id="rId29"/>
+    <p:sldId id="543" r:id="rId30"/>
+    <p:sldId id="544" r:id="rId31"/>
+    <p:sldId id="546" r:id="rId32"/>
+    <p:sldId id="545" r:id="rId33"/>
   </p:sldIdLst>
   <p:sldSz cx="9144000" cy="6858000" type="screen4x3"/>
   <p:notesSz cx="6858000" cy="9144000"/>
@@ -335,7 +336,7 @@
             <a:fld id="{26EA1CF3-4A15-4CBF-9A5A-6A56C368BE71}" type="datetimeFigureOut">
               <a:rPr lang="en-GB" smtClean="0"/>
               <a:pPr/>
-              <a:t>07/02/2022</a:t>
+              <a:t>11/02/2022</a:t>
             </a:fld>
             <a:endParaRPr lang="en-GB"/>
           </a:p>
@@ -502,7 +503,7 @@
             <a:fld id="{26EA1CF3-4A15-4CBF-9A5A-6A56C368BE71}" type="datetimeFigureOut">
               <a:rPr lang="en-GB" smtClean="0"/>
               <a:pPr/>
-              <a:t>07/02/2022</a:t>
+              <a:t>11/02/2022</a:t>
             </a:fld>
             <a:endParaRPr lang="en-GB"/>
           </a:p>
@@ -679,7 +680,7 @@
             <a:fld id="{26EA1CF3-4A15-4CBF-9A5A-6A56C368BE71}" type="datetimeFigureOut">
               <a:rPr lang="en-GB" smtClean="0"/>
               <a:pPr/>
-              <a:t>07/02/2022</a:t>
+              <a:t>11/02/2022</a:t>
             </a:fld>
             <a:endParaRPr lang="en-GB"/>
           </a:p>
@@ -846,7 +847,7 @@
             <a:fld id="{26EA1CF3-4A15-4CBF-9A5A-6A56C368BE71}" type="datetimeFigureOut">
               <a:rPr lang="en-GB" smtClean="0"/>
               <a:pPr/>
-              <a:t>07/02/2022</a:t>
+              <a:t>11/02/2022</a:t>
             </a:fld>
             <a:endParaRPr lang="en-GB"/>
           </a:p>
@@ -1089,7 +1090,7 @@
             <a:fld id="{26EA1CF3-4A15-4CBF-9A5A-6A56C368BE71}" type="datetimeFigureOut">
               <a:rPr lang="en-GB" smtClean="0"/>
               <a:pPr/>
-              <a:t>07/02/2022</a:t>
+              <a:t>11/02/2022</a:t>
             </a:fld>
             <a:endParaRPr lang="en-GB"/>
           </a:p>
@@ -1374,7 +1375,7 @@
             <a:fld id="{26EA1CF3-4A15-4CBF-9A5A-6A56C368BE71}" type="datetimeFigureOut">
               <a:rPr lang="en-GB" smtClean="0"/>
               <a:pPr/>
-              <a:t>07/02/2022</a:t>
+              <a:t>11/02/2022</a:t>
             </a:fld>
             <a:endParaRPr lang="en-GB"/>
           </a:p>
@@ -1793,7 +1794,7 @@
             <a:fld id="{26EA1CF3-4A15-4CBF-9A5A-6A56C368BE71}" type="datetimeFigureOut">
               <a:rPr lang="en-GB" smtClean="0"/>
               <a:pPr/>
-              <a:t>07/02/2022</a:t>
+              <a:t>11/02/2022</a:t>
             </a:fld>
             <a:endParaRPr lang="en-GB"/>
           </a:p>
@@ -1908,7 +1909,7 @@
             <a:fld id="{26EA1CF3-4A15-4CBF-9A5A-6A56C368BE71}" type="datetimeFigureOut">
               <a:rPr lang="en-GB" smtClean="0"/>
               <a:pPr/>
-              <a:t>07/02/2022</a:t>
+              <a:t>11/02/2022</a:t>
             </a:fld>
             <a:endParaRPr lang="en-GB"/>
           </a:p>
@@ -2000,7 +2001,7 @@
             <a:fld id="{26EA1CF3-4A15-4CBF-9A5A-6A56C368BE71}" type="datetimeFigureOut">
               <a:rPr lang="en-GB" smtClean="0"/>
               <a:pPr/>
-              <a:t>07/02/2022</a:t>
+              <a:t>11/02/2022</a:t>
             </a:fld>
             <a:endParaRPr lang="en-GB"/>
           </a:p>
@@ -2274,7 +2275,7 @@
             <a:fld id="{26EA1CF3-4A15-4CBF-9A5A-6A56C368BE71}" type="datetimeFigureOut">
               <a:rPr lang="en-GB" smtClean="0"/>
               <a:pPr/>
-              <a:t>07/02/2022</a:t>
+              <a:t>11/02/2022</a:t>
             </a:fld>
             <a:endParaRPr lang="en-GB"/>
           </a:p>
@@ -2524,7 +2525,7 @@
             <a:fld id="{26EA1CF3-4A15-4CBF-9A5A-6A56C368BE71}" type="datetimeFigureOut">
               <a:rPr lang="en-GB" smtClean="0"/>
               <a:pPr/>
-              <a:t>07/02/2022</a:t>
+              <a:t>11/02/2022</a:t>
             </a:fld>
             <a:endParaRPr lang="en-GB"/>
           </a:p>
@@ -2737,7 +2738,7 @@
             <a:fld id="{26EA1CF3-4A15-4CBF-9A5A-6A56C368BE71}" type="datetimeFigureOut">
               <a:rPr lang="en-GB" smtClean="0"/>
               <a:pPr/>
-              <a:t>07/02/2022</a:t>
+              <a:t>11/02/2022</a:t>
             </a:fld>
             <a:endParaRPr lang="en-GB"/>
           </a:p>
@@ -3270,44 +3271,23 @@
           </a:bodyPr>
           <a:lstStyle/>
           <a:p>
-            <a:endParaRPr lang="en-GB" sz="5400" dirty="0">
-              <a:solidFill>
-                <a:schemeClr val="bg1"/>
-              </a:solidFill>
-            </a:endParaRPr>
-          </a:p>
-          <a:p>
-            <a:r>
-              <a:rPr lang="en-GB" sz="5400" dirty="0" err="1">
-                <a:solidFill>
-                  <a:schemeClr val="bg1"/>
-                </a:solidFill>
-              </a:rPr>
-              <a:t>Ohh</a:t>
-            </a:r>
             <a:r>
               <a:rPr lang="en-GB" sz="5400" dirty="0">
                 <a:solidFill>
                   <a:schemeClr val="bg1"/>
                 </a:solidFill>
               </a:rPr>
-              <a:t> oh </a:t>
-            </a:r>
-            <a:r>
-              <a:rPr lang="en-GB" sz="5400" dirty="0" err="1">
-                <a:solidFill>
-                  <a:schemeClr val="bg1"/>
-                </a:solidFill>
-              </a:rPr>
-              <a:t>oh</a:t>
-            </a:r>
+              <a:t>And we will say</a:t>
+            </a:r>
+          </a:p>
+          <a:p>
             <a:r>
               <a:rPr lang="en-GB" sz="5400" dirty="0">
                 <a:solidFill>
                   <a:schemeClr val="bg1"/>
                 </a:solidFill>
               </a:rPr>
-              <a:t> </a:t>
+              <a:t>(Our God is Good)</a:t>
             </a:r>
           </a:p>
           <a:p>
@@ -3317,61 +3297,18 @@
                   <a:schemeClr val="bg1"/>
                 </a:solidFill>
               </a:rPr>
-              <a:t>oh </a:t>
-            </a:r>
-            <a:r>
-              <a:rPr lang="en-GB" sz="5400" dirty="0" err="1">
-                <a:solidFill>
-                  <a:schemeClr val="bg1"/>
-                </a:solidFill>
-              </a:rPr>
-              <a:t>oh</a:t>
-            </a:r>
+              <a:t>His mercies shall</a:t>
+            </a:r>
+          </a:p>
+          <a:p>
             <a:r>
               <a:rPr lang="en-GB" sz="5400" dirty="0">
                 <a:solidFill>
                   <a:schemeClr val="bg1"/>
                 </a:solidFill>
               </a:rPr>
-              <a:t> </a:t>
-            </a:r>
-            <a:r>
-              <a:rPr lang="en-GB" sz="5400" dirty="0" err="1">
-                <a:solidFill>
-                  <a:schemeClr val="bg1"/>
-                </a:solidFill>
-              </a:rPr>
-              <a:t>oh</a:t>
-            </a:r>
-            <a:endParaRPr lang="en-GB" sz="5400" dirty="0">
-              <a:solidFill>
-                <a:schemeClr val="bg1"/>
-              </a:solidFill>
-            </a:endParaRPr>
-          </a:p>
-          <a:p>
-            <a:r>
-              <a:rPr lang="en-GB" sz="5400" dirty="0">
-                <a:solidFill>
-                  <a:schemeClr val="bg1"/>
-                </a:solidFill>
-              </a:rPr>
-              <a:t>I know who I am</a:t>
-            </a:r>
-          </a:p>
-          <a:p>
-            <a:endParaRPr lang="en-GB" sz="5400" dirty="0">
-              <a:solidFill>
-                <a:schemeClr val="bg1"/>
-              </a:solidFill>
-            </a:endParaRPr>
-          </a:p>
-          <a:p>
-            <a:endParaRPr lang="en-GB" sz="5400" dirty="0">
-              <a:solidFill>
-                <a:schemeClr val="bg1"/>
-              </a:solidFill>
-            </a:endParaRPr>
+              <a:t>(Endure for life)</a:t>
+            </a:r>
           </a:p>
         </p:txBody>
       </p:sp>
@@ -3403,7 +3340,7 @@
                   <a:schemeClr val="bg1"/>
                 </a:solidFill>
               </a:rPr>
-              <a:t>4/4</a:t>
+              <a:t>1/1</a:t>
             </a:r>
           </a:p>
         </p:txBody>
@@ -3411,7 +3348,7 @@
     </p:spTree>
     <p:extLst>
       <p:ext uri="{BB962C8B-B14F-4D97-AF65-F5344CB8AC3E}">
-        <p14:creationId xmlns:p14="http://schemas.microsoft.com/office/powerpoint/2010/main" val="4066357541"/>
+        <p14:creationId xmlns:p14="http://schemas.microsoft.com/office/powerpoint/2010/main" val="3145771579"/>
       </p:ext>
     </p:extLst>
   </p:cSld>
@@ -3460,125 +3397,71 @@
           </a:bodyPr>
           <a:lstStyle/>
           <a:p>
-            <a:endParaRPr lang="en-GB" sz="6600" dirty="0">
-              <a:solidFill>
-                <a:srgbClr val="00A3E0"/>
-              </a:solidFill>
-              <a:latin typeface="akagi_probook"/>
-            </a:endParaRPr>
-          </a:p>
-          <a:p>
-            <a:r>
-              <a:rPr lang="en-GB" sz="6600" dirty="0">
-                <a:solidFill>
-                  <a:srgbClr val="00A3E0"/>
-                </a:solidFill>
-                <a:latin typeface="akagi_probook"/>
-              </a:rPr>
-              <a:t>Sing Unto the Lord</a:t>
-            </a:r>
-          </a:p>
-          <a:p>
-            <a:br>
-              <a:rPr lang="en-GB" sz="1200" dirty="0">
-                <a:solidFill>
-                  <a:schemeClr val="bg1"/>
-                </a:solidFill>
-              </a:rPr>
-            </a:br>
-            <a:r>
-              <a:rPr lang="en-GB" sz="1200" dirty="0">
-                <a:solidFill>
-                  <a:schemeClr val="bg1"/>
-                </a:solidFill>
-              </a:rPr>
-              <a:t>CCLI Song # 4109954</a:t>
-            </a:r>
-          </a:p>
-          <a:p>
-            <a:endParaRPr lang="en-GB" sz="1200" dirty="0">
-              <a:solidFill>
-                <a:schemeClr val="bg1"/>
-              </a:solidFill>
-            </a:endParaRPr>
-          </a:p>
-          <a:p>
-            <a:r>
-              <a:rPr lang="en-GB" sz="1200" dirty="0">
-                <a:solidFill>
-                  <a:schemeClr val="bg1"/>
-                </a:solidFill>
-              </a:rPr>
-              <a:t>Howard Francis | Mark Beswick | Nicky Brown</a:t>
-            </a:r>
-          </a:p>
-          <a:p>
-            <a:endParaRPr lang="en-GB" sz="1200" dirty="0">
-              <a:solidFill>
-                <a:schemeClr val="bg1"/>
-              </a:solidFill>
-            </a:endParaRPr>
-          </a:p>
-          <a:p>
-            <a:r>
-              <a:rPr lang="en-GB" sz="1200" dirty="0">
-                <a:solidFill>
-                  <a:schemeClr val="bg1"/>
-                </a:solidFill>
-              </a:rPr>
-              <a:t>© 2003 Thankyou Music (Admin. by Integrity Music Ltd)</a:t>
-            </a:r>
-          </a:p>
-          <a:p>
-            <a:r>
-              <a:rPr lang="en-GB" sz="1200" dirty="0">
-                <a:solidFill>
-                  <a:schemeClr val="bg1"/>
-                </a:solidFill>
-              </a:rPr>
-              <a:t>Remaining portion is unaffiliated</a:t>
-            </a:r>
-          </a:p>
-          <a:p>
-            <a:r>
-              <a:rPr lang="en-GB" sz="1200" dirty="0">
-                <a:solidFill>
-                  <a:schemeClr val="bg1"/>
-                </a:solidFill>
-              </a:rPr>
+            <a:endParaRPr lang="en-GB" sz="9600" dirty="0"/>
+          </a:p>
+          <a:p>
+            <a:r>
+              <a:rPr lang="en-GB" sz="9600" dirty="0">
+                <a:solidFill>
+                  <a:schemeClr val="bg1"/>
+                </a:solidFill>
+              </a:rPr>
+              <a:t>I know Who I am</a:t>
+            </a:r>
+          </a:p>
+          <a:p>
+            <a:r>
+              <a:rPr lang="en-GB" sz="1200" dirty="0"/>
+              <a:t>CCLI Song # 7115745</a:t>
+            </a:r>
+          </a:p>
+          <a:p>
+            <a:endParaRPr lang="en-GB" sz="1200" dirty="0"/>
+          </a:p>
+          <a:p>
+            <a:r>
+              <a:rPr lang="en-GB" sz="1200" dirty="0" err="1"/>
+              <a:t>Osinachi</a:t>
+            </a:r>
+            <a:r>
+              <a:rPr lang="en-GB" sz="1200" dirty="0"/>
+              <a:t> Kalu Okoro </a:t>
+            </a:r>
+            <a:r>
+              <a:rPr lang="en-GB" sz="1200" dirty="0" err="1"/>
+              <a:t>Egbu</a:t>
+            </a:r>
+            <a:endParaRPr lang="en-GB" sz="1200" dirty="0"/>
+          </a:p>
+          <a:p>
+            <a:endParaRPr lang="en-GB" sz="1200" dirty="0"/>
+          </a:p>
+          <a:p>
+            <a:r>
+              <a:rPr lang="en-GB" sz="1200" dirty="0"/>
+              <a:t>© 2013 Integrity Music Europe (Admin. by Integrity Music Ltd)</a:t>
+            </a:r>
+          </a:p>
+          <a:p>
+            <a:r>
+              <a:rPr lang="en-GB" sz="1200" dirty="0"/>
               <a:t>For use solely with the </a:t>
             </a:r>
             <a:r>
-              <a:rPr lang="en-GB" sz="1200" dirty="0" err="1">
-                <a:solidFill>
-                  <a:schemeClr val="bg1"/>
-                </a:solidFill>
-              </a:rPr>
+              <a:rPr lang="en-GB" sz="1200" dirty="0" err="1"/>
               <a:t>SongSelect</a:t>
             </a:r>
             <a:r>
-              <a:rPr lang="en-GB" sz="1200" dirty="0">
-                <a:solidFill>
-                  <a:schemeClr val="bg1"/>
-                </a:solidFill>
-              </a:rPr>
+              <a:rPr lang="en-GB" sz="1200" dirty="0"/>
               <a:t>® Terms of Use. All rights reserved. www.ccli.com</a:t>
             </a:r>
           </a:p>
           <a:p>
-            <a:endParaRPr lang="en-GB" sz="1200" dirty="0">
-              <a:solidFill>
-                <a:schemeClr val="bg1"/>
-              </a:solidFill>
-            </a:endParaRPr>
-          </a:p>
-          <a:p>
-            <a:r>
-              <a:rPr lang="en-GB" sz="1200" dirty="0">
-                <a:solidFill>
-                  <a:schemeClr val="bg1"/>
-                </a:solidFill>
-              </a:rPr>
+            <a:endParaRPr lang="en-GB" sz="1200" dirty="0"/>
+          </a:p>
+          <a:p>
+            <a:r>
+              <a:rPr lang="en-GB" sz="1200" dirty="0"/>
               <a:t>CCLI Licence No. 33265</a:t>
             </a:r>
           </a:p>
@@ -3587,7 +3470,7 @@
     </p:spTree>
     <p:extLst>
       <p:ext uri="{BB962C8B-B14F-4D97-AF65-F5344CB8AC3E}">
-        <p14:creationId xmlns:p14="http://schemas.microsoft.com/office/powerpoint/2010/main" val="3899306317"/>
+        <p14:creationId xmlns:p14="http://schemas.microsoft.com/office/powerpoint/2010/main" val="3308045615"/>
       </p:ext>
     </p:extLst>
   </p:cSld>
@@ -3642,7 +3525,7 @@
                   <a:schemeClr val="bg1"/>
                 </a:solidFill>
               </a:rPr>
-              <a:t>Sing unto the Lord a new song</a:t>
+              <a:t>We are a chosen generation</a:t>
             </a:r>
           </a:p>
           <a:p>
@@ -3652,7 +3535,7 @@
                   <a:schemeClr val="bg1"/>
                 </a:solidFill>
               </a:rPr>
-              <a:t>Bless Him praise Him</a:t>
+              <a:t>Called forth to show His excellence</a:t>
             </a:r>
           </a:p>
           <a:p>
@@ -3662,7 +3545,7 @@
                   <a:schemeClr val="bg1"/>
                 </a:solidFill>
               </a:rPr>
-              <a:t>Lift Him higher</a:t>
+              <a:t>All I require for life God has given me</a:t>
             </a:r>
           </a:p>
           <a:p>
@@ -3672,20 +3555,15 @@
                   <a:schemeClr val="bg1"/>
                 </a:solidFill>
               </a:rPr>
-              <a:t>All you chosen generation</a:t>
-            </a:r>
-          </a:p>
-          <a:p>
-            <a:r>
+              <a:t>And I know who I am</a:t>
+            </a:r>
+            <a:br>
               <a:rPr lang="en-GB" sz="5400" dirty="0">
                 <a:solidFill>
                   <a:schemeClr val="bg1"/>
                 </a:solidFill>
               </a:rPr>
-              <a:t>Dance and celebrate</a:t>
-            </a:r>
-          </a:p>
-          <a:p>
+            </a:br>
             <a:r>
               <a:rPr lang="en-GB" sz="5400" dirty="0">
                 <a:solidFill>
@@ -3725,7 +3603,7 @@
                   <a:schemeClr val="bg1"/>
                 </a:solidFill>
               </a:rPr>
-              <a:t>1/3</a:t>
+              <a:t>1/4</a:t>
             </a:r>
           </a:p>
         </p:txBody>
@@ -3733,7 +3611,7 @@
     </p:spTree>
     <p:extLst>
       <p:ext uri="{BB962C8B-B14F-4D97-AF65-F5344CB8AC3E}">
-        <p14:creationId xmlns:p14="http://schemas.microsoft.com/office/powerpoint/2010/main" val="1146950907"/>
+        <p14:creationId xmlns:p14="http://schemas.microsoft.com/office/powerpoint/2010/main" val="163130024"/>
       </p:ext>
     </p:extLst>
   </p:cSld>
@@ -3788,7 +3666,7 @@
                   <a:schemeClr val="bg1"/>
                 </a:solidFill>
               </a:rPr>
-              <a:t>If you lift Him high</a:t>
+              <a:t>I know who God says I am What He says I am</a:t>
             </a:r>
           </a:p>
           <a:p>
@@ -3798,17 +3676,23 @@
                   <a:schemeClr val="bg1"/>
                 </a:solidFill>
               </a:rPr>
-              <a:t>He will draw us</a:t>
-            </a:r>
-          </a:p>
-          <a:p>
+              <a:t>Where He says </a:t>
+            </a:r>
+            <a:r>
+              <a:rPr lang="en-GB" sz="5400" dirty="0" err="1">
+                <a:solidFill>
+                  <a:schemeClr val="bg1"/>
+                </a:solidFill>
+              </a:rPr>
+              <a:t>I’am</a:t>
+            </a:r>
             <a:r>
               <a:rPr lang="en-GB" sz="5400" dirty="0">
                 <a:solidFill>
                   <a:schemeClr val="bg1"/>
                 </a:solidFill>
               </a:rPr>
-              <a:t>Nearer ever closer to Him</a:t>
+              <a:t> at </a:t>
             </a:r>
           </a:p>
           <a:p>
@@ -3818,7 +3702,29 @@
                   <a:schemeClr val="bg1"/>
                 </a:solidFill>
               </a:rPr>
-              <a:t>Day by day</a:t>
+              <a:t>I know who I am</a:t>
+            </a:r>
+            <a:br>
+              <a:rPr lang="en-GB" sz="5400" dirty="0">
+                <a:solidFill>
+                  <a:schemeClr val="bg1"/>
+                </a:solidFill>
+              </a:rPr>
+            </a:br>
+            <a:br>
+              <a:rPr lang="en-GB" sz="5400" dirty="0">
+                <a:solidFill>
+                  <a:schemeClr val="bg1"/>
+                </a:solidFill>
+              </a:rPr>
+            </a:br>
+            <a:r>
+              <a:rPr lang="en-GB" sz="5400" dirty="0">
+                <a:solidFill>
+                  <a:schemeClr val="bg1"/>
+                </a:solidFill>
+              </a:rPr>
+              <a:t>(REPEAT)</a:t>
             </a:r>
           </a:p>
         </p:txBody>
@@ -3851,7 +3757,7 @@
                   <a:schemeClr val="bg1"/>
                 </a:solidFill>
               </a:rPr>
-              <a:t>2/3</a:t>
+              <a:t>2/4</a:t>
             </a:r>
           </a:p>
         </p:txBody>
@@ -3859,7 +3765,7 @@
     </p:spTree>
     <p:extLst>
       <p:ext uri="{BB962C8B-B14F-4D97-AF65-F5344CB8AC3E}">
-        <p14:creationId xmlns:p14="http://schemas.microsoft.com/office/powerpoint/2010/main" val="792705877"/>
+        <p14:creationId xmlns:p14="http://schemas.microsoft.com/office/powerpoint/2010/main" val="564552926"/>
       </p:ext>
     </p:extLst>
   </p:cSld>
@@ -3914,7 +3820,7 @@
                   <a:schemeClr val="bg1"/>
                 </a:solidFill>
               </a:rPr>
-              <a:t>If you lift Him high</a:t>
+              <a:t>I'm working in power </a:t>
             </a:r>
           </a:p>
           <a:p>
@@ -3924,7 +3830,7 @@
                   <a:schemeClr val="bg1"/>
                 </a:solidFill>
               </a:rPr>
-              <a:t>He will draw us</a:t>
+              <a:t>I'm working miracles</a:t>
             </a:r>
           </a:p>
           <a:p>
@@ -3934,17 +3840,47 @@
                   <a:schemeClr val="bg1"/>
                 </a:solidFill>
               </a:rPr>
-              <a:t>Nearer ever closer to Him</a:t>
-            </a:r>
-          </a:p>
-          <a:p>
+              <a:t>I live a life of favour </a:t>
+            </a:r>
+          </a:p>
+          <a:p>
+            <a:r>
+              <a:rPr lang="en-GB" sz="5400" dirty="0" err="1">
+                <a:solidFill>
+                  <a:schemeClr val="bg1"/>
+                </a:solidFill>
+              </a:rPr>
+              <a:t>'Cause</a:t>
+            </a:r>
             <a:r>
               <a:rPr lang="en-GB" sz="5400" dirty="0">
                 <a:solidFill>
                   <a:schemeClr val="bg1"/>
                 </a:solidFill>
               </a:rPr>
-              <a:t>Every day</a:t>
+              <a:t> I know who I am </a:t>
+            </a:r>
+            <a:br>
+              <a:rPr lang="en-GB" sz="5400" dirty="0">
+                <a:solidFill>
+                  <a:schemeClr val="bg1"/>
+                </a:solidFill>
+              </a:rPr>
+            </a:br>
+            <a:br>
+              <a:rPr lang="en-GB" sz="5400" dirty="0">
+                <a:solidFill>
+                  <a:schemeClr val="bg1"/>
+                </a:solidFill>
+              </a:rPr>
+            </a:br>
+            <a:r>
+              <a:rPr lang="en-GB" sz="5400" dirty="0">
+                <a:solidFill>
+                  <a:schemeClr val="bg1"/>
+                </a:solidFill>
+              </a:rPr>
+              <a:t>(REPEAT)</a:t>
             </a:r>
           </a:p>
         </p:txBody>
@@ -3977,7 +3913,7 @@
                   <a:schemeClr val="bg1"/>
                 </a:solidFill>
               </a:rPr>
-              <a:t>3/3</a:t>
+              <a:t>3/4</a:t>
             </a:r>
           </a:p>
         </p:txBody>
@@ -3985,7 +3921,7 @@
     </p:spTree>
     <p:extLst>
       <p:ext uri="{BB962C8B-B14F-4D97-AF65-F5344CB8AC3E}">
-        <p14:creationId xmlns:p14="http://schemas.microsoft.com/office/powerpoint/2010/main" val="1030849742"/>
+        <p14:creationId xmlns:p14="http://schemas.microsoft.com/office/powerpoint/2010/main" val="1120616589"/>
       </p:ext>
     </p:extLst>
   </p:cSld>
@@ -4034,43 +3970,99 @@
           </a:bodyPr>
           <a:lstStyle/>
           <a:p>
-            <a:r>
-              <a:rPr lang="en-GB" sz="5400" dirty="0">
-                <a:solidFill>
-                  <a:schemeClr val="bg1"/>
-                </a:solidFill>
-              </a:rPr>
-              <a:t>And we will say</a:t>
-            </a:r>
-          </a:p>
-          <a:p>
-            <a:r>
-              <a:rPr lang="en-GB" sz="5400" dirty="0">
-                <a:solidFill>
-                  <a:schemeClr val="bg1"/>
-                </a:solidFill>
-              </a:rPr>
-              <a:t>(Our God is Good)</a:t>
-            </a:r>
-          </a:p>
-          <a:p>
-            <a:r>
-              <a:rPr lang="en-GB" sz="5400" dirty="0">
-                <a:solidFill>
-                  <a:schemeClr val="bg1"/>
-                </a:solidFill>
-              </a:rPr>
-              <a:t>His mercies shall</a:t>
-            </a:r>
-          </a:p>
-          <a:p>
-            <a:r>
-              <a:rPr lang="en-GB" sz="5400" dirty="0">
-                <a:solidFill>
-                  <a:schemeClr val="bg1"/>
-                </a:solidFill>
-              </a:rPr>
-              <a:t>(Endure for life)</a:t>
+            <a:br>
+              <a:rPr lang="en-GB" sz="6000" dirty="0">
+                <a:solidFill>
+                  <a:schemeClr val="bg1"/>
+                </a:solidFill>
+              </a:rPr>
+            </a:br>
+            <a:r>
+              <a:rPr lang="en-GB" sz="6000" dirty="0" err="1">
+                <a:solidFill>
+                  <a:schemeClr val="bg1"/>
+                </a:solidFill>
+              </a:rPr>
+              <a:t>Ohh</a:t>
+            </a:r>
+            <a:r>
+              <a:rPr lang="en-GB" sz="6000" dirty="0">
+                <a:solidFill>
+                  <a:schemeClr val="bg1"/>
+                </a:solidFill>
+              </a:rPr>
+              <a:t> oh </a:t>
+            </a:r>
+            <a:r>
+              <a:rPr lang="en-GB" sz="6000" dirty="0" err="1">
+                <a:solidFill>
+                  <a:schemeClr val="bg1"/>
+                </a:solidFill>
+              </a:rPr>
+              <a:t>oh</a:t>
+            </a:r>
+            <a:r>
+              <a:rPr lang="en-GB" sz="6000" dirty="0">
+                <a:solidFill>
+                  <a:schemeClr val="bg1"/>
+                </a:solidFill>
+              </a:rPr>
+              <a:t>,</a:t>
+            </a:r>
+          </a:p>
+          <a:p>
+            <a:r>
+              <a:rPr lang="en-GB" sz="6000" dirty="0">
+                <a:solidFill>
+                  <a:schemeClr val="bg1"/>
+                </a:solidFill>
+              </a:rPr>
+              <a:t>Oh oh </a:t>
+            </a:r>
+            <a:r>
+              <a:rPr lang="en-GB" sz="6000" dirty="0" err="1">
+                <a:solidFill>
+                  <a:schemeClr val="bg1"/>
+                </a:solidFill>
+              </a:rPr>
+              <a:t>oh</a:t>
+            </a:r>
+            <a:endParaRPr lang="en-GB" sz="6000" dirty="0">
+              <a:solidFill>
+                <a:schemeClr val="bg1"/>
+              </a:solidFill>
+            </a:endParaRPr>
+          </a:p>
+          <a:p>
+            <a:r>
+              <a:rPr lang="en-GB" sz="6000" dirty="0">
+                <a:solidFill>
+                  <a:schemeClr val="bg1"/>
+                </a:solidFill>
+              </a:rPr>
+              <a:t>I know who I am</a:t>
+            </a:r>
+            <a:br>
+              <a:rPr lang="en-GB" sz="6000" dirty="0">
+                <a:solidFill>
+                  <a:schemeClr val="bg1"/>
+                </a:solidFill>
+              </a:rPr>
+            </a:br>
+            <a:br>
+              <a:rPr lang="en-GB" sz="6000" dirty="0">
+                <a:solidFill>
+                  <a:schemeClr val="bg1"/>
+                </a:solidFill>
+              </a:rPr>
+            </a:br>
+            <a:r>
+              <a:rPr lang="en-GB" sz="6000" dirty="0">
+                <a:solidFill>
+                  <a:schemeClr val="bg1"/>
+                </a:solidFill>
+              </a:rPr>
+              <a:t>(REPEAT)</a:t>
             </a:r>
           </a:p>
         </p:txBody>
@@ -4103,7 +4095,7 @@
                   <a:schemeClr val="bg1"/>
                 </a:solidFill>
               </a:rPr>
-              <a:t>1/1</a:t>
+              <a:t>4/4</a:t>
             </a:r>
           </a:p>
         </p:txBody>
@@ -4111,7 +4103,7 @@
     </p:spTree>
     <p:extLst>
       <p:ext uri="{BB962C8B-B14F-4D97-AF65-F5344CB8AC3E}">
-        <p14:creationId xmlns:p14="http://schemas.microsoft.com/office/powerpoint/2010/main" val="3714056234"/>
+        <p14:creationId xmlns:p14="http://schemas.microsoft.com/office/powerpoint/2010/main" val="4066357541"/>
       </p:ext>
     </p:extLst>
   </p:cSld>
@@ -4160,80 +4152,93 @@
           </a:bodyPr>
           <a:lstStyle/>
           <a:p>
-            <a:endParaRPr lang="en-GB" sz="9600" dirty="0"/>
-          </a:p>
-          <a:p>
-            <a:r>
-              <a:rPr lang="en-GB" sz="9600" dirty="0">
-                <a:solidFill>
-                  <a:schemeClr val="bg1"/>
-                </a:solidFill>
-              </a:rPr>
-              <a:t>Your Love Never Fails</a:t>
-            </a:r>
-          </a:p>
-          <a:p>
-            <a:r>
-              <a:rPr lang="en-GB" sz="1200" dirty="0"/>
-              <a:t>CCLI Song # 5337172</a:t>
-            </a:r>
-          </a:p>
-          <a:p>
-            <a:endParaRPr lang="en-GB" sz="1200" dirty="0"/>
-          </a:p>
-          <a:p>
-            <a:r>
-              <a:rPr lang="en-GB" sz="1200" dirty="0"/>
-              <a:t>Anthony Skinner | Chris </a:t>
-            </a:r>
-            <a:r>
-              <a:rPr lang="en-GB" sz="1200" dirty="0" err="1"/>
-              <a:t>McClarney</a:t>
-            </a:r>
-            <a:endParaRPr lang="en-GB" sz="1200" dirty="0"/>
-          </a:p>
-          <a:p>
-            <a:endParaRPr lang="en-GB" sz="1200" dirty="0"/>
-          </a:p>
-          <a:p>
-            <a:r>
-              <a:rPr lang="en-GB" sz="1200" dirty="0"/>
-              <a:t>© 2008 Integrity's Alleluia! Music (Admin. by Integrity Music Ltd)</a:t>
-            </a:r>
-          </a:p>
-          <a:p>
-            <a:r>
-              <a:rPr lang="en-GB" sz="1200" dirty="0"/>
-              <a:t>Out Of The Cave Music (Admin. by Integrity Music Ltd)</a:t>
-            </a:r>
-          </a:p>
-          <a:p>
-            <a:r>
-              <a:rPr lang="en-GB" sz="1200" dirty="0"/>
-              <a:t>Thankyou Music (Admin. by Integrity Music Ltd)</a:t>
-            </a:r>
-          </a:p>
-          <a:p>
-            <a:r>
-              <a:rPr lang="en-GB" sz="1200" dirty="0"/>
-              <a:t>For use solely with the </a:t>
-            </a:r>
-            <a:r>
-              <a:rPr lang="en-GB" sz="1200" dirty="0" err="1"/>
-              <a:t>SongSelect</a:t>
-            </a:r>
-            <a:r>
-              <a:rPr lang="en-GB" sz="1200" dirty="0"/>
-              <a:t>® Terms of Use. All rights reserved. www.ccli.com</a:t>
-            </a:r>
-          </a:p>
-          <a:p>
-            <a:endParaRPr lang="en-GB" sz="1200" dirty="0"/>
-          </a:p>
-          <a:p>
-            <a:r>
-              <a:rPr lang="en-GB" sz="1200" dirty="0"/>
-              <a:t>CCLI Licence No. 33265</a:t>
+            <a:r>
+              <a:rPr lang="en-GB" sz="4800" dirty="0">
+                <a:solidFill>
+                  <a:schemeClr val="bg1"/>
+                </a:solidFill>
+              </a:rPr>
+              <a:t>I am holy, I am righteous.</a:t>
+            </a:r>
+          </a:p>
+          <a:p>
+            <a:r>
+              <a:rPr lang="en-GB" sz="4800" dirty="0">
+                <a:solidFill>
+                  <a:schemeClr val="bg1"/>
+                </a:solidFill>
+              </a:rPr>
+              <a:t>I am so rich, I am beautiful.</a:t>
+            </a:r>
+          </a:p>
+          <a:p>
+            <a:br>
+              <a:rPr lang="en-GB" sz="4800" dirty="0">
+                <a:solidFill>
+                  <a:schemeClr val="bg1"/>
+                </a:solidFill>
+              </a:rPr>
+            </a:br>
+            <a:r>
+              <a:rPr lang="en-GB" sz="4800" dirty="0">
+                <a:solidFill>
+                  <a:schemeClr val="bg1"/>
+                </a:solidFill>
+              </a:rPr>
+              <a:t>Take a look at me, I'm a wonder.</a:t>
+            </a:r>
+          </a:p>
+          <a:p>
+            <a:r>
+              <a:rPr lang="en-GB" sz="4800" dirty="0">
+                <a:solidFill>
+                  <a:schemeClr val="bg1"/>
+                </a:solidFill>
+              </a:rPr>
+              <a:t>It doesn't matter what you see now.</a:t>
+            </a:r>
+          </a:p>
+          <a:p>
+            <a:r>
+              <a:rPr lang="en-GB" sz="4800" dirty="0">
+                <a:solidFill>
+                  <a:schemeClr val="bg1"/>
+                </a:solidFill>
+              </a:rPr>
+              <a:t>Can you see His glory for I know who I am?</a:t>
+            </a:r>
+          </a:p>
+        </p:txBody>
+      </p:sp>
+      <p:sp>
+        <p:nvSpPr>
+          <p:cNvPr id="4" name="TextBox 3"/>
+          <p:cNvSpPr txBox="1"/>
+          <p:nvPr/>
+        </p:nvSpPr>
+        <p:spPr>
+          <a:xfrm>
+            <a:off x="8529729" y="0"/>
+            <a:ext cx="628698" cy="461665"/>
+          </a:xfrm>
+          <a:prstGeom prst="rect">
+            <a:avLst/>
+          </a:prstGeom>
+          <a:noFill/>
+        </p:spPr>
+        <p:txBody>
+          <a:bodyPr wrap="none" rtlCol="0">
+            <a:spAutoFit/>
+          </a:bodyPr>
+          <a:lstStyle/>
+          <a:p>
+            <a:r>
+              <a:rPr lang="en-GB" sz="2400" b="1" dirty="0">
+                <a:solidFill>
+                  <a:schemeClr val="bg1"/>
+                </a:solidFill>
+              </a:rPr>
+              <a:t>4/4</a:t>
             </a:r>
           </a:p>
         </p:txBody>
@@ -4241,7 +4246,7 @@
     </p:spTree>
     <p:extLst>
       <p:ext uri="{BB962C8B-B14F-4D97-AF65-F5344CB8AC3E}">
-        <p14:creationId xmlns:p14="http://schemas.microsoft.com/office/powerpoint/2010/main" val="2533024977"/>
+        <p14:creationId xmlns:p14="http://schemas.microsoft.com/office/powerpoint/2010/main" val="1048619832"/>
       </p:ext>
     </p:extLst>
   </p:cSld>
@@ -4290,109 +4295,80 @@
           </a:bodyPr>
           <a:lstStyle/>
           <a:p>
-            <a:r>
-              <a:rPr lang="en-GB" sz="4900" dirty="0">
-                <a:solidFill>
-                  <a:schemeClr val="bg1"/>
-                </a:solidFill>
-              </a:rPr>
-              <a:t>Nothing can separate</a:t>
-            </a:r>
-          </a:p>
-          <a:p>
-            <a:r>
-              <a:rPr lang="en-GB" sz="4900" dirty="0">
-                <a:solidFill>
-                  <a:schemeClr val="bg1"/>
-                </a:solidFill>
-              </a:rPr>
-              <a:t>Even if I ran away</a:t>
-            </a:r>
-          </a:p>
-          <a:p>
-            <a:r>
-              <a:rPr lang="en-GB" sz="4900" dirty="0">
-                <a:solidFill>
-                  <a:schemeClr val="bg1"/>
-                </a:solidFill>
-              </a:rPr>
-              <a:t>Your love never fails</a:t>
-            </a:r>
-          </a:p>
-          <a:p>
-            <a:r>
-              <a:rPr lang="en-GB" sz="4900" dirty="0">
-                <a:solidFill>
-                  <a:schemeClr val="bg1"/>
-                </a:solidFill>
-              </a:rPr>
-              <a:t>I know I still make mistakes but</a:t>
-            </a:r>
-          </a:p>
-          <a:p>
-            <a:r>
-              <a:rPr lang="en-GB" sz="4900" dirty="0">
-                <a:solidFill>
-                  <a:schemeClr val="bg1"/>
-                </a:solidFill>
-              </a:rPr>
-              <a:t>You have new mercies for me </a:t>
-            </a:r>
-            <a:r>
-              <a:rPr lang="en-GB" sz="4900" dirty="0" err="1">
-                <a:solidFill>
-                  <a:schemeClr val="bg1"/>
-                </a:solidFill>
-              </a:rPr>
-              <a:t>ev'ryday</a:t>
-            </a:r>
-            <a:endParaRPr lang="en-GB" sz="4900" dirty="0">
-              <a:solidFill>
-                <a:schemeClr val="bg1"/>
-              </a:solidFill>
-            </a:endParaRPr>
-          </a:p>
-          <a:p>
-            <a:r>
-              <a:rPr lang="en-GB" sz="4900" dirty="0">
-                <a:solidFill>
-                  <a:schemeClr val="bg1"/>
-                </a:solidFill>
-              </a:rPr>
-              <a:t>Your love never fails</a:t>
-            </a:r>
-          </a:p>
-        </p:txBody>
-      </p:sp>
-      <p:sp>
-        <p:nvSpPr>
-          <p:cNvPr id="4" name="TextBox 3"/>
-          <p:cNvSpPr txBox="1"/>
-          <p:nvPr/>
-        </p:nvSpPr>
-        <p:spPr>
-          <a:xfrm>
-            <a:off x="8529729" y="0"/>
-            <a:ext cx="628698" cy="461665"/>
-          </a:xfrm>
-          <a:prstGeom prst="rect">
-            <a:avLst/>
-          </a:prstGeom>
-          <a:noFill/>
-        </p:spPr>
-        <p:txBody>
-          <a:bodyPr wrap="none" rtlCol="0">
-            <a:spAutoFit/>
-          </a:bodyPr>
-          <a:lstStyle/>
-          <a:p>
-            <a:r>
-              <a:rPr lang="en-GB" sz="2400" b="1" dirty="0">
-                <a:solidFill>
-                  <a:schemeClr val="bg1"/>
-                </a:solidFill>
-              </a:rPr>
-              <a:t>1/4</a:t>
+            <a:endParaRPr lang="en-GB" sz="9600" dirty="0"/>
+          </a:p>
+          <a:p>
+            <a:r>
+              <a:rPr lang="en-GB" sz="9600" dirty="0">
+                <a:solidFill>
+                  <a:schemeClr val="bg1"/>
+                </a:solidFill>
+              </a:rPr>
+              <a:t>Your Love Never Fails</a:t>
+            </a:r>
+          </a:p>
+          <a:p>
+            <a:r>
+              <a:rPr lang="en-GB" sz="1200" dirty="0"/>
+              <a:t>CCLI Song # 5337172</a:t>
+            </a:r>
+          </a:p>
+          <a:p>
+            <a:endParaRPr lang="en-GB" sz="1200" dirty="0"/>
+          </a:p>
+          <a:p>
+            <a:r>
+              <a:rPr lang="en-GB" sz="1200" dirty="0"/>
+              <a:t>Anthony Skinner | Chris </a:t>
+            </a:r>
+            <a:r>
+              <a:rPr lang="en-GB" sz="1200" dirty="0" err="1"/>
+              <a:t>McClarney</a:t>
+            </a:r>
+            <a:endParaRPr lang="en-GB" sz="1200" dirty="0"/>
+          </a:p>
+          <a:p>
+            <a:endParaRPr lang="en-GB" sz="1200" dirty="0"/>
+          </a:p>
+          <a:p>
+            <a:r>
+              <a:rPr lang="en-GB" sz="1200" dirty="0"/>
+              <a:t>© 2008 Integrity's Alleluia! Music (Admin. by Integrity Music Ltd)</a:t>
+            </a:r>
+          </a:p>
+          <a:p>
+            <a:r>
+              <a:rPr lang="en-GB" sz="1200" dirty="0"/>
+              <a:t>Out Of The Cave Music (Admin. by Integrity Music Ltd)</a:t>
+            </a:r>
+          </a:p>
+          <a:p>
+            <a:r>
+              <a:rPr lang="en-GB" sz="1200" dirty="0"/>
+              <a:t>Thankyou Music (Admin. by Integrity Music Ltd)</a:t>
+            </a:r>
+          </a:p>
+          <a:p>
+            <a:r>
+              <a:rPr lang="en-GB" sz="1200" dirty="0"/>
+              <a:t>For use solely with the </a:t>
+            </a:r>
+            <a:r>
+              <a:rPr lang="en-GB" sz="1200" dirty="0" err="1"/>
+              <a:t>SongSelect</a:t>
+            </a:r>
+            <a:r>
+              <a:rPr lang="en-GB" sz="1200" dirty="0"/>
+              <a:t>® Terms of Use. All rights reserved. www.ccli.com</a:t>
+            </a:r>
+          </a:p>
+          <a:p>
+            <a:endParaRPr lang="en-GB" sz="1200" dirty="0"/>
+          </a:p>
+          <a:p>
+            <a:r>
+              <a:rPr lang="en-GB" sz="1200" dirty="0"/>
+              <a:t>CCLI Licence No. 33265</a:t>
             </a:r>
           </a:p>
         </p:txBody>
@@ -4400,7 +4376,7 @@
     </p:spTree>
     <p:extLst>
       <p:ext uri="{BB962C8B-B14F-4D97-AF65-F5344CB8AC3E}">
-        <p14:creationId xmlns:p14="http://schemas.microsoft.com/office/powerpoint/2010/main" val="1913697752"/>
+        <p14:creationId xmlns:p14="http://schemas.microsoft.com/office/powerpoint/2010/main" val="2533024977"/>
       </p:ext>
     </p:extLst>
   </p:cSld>
@@ -4450,82 +4426,75 @@
           <a:lstStyle/>
           <a:p>
             <a:r>
-              <a:rPr lang="en-GB" sz="4400" dirty="0">
-                <a:solidFill>
-                  <a:schemeClr val="bg1"/>
-                </a:solidFill>
-              </a:rPr>
-              <a:t>You stay the same through the ages</a:t>
-            </a:r>
-          </a:p>
-          <a:p>
-            <a:r>
-              <a:rPr lang="en-GB" sz="4400" dirty="0">
-                <a:solidFill>
-                  <a:schemeClr val="bg1"/>
-                </a:solidFill>
-              </a:rPr>
-              <a:t>Your love never changes</a:t>
-            </a:r>
-          </a:p>
-          <a:p>
-            <a:r>
-              <a:rPr lang="en-GB" sz="4400" dirty="0">
-                <a:solidFill>
-                  <a:schemeClr val="bg1"/>
-                </a:solidFill>
-              </a:rPr>
-              <a:t>There may be pain in the night</a:t>
-            </a:r>
-          </a:p>
-          <a:p>
-            <a:r>
-              <a:rPr lang="en-GB" sz="4400" dirty="0">
-                <a:solidFill>
-                  <a:schemeClr val="bg1"/>
-                </a:solidFill>
-              </a:rPr>
-              <a:t>But joy comes in the morning</a:t>
-            </a:r>
-          </a:p>
-          <a:p>
-            <a:r>
-              <a:rPr lang="en-GB" sz="4400" dirty="0">
-                <a:solidFill>
-                  <a:schemeClr val="bg1"/>
-                </a:solidFill>
-              </a:rPr>
-              <a:t>And when the oceans rage</a:t>
-            </a:r>
-          </a:p>
-          <a:p>
-            <a:r>
-              <a:rPr lang="en-GB" sz="4400" dirty="0">
-                <a:solidFill>
-                  <a:schemeClr val="bg1"/>
-                </a:solidFill>
-              </a:rPr>
-              <a:t>I don't have to be afraid</a:t>
-            </a:r>
-          </a:p>
-          <a:p>
-            <a:r>
-              <a:rPr lang="en-GB" sz="4400" dirty="0">
-                <a:solidFill>
-                  <a:schemeClr val="bg1"/>
-                </a:solidFill>
-              </a:rPr>
-              <a:t>Because I know that You love me</a:t>
-            </a:r>
-          </a:p>
-          <a:p>
-            <a:r>
-              <a:rPr lang="en-GB" sz="4400" dirty="0">
-                <a:solidFill>
-                  <a:schemeClr val="bg1"/>
-                </a:solidFill>
-              </a:rPr>
-              <a:t>(Your love never fails)</a:t>
+              <a:rPr lang="en-GB" sz="4900" dirty="0">
+                <a:solidFill>
+                  <a:schemeClr val="bg1"/>
+                </a:solidFill>
+              </a:rPr>
+              <a:t>Nothing can separate</a:t>
+            </a:r>
+          </a:p>
+          <a:p>
+            <a:r>
+              <a:rPr lang="en-GB" sz="4900" dirty="0">
+                <a:solidFill>
+                  <a:schemeClr val="bg1"/>
+                </a:solidFill>
+              </a:rPr>
+              <a:t>Even if I ran away</a:t>
+            </a:r>
+          </a:p>
+          <a:p>
+            <a:r>
+              <a:rPr lang="en-GB" sz="4900" dirty="0">
+                <a:solidFill>
+                  <a:schemeClr val="bg1"/>
+                </a:solidFill>
+              </a:rPr>
+              <a:t>Your love never fails</a:t>
+            </a:r>
+          </a:p>
+          <a:p>
+            <a:r>
+              <a:rPr lang="en-GB" sz="4900" dirty="0">
+                <a:solidFill>
+                  <a:schemeClr val="bg1"/>
+                </a:solidFill>
+              </a:rPr>
+              <a:t>I know I still make mistakes but</a:t>
+            </a:r>
+          </a:p>
+          <a:p>
+            <a:r>
+              <a:rPr lang="en-GB" sz="4900" dirty="0">
+                <a:solidFill>
+                  <a:schemeClr val="bg1"/>
+                </a:solidFill>
+              </a:rPr>
+              <a:t>You have new mercies for me </a:t>
+            </a:r>
+            <a:r>
+              <a:rPr lang="en-GB" sz="4900" dirty="0" err="1">
+                <a:solidFill>
+                  <a:schemeClr val="bg1"/>
+                </a:solidFill>
+              </a:rPr>
+              <a:t>ev'ryday</a:t>
+            </a:r>
+            <a:endParaRPr lang="en-GB" sz="4900" dirty="0">
+              <a:solidFill>
+                <a:schemeClr val="bg1"/>
+              </a:solidFill>
+            </a:endParaRPr>
+          </a:p>
+          <a:p>
+            <a:r>
+              <a:rPr lang="en-GB" sz="4900" dirty="0">
+                <a:solidFill>
+                  <a:schemeClr val="bg1"/>
+                </a:solidFill>
+              </a:rPr>
+              <a:t>Your love never fails</a:t>
             </a:r>
           </a:p>
         </p:txBody>
@@ -4558,7 +4527,7 @@
                   <a:schemeClr val="bg1"/>
                 </a:solidFill>
               </a:rPr>
-              <a:t>2/4</a:t>
+              <a:t>1/4</a:t>
             </a:r>
           </a:p>
         </p:txBody>
@@ -4566,7 +4535,7 @@
     </p:spTree>
     <p:extLst>
       <p:ext uri="{BB962C8B-B14F-4D97-AF65-F5344CB8AC3E}">
-        <p14:creationId xmlns:p14="http://schemas.microsoft.com/office/powerpoint/2010/main" val="384510526"/>
+        <p14:creationId xmlns:p14="http://schemas.microsoft.com/office/powerpoint/2010/main" val="1913697752"/>
       </p:ext>
     </p:extLst>
   </p:cSld>
@@ -4605,8 +4574,8 @@
         </p:nvSpPr>
         <p:spPr>
           <a:xfrm>
-            <a:off x="323528" y="116632"/>
-            <a:ext cx="8640960" cy="6552728"/>
+            <a:off x="323528" y="188640"/>
+            <a:ext cx="8640960" cy="6480720"/>
           </a:xfrm>
         </p:spPr>
         <p:txBody>
@@ -4621,7 +4590,7 @@
                   <a:schemeClr val="bg1"/>
                 </a:solidFill>
               </a:rPr>
-              <a:t>The wind is strong and the water's deep</a:t>
+              <a:t>You stay the same through the ages</a:t>
             </a:r>
           </a:p>
           <a:p>
@@ -4631,7 +4600,7 @@
                   <a:schemeClr val="bg1"/>
                 </a:solidFill>
               </a:rPr>
-              <a:t>But I'm not alone here in these open seas</a:t>
+              <a:t>Your love never changes</a:t>
             </a:r>
           </a:p>
           <a:p>
@@ -4641,7 +4610,7 @@
                   <a:schemeClr val="bg1"/>
                 </a:solidFill>
               </a:rPr>
-              <a:t>Your love never fails</a:t>
+              <a:t>There may be pain in the night</a:t>
             </a:r>
           </a:p>
           <a:p>
@@ -4651,7 +4620,7 @@
                   <a:schemeClr val="bg1"/>
                 </a:solidFill>
               </a:rPr>
-              <a:t>The chasm is far too wide</a:t>
+              <a:t>But joy comes in the morning</a:t>
             </a:r>
           </a:p>
           <a:p>
@@ -4661,7 +4630,7 @@
                   <a:schemeClr val="bg1"/>
                 </a:solidFill>
               </a:rPr>
-              <a:t>I never thought I'd reach the other side</a:t>
+              <a:t>And when the oceans rage</a:t>
             </a:r>
           </a:p>
           <a:p>
@@ -4671,7 +4640,27 @@
                   <a:schemeClr val="bg1"/>
                 </a:solidFill>
               </a:rPr>
-              <a:t>Your love never fails</a:t>
+              <a:t>I don't have to be afraid</a:t>
+            </a:r>
+          </a:p>
+          <a:p>
+            <a:r>
+              <a:rPr lang="en-GB" sz="4400" dirty="0">
+                <a:solidFill>
+                  <a:schemeClr val="bg1"/>
+                </a:solidFill>
+              </a:rPr>
+              <a:t>Because I know that You love me</a:t>
+            </a:r>
+          </a:p>
+          <a:p>
+            <a:r>
+              <a:rPr lang="en-GB" sz="4400" dirty="0">
+                <a:solidFill>
+                  <a:schemeClr val="bg1"/>
+                </a:solidFill>
+              </a:rPr>
+              <a:t>(Your love never fails)</a:t>
             </a:r>
           </a:p>
         </p:txBody>
@@ -4704,7 +4693,7 @@
                   <a:schemeClr val="bg1"/>
                 </a:solidFill>
               </a:rPr>
-              <a:t>3/4</a:t>
+              <a:t>2/4</a:t>
             </a:r>
           </a:p>
         </p:txBody>
@@ -4712,7 +4701,7 @@
     </p:spTree>
     <p:extLst>
       <p:ext uri="{BB962C8B-B14F-4D97-AF65-F5344CB8AC3E}">
-        <p14:creationId xmlns:p14="http://schemas.microsoft.com/office/powerpoint/2010/main" val="2153540039"/>
+        <p14:creationId xmlns:p14="http://schemas.microsoft.com/office/powerpoint/2010/main" val="384510526"/>
       </p:ext>
     </p:extLst>
   </p:cSld>
@@ -4852,7 +4841,7 @@
                   <a:schemeClr val="bg1"/>
                 </a:solidFill>
               </a:rPr>
-              <a:t>You make all things</a:t>
+              <a:t>The wind is strong and the water's deep</a:t>
             </a:r>
           </a:p>
           <a:p>
@@ -4862,7 +4851,7 @@
                   <a:schemeClr val="bg1"/>
                 </a:solidFill>
               </a:rPr>
-              <a:t>Work together for my good</a:t>
+              <a:t>But I'm not alone here in these open seas</a:t>
             </a:r>
           </a:p>
           <a:p>
@@ -4872,7 +4861,7 @@
                   <a:schemeClr val="bg1"/>
                 </a:solidFill>
               </a:rPr>
-              <a:t>You make all things</a:t>
+              <a:t>Your love never fails</a:t>
             </a:r>
           </a:p>
           <a:p>
@@ -4882,7 +4871,27 @@
                   <a:schemeClr val="bg1"/>
                 </a:solidFill>
               </a:rPr>
-              <a:t>Work together for my good</a:t>
+              <a:t>The chasm is far too wide</a:t>
+            </a:r>
+          </a:p>
+          <a:p>
+            <a:r>
+              <a:rPr lang="en-GB" sz="4400" dirty="0">
+                <a:solidFill>
+                  <a:schemeClr val="bg1"/>
+                </a:solidFill>
+              </a:rPr>
+              <a:t>I never thought I'd reach the other side</a:t>
+            </a:r>
+          </a:p>
+          <a:p>
+            <a:r>
+              <a:rPr lang="en-GB" sz="4400" dirty="0">
+                <a:solidFill>
+                  <a:schemeClr val="bg1"/>
+                </a:solidFill>
+              </a:rPr>
+              <a:t>Your love never fails</a:t>
             </a:r>
           </a:p>
         </p:txBody>
@@ -4915,7 +4924,7 @@
                   <a:schemeClr val="bg1"/>
                 </a:solidFill>
               </a:rPr>
-              <a:t>4/4</a:t>
+              <a:t>3/4</a:t>
             </a:r>
           </a:p>
         </p:txBody>
@@ -4923,7 +4932,7 @@
     </p:spTree>
     <p:extLst>
       <p:ext uri="{BB962C8B-B14F-4D97-AF65-F5344CB8AC3E}">
-        <p14:creationId xmlns:p14="http://schemas.microsoft.com/office/powerpoint/2010/main" val="3165966296"/>
+        <p14:creationId xmlns:p14="http://schemas.microsoft.com/office/powerpoint/2010/main" val="2153540039"/>
       </p:ext>
     </p:extLst>
   </p:cSld>
@@ -4962,8 +4971,8 @@
         </p:nvSpPr>
         <p:spPr>
           <a:xfrm>
-            <a:off x="323528" y="188640"/>
-            <a:ext cx="8640960" cy="6480720"/>
+            <a:off x="323528" y="116632"/>
+            <a:ext cx="8640960" cy="6552728"/>
           </a:xfrm>
         </p:spPr>
         <p:txBody>
@@ -4972,117 +4981,76 @@
           </a:bodyPr>
           <a:lstStyle/>
           <a:p>
-            <a:endParaRPr lang="en-GB" sz="6600" dirty="0">
-              <a:solidFill>
-                <a:srgbClr val="00A3E0"/>
-              </a:solidFill>
-              <a:latin typeface="akagi_probook"/>
-            </a:endParaRPr>
-          </a:p>
-          <a:p>
-            <a:r>
-              <a:rPr lang="en-GB" sz="6600" dirty="0">
-                <a:solidFill>
-                  <a:srgbClr val="00A3E0"/>
-                </a:solidFill>
-                <a:latin typeface="akagi_probook"/>
-              </a:rPr>
-              <a:t>Worthy</a:t>
-            </a:r>
-          </a:p>
-          <a:p>
-            <a:endParaRPr lang="en-GB" sz="6600" dirty="0">
-              <a:solidFill>
-                <a:srgbClr val="00A3E0"/>
-              </a:solidFill>
-              <a:latin typeface="akagi_probook"/>
-            </a:endParaRPr>
-          </a:p>
-          <a:p>
-            <a:r>
-              <a:rPr lang="en-GB" sz="1200" dirty="0">
-                <a:solidFill>
-                  <a:schemeClr val="bg1"/>
-                </a:solidFill>
-              </a:rPr>
-              <a:t>CCLI Song # 7111931</a:t>
-            </a:r>
-          </a:p>
-          <a:p>
-            <a:endParaRPr lang="en-GB" sz="1200" dirty="0">
-              <a:solidFill>
-                <a:schemeClr val="bg1"/>
-              </a:solidFill>
-            </a:endParaRPr>
-          </a:p>
-          <a:p>
-            <a:r>
-              <a:rPr lang="en-GB" sz="1200" dirty="0">
-                <a:solidFill>
-                  <a:schemeClr val="bg1"/>
-                </a:solidFill>
-              </a:rPr>
-              <a:t>Chris Brown | Mack Brock | Steven Furtick</a:t>
-            </a:r>
-          </a:p>
-          <a:p>
-            <a:endParaRPr lang="en-GB" sz="1200" dirty="0">
-              <a:solidFill>
-                <a:schemeClr val="bg1"/>
-              </a:solidFill>
-            </a:endParaRPr>
-          </a:p>
-          <a:p>
-            <a:r>
-              <a:rPr lang="en-GB" sz="1200" dirty="0">
-                <a:solidFill>
-                  <a:schemeClr val="bg1"/>
-                </a:solidFill>
-              </a:rPr>
-              <a:t>© Music by Elevation Worship Publishing (Admin. by Essential Music Publishing LLC)</a:t>
-            </a:r>
-          </a:p>
-          <a:p>
-            <a:r>
-              <a:rPr lang="en-GB" sz="1200" dirty="0">
-                <a:solidFill>
-                  <a:schemeClr val="bg1"/>
-                </a:solidFill>
-              </a:rPr>
-              <a:t>For use solely with the </a:t>
-            </a:r>
-            <a:r>
-              <a:rPr lang="en-GB" sz="1200" dirty="0" err="1">
-                <a:solidFill>
-                  <a:schemeClr val="bg1"/>
-                </a:solidFill>
-              </a:rPr>
-              <a:t>SongSelect</a:t>
-            </a:r>
-            <a:r>
-              <a:rPr lang="en-GB" sz="1200" dirty="0">
-                <a:solidFill>
-                  <a:schemeClr val="bg1"/>
-                </a:solidFill>
-              </a:rPr>
-              <a:t>® Terms of Use. All rights reserved. www.ccli.com</a:t>
-            </a:r>
-          </a:p>
-          <a:p>
-            <a:endParaRPr lang="en-GB" sz="1200" dirty="0">
-              <a:solidFill>
-                <a:schemeClr val="bg1"/>
-              </a:solidFill>
-            </a:endParaRPr>
-          </a:p>
-          <a:p>
-            <a:r>
-              <a:rPr lang="en-GB" sz="1200" dirty="0">
-                <a:solidFill>
-                  <a:schemeClr val="bg1"/>
-                </a:solidFill>
-              </a:rPr>
-              <a:t>CCLI Licence No. 33265</a:t>
+            <a:r>
+              <a:rPr lang="en-GB" sz="4400" dirty="0">
+                <a:solidFill>
+                  <a:schemeClr val="bg1"/>
+                </a:solidFill>
+              </a:rPr>
+              <a:t>You make all things</a:t>
+            </a:r>
+          </a:p>
+          <a:p>
+            <a:r>
+              <a:rPr lang="en-GB" sz="4400" dirty="0">
+                <a:solidFill>
+                  <a:schemeClr val="bg1"/>
+                </a:solidFill>
+              </a:rPr>
+              <a:t>Work together for my good</a:t>
+            </a:r>
+          </a:p>
+          <a:p>
+            <a:r>
+              <a:rPr lang="en-GB" sz="4400" dirty="0">
+                <a:solidFill>
+                  <a:schemeClr val="bg1"/>
+                </a:solidFill>
+              </a:rPr>
+              <a:t>You make all things</a:t>
+            </a:r>
+          </a:p>
+          <a:p>
+            <a:r>
+              <a:rPr lang="en-GB" sz="4400" dirty="0">
+                <a:solidFill>
+                  <a:schemeClr val="bg1"/>
+                </a:solidFill>
+              </a:rPr>
+              <a:t>Work together for my good</a:t>
+            </a:r>
+          </a:p>
+        </p:txBody>
+      </p:sp>
+      <p:sp>
+        <p:nvSpPr>
+          <p:cNvPr id="4" name="TextBox 3"/>
+          <p:cNvSpPr txBox="1"/>
+          <p:nvPr/>
+        </p:nvSpPr>
+        <p:spPr>
+          <a:xfrm>
+            <a:off x="8529729" y="0"/>
+            <a:ext cx="628698" cy="461665"/>
+          </a:xfrm>
+          <a:prstGeom prst="rect">
+            <a:avLst/>
+          </a:prstGeom>
+          <a:noFill/>
+        </p:spPr>
+        <p:txBody>
+          <a:bodyPr wrap="none" rtlCol="0">
+            <a:spAutoFit/>
+          </a:bodyPr>
+          <a:lstStyle/>
+          <a:p>
+            <a:r>
+              <a:rPr lang="en-GB" sz="2400" b="1" dirty="0">
+                <a:solidFill>
+                  <a:schemeClr val="bg1"/>
+                </a:solidFill>
+              </a:rPr>
+              <a:t>4/4</a:t>
             </a:r>
           </a:p>
         </p:txBody>
@@ -5090,7 +5058,7 @@
     </p:spTree>
     <p:extLst>
       <p:ext uri="{BB962C8B-B14F-4D97-AF65-F5344CB8AC3E}">
-        <p14:creationId xmlns:p14="http://schemas.microsoft.com/office/powerpoint/2010/main" val="3421161000"/>
+        <p14:creationId xmlns:p14="http://schemas.microsoft.com/office/powerpoint/2010/main" val="3165966296"/>
       </p:ext>
     </p:extLst>
   </p:cSld>
@@ -5139,76 +5107,117 @@
           </a:bodyPr>
           <a:lstStyle/>
           <a:p>
-            <a:r>
-              <a:rPr lang="en-GB" sz="5400" dirty="0">
-                <a:solidFill>
-                  <a:schemeClr val="bg1"/>
-                </a:solidFill>
-              </a:rPr>
-              <a:t>It was my cross You bore</a:t>
-            </a:r>
-          </a:p>
-          <a:p>
-            <a:r>
-              <a:rPr lang="en-GB" sz="5400" dirty="0">
-                <a:solidFill>
-                  <a:schemeClr val="bg1"/>
-                </a:solidFill>
-              </a:rPr>
-              <a:t>So I could live in the freedom You died for</a:t>
-            </a:r>
-          </a:p>
-          <a:p>
-            <a:r>
-              <a:rPr lang="en-GB" sz="5400" dirty="0">
-                <a:solidFill>
-                  <a:schemeClr val="bg1"/>
-                </a:solidFill>
-              </a:rPr>
-              <a:t>And now my life is Yours</a:t>
-            </a:r>
-          </a:p>
-          <a:p>
-            <a:r>
-              <a:rPr lang="en-GB" sz="5400" dirty="0">
-                <a:solidFill>
-                  <a:schemeClr val="bg1"/>
-                </a:solidFill>
-              </a:rPr>
-              <a:t>And I will sing of Your goodness forevermore</a:t>
-            </a:r>
-          </a:p>
-        </p:txBody>
-      </p:sp>
-      <p:sp>
-        <p:nvSpPr>
-          <p:cNvPr id="4" name="TextBox 3"/>
-          <p:cNvSpPr txBox="1"/>
-          <p:nvPr/>
-        </p:nvSpPr>
-        <p:spPr>
-          <a:xfrm>
-            <a:off x="8529729" y="0"/>
-            <a:ext cx="628698" cy="461665"/>
-          </a:xfrm>
-          <a:prstGeom prst="rect">
-            <a:avLst/>
-          </a:prstGeom>
-          <a:noFill/>
-        </p:spPr>
-        <p:txBody>
-          <a:bodyPr wrap="none" rtlCol="0">
-            <a:spAutoFit/>
-          </a:bodyPr>
-          <a:lstStyle/>
-          <a:p>
-            <a:r>
-              <a:rPr lang="en-GB" sz="2400" b="1" dirty="0">
-                <a:solidFill>
-                  <a:schemeClr val="bg1"/>
-                </a:solidFill>
-              </a:rPr>
-              <a:t>1/4</a:t>
+            <a:endParaRPr lang="en-GB" sz="6600" dirty="0">
+              <a:solidFill>
+                <a:srgbClr val="00A3E0"/>
+              </a:solidFill>
+              <a:latin typeface="akagi_probook"/>
+            </a:endParaRPr>
+          </a:p>
+          <a:p>
+            <a:r>
+              <a:rPr lang="en-GB" sz="6600" dirty="0">
+                <a:solidFill>
+                  <a:srgbClr val="00A3E0"/>
+                </a:solidFill>
+                <a:latin typeface="akagi_probook"/>
+              </a:rPr>
+              <a:t>Worthy</a:t>
+            </a:r>
+          </a:p>
+          <a:p>
+            <a:endParaRPr lang="en-GB" sz="6600" dirty="0">
+              <a:solidFill>
+                <a:srgbClr val="00A3E0"/>
+              </a:solidFill>
+              <a:latin typeface="akagi_probook"/>
+            </a:endParaRPr>
+          </a:p>
+          <a:p>
+            <a:r>
+              <a:rPr lang="en-GB" sz="1200" dirty="0">
+                <a:solidFill>
+                  <a:schemeClr val="bg1"/>
+                </a:solidFill>
+              </a:rPr>
+              <a:t>CCLI Song # 7111931</a:t>
+            </a:r>
+          </a:p>
+          <a:p>
+            <a:endParaRPr lang="en-GB" sz="1200" dirty="0">
+              <a:solidFill>
+                <a:schemeClr val="bg1"/>
+              </a:solidFill>
+            </a:endParaRPr>
+          </a:p>
+          <a:p>
+            <a:r>
+              <a:rPr lang="en-GB" sz="1200" dirty="0">
+                <a:solidFill>
+                  <a:schemeClr val="bg1"/>
+                </a:solidFill>
+              </a:rPr>
+              <a:t>Chris Brown | Mack Brock | Steven Furtick</a:t>
+            </a:r>
+          </a:p>
+          <a:p>
+            <a:endParaRPr lang="en-GB" sz="1200" dirty="0">
+              <a:solidFill>
+                <a:schemeClr val="bg1"/>
+              </a:solidFill>
+            </a:endParaRPr>
+          </a:p>
+          <a:p>
+            <a:r>
+              <a:rPr lang="en-GB" sz="1200" dirty="0">
+                <a:solidFill>
+                  <a:schemeClr val="bg1"/>
+                </a:solidFill>
+              </a:rPr>
+              <a:t>© Music by Elevation Worship Publishing (Admin. by Essential Music Publishing LLC)</a:t>
+            </a:r>
+          </a:p>
+          <a:p>
+            <a:r>
+              <a:rPr lang="en-GB" sz="1200" dirty="0">
+                <a:solidFill>
+                  <a:schemeClr val="bg1"/>
+                </a:solidFill>
+              </a:rPr>
+              <a:t>For use solely with the </a:t>
+            </a:r>
+            <a:r>
+              <a:rPr lang="en-GB" sz="1200" dirty="0" err="1">
+                <a:solidFill>
+                  <a:schemeClr val="bg1"/>
+                </a:solidFill>
+              </a:rPr>
+              <a:t>SongSelect</a:t>
+            </a:r>
+            <a:r>
+              <a:rPr lang="en-GB" sz="1200" dirty="0">
+                <a:solidFill>
+                  <a:schemeClr val="bg1"/>
+                </a:solidFill>
+              </a:rPr>
+              <a:t>® Terms of Use. All rights reserved. www.ccli.com</a:t>
+            </a:r>
+          </a:p>
+          <a:p>
+            <a:endParaRPr lang="en-GB" sz="1200" dirty="0">
+              <a:solidFill>
+                <a:schemeClr val="bg1"/>
+              </a:solidFill>
+            </a:endParaRPr>
+          </a:p>
+          <a:p>
+            <a:r>
+              <a:rPr lang="en-GB" sz="1200" dirty="0">
+                <a:solidFill>
+                  <a:schemeClr val="bg1"/>
+                </a:solidFill>
+              </a:rPr>
+              <a:t>CCLI Licence No. 33265</a:t>
             </a:r>
           </a:p>
         </p:txBody>
@@ -5216,7 +5225,7 @@
     </p:spTree>
     <p:extLst>
       <p:ext uri="{BB962C8B-B14F-4D97-AF65-F5344CB8AC3E}">
-        <p14:creationId xmlns:p14="http://schemas.microsoft.com/office/powerpoint/2010/main" val="3348290221"/>
+        <p14:creationId xmlns:p14="http://schemas.microsoft.com/office/powerpoint/2010/main" val="3421161000"/>
       </p:ext>
     </p:extLst>
   </p:cSld>
@@ -5271,7 +5280,7 @@
                   <a:schemeClr val="bg1"/>
                 </a:solidFill>
               </a:rPr>
-              <a:t>Worthy is Your name, Jesus</a:t>
+              <a:t>It was my cross You bore</a:t>
             </a:r>
           </a:p>
           <a:p>
@@ -5281,7 +5290,7 @@
                   <a:schemeClr val="bg1"/>
                 </a:solidFill>
               </a:rPr>
-              <a:t>You deserve the praise </a:t>
+              <a:t>So I could live in the freedom You died for</a:t>
             </a:r>
           </a:p>
           <a:p>
@@ -5291,7 +5300,7 @@
                   <a:schemeClr val="bg1"/>
                 </a:solidFill>
               </a:rPr>
-              <a:t>Worthy is Your name</a:t>
+              <a:t>And now my life is Yours</a:t>
             </a:r>
           </a:p>
           <a:p>
@@ -5301,27 +5310,7 @@
                   <a:schemeClr val="bg1"/>
                 </a:solidFill>
               </a:rPr>
-              <a:t>Worthy is Your name, Jesus</a:t>
-            </a:r>
-          </a:p>
-          <a:p>
-            <a:r>
-              <a:rPr lang="en-GB" sz="5400" dirty="0">
-                <a:solidFill>
-                  <a:schemeClr val="bg1"/>
-                </a:solidFill>
-              </a:rPr>
-              <a:t>You deserve the praise </a:t>
-            </a:r>
-          </a:p>
-          <a:p>
-            <a:r>
-              <a:rPr lang="en-GB" sz="5400" dirty="0">
-                <a:solidFill>
-                  <a:schemeClr val="bg1"/>
-                </a:solidFill>
-              </a:rPr>
-              <a:t>Worthy is Your name</a:t>
+              <a:t>And I will sing of Your goodness forevermore</a:t>
             </a:r>
           </a:p>
         </p:txBody>
@@ -5354,7 +5343,7 @@
                   <a:schemeClr val="bg1"/>
                 </a:solidFill>
               </a:rPr>
-              <a:t>2/4</a:t>
+              <a:t>1/4</a:t>
             </a:r>
           </a:p>
         </p:txBody>
@@ -5362,7 +5351,7 @@
     </p:spTree>
     <p:extLst>
       <p:ext uri="{BB962C8B-B14F-4D97-AF65-F5344CB8AC3E}">
-        <p14:creationId xmlns:p14="http://schemas.microsoft.com/office/powerpoint/2010/main" val="2544967348"/>
+        <p14:creationId xmlns:p14="http://schemas.microsoft.com/office/powerpoint/2010/main" val="3348290221"/>
       </p:ext>
     </p:extLst>
   </p:cSld>
@@ -5417,7 +5406,7 @@
                   <a:schemeClr val="bg1"/>
                 </a:solidFill>
               </a:rPr>
-              <a:t>And now my shame is gone</a:t>
+              <a:t>Worthy is Your name, Jesus</a:t>
             </a:r>
           </a:p>
           <a:p>
@@ -5427,7 +5416,7 @@
                   <a:schemeClr val="bg1"/>
                 </a:solidFill>
               </a:rPr>
-              <a:t>I stand amazed in Your love undeniable</a:t>
+              <a:t>You deserve the praise </a:t>
             </a:r>
           </a:p>
           <a:p>
@@ -5437,7 +5426,7 @@
                   <a:schemeClr val="bg1"/>
                 </a:solidFill>
               </a:rPr>
-              <a:t>Your grace goes on and on</a:t>
+              <a:t>Worthy is Your name</a:t>
             </a:r>
           </a:p>
           <a:p>
@@ -5447,7 +5436,27 @@
                   <a:schemeClr val="bg1"/>
                 </a:solidFill>
               </a:rPr>
-              <a:t>And I will sing of Your goodness forevermore</a:t>
+              <a:t>Worthy is Your name, Jesus</a:t>
+            </a:r>
+          </a:p>
+          <a:p>
+            <a:r>
+              <a:rPr lang="en-GB" sz="5400" dirty="0">
+                <a:solidFill>
+                  <a:schemeClr val="bg1"/>
+                </a:solidFill>
+              </a:rPr>
+              <a:t>You deserve the praise </a:t>
+            </a:r>
+          </a:p>
+          <a:p>
+            <a:r>
+              <a:rPr lang="en-GB" sz="5400" dirty="0">
+                <a:solidFill>
+                  <a:schemeClr val="bg1"/>
+                </a:solidFill>
+              </a:rPr>
+              <a:t>Worthy is Your name</a:t>
             </a:r>
           </a:p>
         </p:txBody>
@@ -5480,7 +5489,7 @@
                   <a:schemeClr val="bg1"/>
                 </a:solidFill>
               </a:rPr>
-              <a:t>3/4</a:t>
+              <a:t>2/4</a:t>
             </a:r>
           </a:p>
         </p:txBody>
@@ -5488,7 +5497,7 @@
     </p:spTree>
     <p:extLst>
       <p:ext uri="{BB962C8B-B14F-4D97-AF65-F5344CB8AC3E}">
-        <p14:creationId xmlns:p14="http://schemas.microsoft.com/office/powerpoint/2010/main" val="4115935787"/>
+        <p14:creationId xmlns:p14="http://schemas.microsoft.com/office/powerpoint/2010/main" val="2544967348"/>
       </p:ext>
     </p:extLst>
   </p:cSld>
@@ -5543,7 +5552,7 @@
                   <a:schemeClr val="bg1"/>
                 </a:solidFill>
               </a:rPr>
-              <a:t>Be exalted now in the heavens</a:t>
+              <a:t>And now my shame is gone</a:t>
             </a:r>
           </a:p>
           <a:p>
@@ -5553,7 +5562,7 @@
                   <a:schemeClr val="bg1"/>
                 </a:solidFill>
               </a:rPr>
-              <a:t>As Your glory fills this place</a:t>
+              <a:t>I stand amazed in Your love undeniable</a:t>
             </a:r>
           </a:p>
           <a:p>
@@ -5563,7 +5572,7 @@
                   <a:schemeClr val="bg1"/>
                 </a:solidFill>
               </a:rPr>
-              <a:t>You alone deserve our praise</a:t>
+              <a:t>Your grace goes on and on</a:t>
             </a:r>
           </a:p>
           <a:p>
@@ -5573,7 +5582,7 @@
                   <a:schemeClr val="bg1"/>
                 </a:solidFill>
               </a:rPr>
-              <a:t>You're the name above all names</a:t>
+              <a:t>And I will sing of Your goodness forevermore</a:t>
             </a:r>
           </a:p>
         </p:txBody>
@@ -5606,7 +5615,7 @@
                   <a:schemeClr val="bg1"/>
                 </a:solidFill>
               </a:rPr>
-              <a:t>4/4</a:t>
+              <a:t>3/4</a:t>
             </a:r>
           </a:p>
         </p:txBody>
@@ -5614,7 +5623,7 @@
     </p:spTree>
     <p:extLst>
       <p:ext uri="{BB962C8B-B14F-4D97-AF65-F5344CB8AC3E}">
-        <p14:creationId xmlns:p14="http://schemas.microsoft.com/office/powerpoint/2010/main" val="1826131985"/>
+        <p14:creationId xmlns:p14="http://schemas.microsoft.com/office/powerpoint/2010/main" val="4115935787"/>
       </p:ext>
     </p:extLst>
   </p:cSld>
@@ -5663,116 +5672,76 @@
           </a:bodyPr>
           <a:lstStyle/>
           <a:p>
-            <a:endParaRPr lang="en-GB" sz="6600" dirty="0">
-              <a:solidFill>
-                <a:srgbClr val="00A3E0"/>
-              </a:solidFill>
-              <a:latin typeface="akagi_probook"/>
-            </a:endParaRPr>
-          </a:p>
-          <a:p>
-            <a:r>
-              <a:rPr lang="en-GB" sz="6600" dirty="0">
-                <a:solidFill>
-                  <a:srgbClr val="00A3E0"/>
-                </a:solidFill>
-                <a:latin typeface="akagi_probook"/>
-              </a:rPr>
-              <a:t>Refiner</a:t>
-            </a:r>
-          </a:p>
-          <a:p>
-            <a:br>
-              <a:rPr lang="en-GB" sz="1200" dirty="0">
-                <a:solidFill>
-                  <a:schemeClr val="bg1"/>
-                </a:solidFill>
-              </a:rPr>
-            </a:br>
-            <a:r>
-              <a:rPr lang="en-GB" sz="1200" dirty="0">
-                <a:solidFill>
-                  <a:schemeClr val="bg1"/>
-                </a:solidFill>
-              </a:rPr>
-              <a:t>CCLI Song # 7142743</a:t>
-            </a:r>
-          </a:p>
-          <a:p>
-            <a:endParaRPr lang="en-GB" sz="1200" dirty="0">
-              <a:solidFill>
-                <a:schemeClr val="bg1"/>
-              </a:solidFill>
-            </a:endParaRPr>
-          </a:p>
-          <a:p>
-            <a:r>
-              <a:rPr lang="en-GB" sz="1200" dirty="0">
-                <a:solidFill>
-                  <a:schemeClr val="bg1"/>
-                </a:solidFill>
-              </a:rPr>
-              <a:t>Chandler Moore</a:t>
-            </a:r>
-          </a:p>
-          <a:p>
-            <a:endParaRPr lang="en-GB" sz="1200" dirty="0">
-              <a:solidFill>
-                <a:schemeClr val="bg1"/>
-              </a:solidFill>
-            </a:endParaRPr>
-          </a:p>
-          <a:p>
-            <a:r>
-              <a:rPr lang="en-GB" sz="1200" dirty="0">
-                <a:solidFill>
-                  <a:schemeClr val="bg1"/>
-                </a:solidFill>
-              </a:rPr>
-              <a:t>© Chandler Moore Designee (Admin. by Capitol CMG Publishing)</a:t>
-            </a:r>
-          </a:p>
-          <a:p>
-            <a:r>
-              <a:rPr lang="en-GB" sz="1200" dirty="0">
-                <a:solidFill>
-                  <a:schemeClr val="bg1"/>
-                </a:solidFill>
-              </a:rPr>
-              <a:t>For use solely with the </a:t>
-            </a:r>
-            <a:r>
-              <a:rPr lang="en-GB" sz="1200" dirty="0" err="1">
-                <a:solidFill>
-                  <a:schemeClr val="bg1"/>
-                </a:solidFill>
-              </a:rPr>
-              <a:t>SongSelect</a:t>
-            </a:r>
-            <a:r>
-              <a:rPr lang="en-GB" sz="1200" dirty="0">
-                <a:solidFill>
-                  <a:schemeClr val="bg1"/>
-                </a:solidFill>
-              </a:rPr>
-              <a:t>® Terms of Use. All rights reserved. www.ccli.com</a:t>
-            </a:r>
-          </a:p>
-          <a:p>
-            <a:endParaRPr lang="en-GB" sz="1200" dirty="0">
-              <a:solidFill>
-                <a:schemeClr val="bg1"/>
-              </a:solidFill>
-            </a:endParaRPr>
-          </a:p>
-          <a:p>
-            <a:r>
-              <a:rPr lang="en-GB" sz="1200" dirty="0">
-                <a:solidFill>
-                  <a:schemeClr val="bg1"/>
-                </a:solidFill>
-              </a:rPr>
-              <a:t>CCLI Licence No. 33265</a:t>
+            <a:r>
+              <a:rPr lang="en-GB" sz="5400" dirty="0">
+                <a:solidFill>
+                  <a:schemeClr val="bg1"/>
+                </a:solidFill>
+              </a:rPr>
+              <a:t>Be exalted now in the heavens</a:t>
+            </a:r>
+          </a:p>
+          <a:p>
+            <a:r>
+              <a:rPr lang="en-GB" sz="5400" dirty="0">
+                <a:solidFill>
+                  <a:schemeClr val="bg1"/>
+                </a:solidFill>
+              </a:rPr>
+              <a:t>As Your glory fills this place</a:t>
+            </a:r>
+          </a:p>
+          <a:p>
+            <a:r>
+              <a:rPr lang="en-GB" sz="5400" dirty="0">
+                <a:solidFill>
+                  <a:schemeClr val="bg1"/>
+                </a:solidFill>
+              </a:rPr>
+              <a:t>You alone deserve our praise</a:t>
+            </a:r>
+          </a:p>
+          <a:p>
+            <a:r>
+              <a:rPr lang="en-GB" sz="5400" dirty="0">
+                <a:solidFill>
+                  <a:schemeClr val="bg1"/>
+                </a:solidFill>
+              </a:rPr>
+              <a:t>You're the name above all names</a:t>
+            </a:r>
+          </a:p>
+        </p:txBody>
+      </p:sp>
+      <p:sp>
+        <p:nvSpPr>
+          <p:cNvPr id="4" name="TextBox 3"/>
+          <p:cNvSpPr txBox="1"/>
+          <p:nvPr/>
+        </p:nvSpPr>
+        <p:spPr>
+          <a:xfrm>
+            <a:off x="8529729" y="0"/>
+            <a:ext cx="628698" cy="461665"/>
+          </a:xfrm>
+          <a:prstGeom prst="rect">
+            <a:avLst/>
+          </a:prstGeom>
+          <a:noFill/>
+        </p:spPr>
+        <p:txBody>
+          <a:bodyPr wrap="none" rtlCol="0">
+            <a:spAutoFit/>
+          </a:bodyPr>
+          <a:lstStyle/>
+          <a:p>
+            <a:r>
+              <a:rPr lang="en-GB" sz="2400" b="1" dirty="0">
+                <a:solidFill>
+                  <a:schemeClr val="bg1"/>
+                </a:solidFill>
+              </a:rPr>
+              <a:t>4/4</a:t>
             </a:r>
           </a:p>
         </p:txBody>
@@ -5780,7 +5749,7 @@
     </p:spTree>
     <p:extLst>
       <p:ext uri="{BB962C8B-B14F-4D97-AF65-F5344CB8AC3E}">
-        <p14:creationId xmlns:p14="http://schemas.microsoft.com/office/powerpoint/2010/main" val="3981282301"/>
+        <p14:creationId xmlns:p14="http://schemas.microsoft.com/office/powerpoint/2010/main" val="1826131985"/>
       </p:ext>
     </p:extLst>
   </p:cSld>
@@ -5791,893 +5760,6 @@
 </file>
 
 <file path=ppt/slides/slide27.xml><?xml version="1.0" encoding="utf-8"?>
-<p:sld xmlns:a="http://schemas.openxmlformats.org/drawingml/2006/main" xmlns:r="http://schemas.openxmlformats.org/officeDocument/2006/relationships" xmlns:p="http://schemas.openxmlformats.org/presentationml/2006/main">
-  <p:cSld>
-    <p:spTree>
-      <p:nvGrpSpPr>
-        <p:cNvPr id="1" name=""/>
-        <p:cNvGrpSpPr/>
-        <p:nvPr/>
-      </p:nvGrpSpPr>
-      <p:grpSpPr>
-        <a:xfrm>
-          <a:off x="0" y="0"/>
-          <a:ext cx="0" cy="0"/>
-          <a:chOff x="0" y="0"/>
-          <a:chExt cx="0" cy="0"/>
-        </a:xfrm>
-      </p:grpSpPr>
-      <p:sp>
-        <p:nvSpPr>
-          <p:cNvPr id="3" name="Subtitle 2"/>
-          <p:cNvSpPr>
-            <a:spLocks noGrp="1"/>
-          </p:cNvSpPr>
-          <p:nvPr>
-            <p:ph type="subTitle" idx="1"/>
-          </p:nvPr>
-        </p:nvSpPr>
-        <p:spPr>
-          <a:xfrm>
-            <a:off x="323528" y="188640"/>
-            <a:ext cx="8640960" cy="6480720"/>
-          </a:xfrm>
-        </p:spPr>
-        <p:txBody>
-          <a:bodyPr>
-            <a:noAutofit/>
-          </a:bodyPr>
-          <a:lstStyle/>
-          <a:p>
-            <a:r>
-              <a:rPr lang="en-GB" sz="4400" dirty="0">
-                <a:solidFill>
-                  <a:schemeClr val="bg1"/>
-                </a:solidFill>
-              </a:rPr>
-              <a:t>If the altar's where You meet us</a:t>
-            </a:r>
-          </a:p>
-          <a:p>
-            <a:r>
-              <a:rPr lang="en-GB" sz="4400" dirty="0">
-                <a:solidFill>
-                  <a:schemeClr val="bg1"/>
-                </a:solidFill>
-              </a:rPr>
-              <a:t>Take me there take me there</a:t>
-            </a:r>
-          </a:p>
-          <a:p>
-            <a:r>
-              <a:rPr lang="en-GB" sz="4400" dirty="0">
-                <a:solidFill>
-                  <a:schemeClr val="bg1"/>
-                </a:solidFill>
-              </a:rPr>
-              <a:t>If what You need is just an offering</a:t>
-            </a:r>
-          </a:p>
-          <a:p>
-            <a:r>
-              <a:rPr lang="en-GB" sz="4400" dirty="0">
-                <a:solidFill>
-                  <a:schemeClr val="bg1"/>
-                </a:solidFill>
-              </a:rPr>
-              <a:t>It's right here my life is here</a:t>
-            </a:r>
-          </a:p>
-          <a:p>
-            <a:r>
-              <a:rPr lang="en-GB" sz="4400" dirty="0">
-                <a:solidFill>
-                  <a:schemeClr val="bg1"/>
-                </a:solidFill>
-              </a:rPr>
-              <a:t>And I'll be a living sacrifice for You</a:t>
-            </a:r>
-            <a:br>
-              <a:rPr lang="en-GB" sz="4400" dirty="0">
-                <a:solidFill>
-                  <a:schemeClr val="bg1"/>
-                </a:solidFill>
-              </a:rPr>
-            </a:br>
-            <a:br>
-              <a:rPr lang="en-GB" sz="4400" dirty="0">
-                <a:solidFill>
-                  <a:schemeClr val="bg1"/>
-                </a:solidFill>
-              </a:rPr>
-            </a:br>
-            <a:r>
-              <a:rPr lang="en-GB" sz="4400" dirty="0">
-                <a:solidFill>
-                  <a:schemeClr val="bg1"/>
-                </a:solidFill>
-              </a:rPr>
-              <a:t>You're a fire the refiner</a:t>
-            </a:r>
-          </a:p>
-          <a:p>
-            <a:r>
-              <a:rPr lang="en-GB" sz="4400" dirty="0">
-                <a:solidFill>
-                  <a:schemeClr val="bg1"/>
-                </a:solidFill>
-              </a:rPr>
-              <a:t>I </a:t>
-            </a:r>
-            <a:r>
-              <a:rPr lang="en-GB" sz="4400" dirty="0" err="1">
-                <a:solidFill>
-                  <a:schemeClr val="bg1"/>
-                </a:solidFill>
-              </a:rPr>
-              <a:t>wanna</a:t>
-            </a:r>
-            <a:r>
-              <a:rPr lang="en-GB" sz="4400" dirty="0">
-                <a:solidFill>
-                  <a:schemeClr val="bg1"/>
-                </a:solidFill>
-              </a:rPr>
-              <a:t> be consumed</a:t>
-            </a:r>
-          </a:p>
-        </p:txBody>
-      </p:sp>
-      <p:sp>
-        <p:nvSpPr>
-          <p:cNvPr id="4" name="TextBox 3"/>
-          <p:cNvSpPr txBox="1"/>
-          <p:nvPr/>
-        </p:nvSpPr>
-        <p:spPr>
-          <a:xfrm>
-            <a:off x="8529729" y="0"/>
-            <a:ext cx="628698" cy="461665"/>
-          </a:xfrm>
-          <a:prstGeom prst="rect">
-            <a:avLst/>
-          </a:prstGeom>
-          <a:noFill/>
-        </p:spPr>
-        <p:txBody>
-          <a:bodyPr wrap="none" rtlCol="0">
-            <a:spAutoFit/>
-          </a:bodyPr>
-          <a:lstStyle/>
-          <a:p>
-            <a:r>
-              <a:rPr lang="en-GB" sz="2400" b="1" dirty="0">
-                <a:solidFill>
-                  <a:schemeClr val="bg1"/>
-                </a:solidFill>
-              </a:rPr>
-              <a:t>1/4</a:t>
-            </a:r>
-          </a:p>
-        </p:txBody>
-      </p:sp>
-    </p:spTree>
-    <p:extLst>
-      <p:ext uri="{BB962C8B-B14F-4D97-AF65-F5344CB8AC3E}">
-        <p14:creationId xmlns:p14="http://schemas.microsoft.com/office/powerpoint/2010/main" val="2870070286"/>
-      </p:ext>
-    </p:extLst>
-  </p:cSld>
-  <p:clrMapOvr>
-    <a:masterClrMapping/>
-  </p:clrMapOvr>
-</p:sld>
-</file>
-
-<file path=ppt/slides/slide28.xml><?xml version="1.0" encoding="utf-8"?>
-<p:sld xmlns:a="http://schemas.openxmlformats.org/drawingml/2006/main" xmlns:r="http://schemas.openxmlformats.org/officeDocument/2006/relationships" xmlns:p="http://schemas.openxmlformats.org/presentationml/2006/main">
-  <p:cSld>
-    <p:spTree>
-      <p:nvGrpSpPr>
-        <p:cNvPr id="1" name=""/>
-        <p:cNvGrpSpPr/>
-        <p:nvPr/>
-      </p:nvGrpSpPr>
-      <p:grpSpPr>
-        <a:xfrm>
-          <a:off x="0" y="0"/>
-          <a:ext cx="0" cy="0"/>
-          <a:chOff x="0" y="0"/>
-          <a:chExt cx="0" cy="0"/>
-        </a:xfrm>
-      </p:grpSpPr>
-      <p:sp>
-        <p:nvSpPr>
-          <p:cNvPr id="3" name="Subtitle 2"/>
-          <p:cNvSpPr>
-            <a:spLocks noGrp="1"/>
-          </p:cNvSpPr>
-          <p:nvPr>
-            <p:ph type="subTitle" idx="1"/>
-          </p:nvPr>
-        </p:nvSpPr>
-        <p:spPr>
-          <a:xfrm>
-            <a:off x="323528" y="188640"/>
-            <a:ext cx="8640960" cy="6480720"/>
-          </a:xfrm>
-        </p:spPr>
-        <p:txBody>
-          <a:bodyPr>
-            <a:noAutofit/>
-          </a:bodyPr>
-          <a:lstStyle/>
-          <a:p>
-            <a:r>
-              <a:rPr lang="en-GB" sz="6000" dirty="0">
-                <a:solidFill>
-                  <a:schemeClr val="bg1"/>
-                </a:solidFill>
-              </a:rPr>
-              <a:t>I </a:t>
-            </a:r>
-            <a:r>
-              <a:rPr lang="en-GB" sz="6000" dirty="0" err="1">
-                <a:solidFill>
-                  <a:schemeClr val="bg1"/>
-                </a:solidFill>
-              </a:rPr>
-              <a:t>wanna</a:t>
-            </a:r>
-            <a:r>
-              <a:rPr lang="en-GB" sz="6000" dirty="0">
-                <a:solidFill>
-                  <a:schemeClr val="bg1"/>
-                </a:solidFill>
-              </a:rPr>
-              <a:t> be tried by fire</a:t>
-            </a:r>
-          </a:p>
-          <a:p>
-            <a:r>
-              <a:rPr lang="en-GB" sz="6000" dirty="0">
-                <a:solidFill>
-                  <a:schemeClr val="bg1"/>
-                </a:solidFill>
-              </a:rPr>
-              <a:t>Purified</a:t>
-            </a:r>
-          </a:p>
-          <a:p>
-            <a:r>
-              <a:rPr lang="en-GB" sz="6000" dirty="0">
-                <a:solidFill>
-                  <a:schemeClr val="bg1"/>
-                </a:solidFill>
-              </a:rPr>
-              <a:t>You take whatever You desire</a:t>
-            </a:r>
-          </a:p>
-          <a:p>
-            <a:r>
-              <a:rPr lang="en-GB" sz="6000" dirty="0">
-                <a:solidFill>
-                  <a:schemeClr val="bg1"/>
-                </a:solidFill>
-              </a:rPr>
-              <a:t>Lord here's my life</a:t>
-            </a:r>
-          </a:p>
-        </p:txBody>
-      </p:sp>
-      <p:sp>
-        <p:nvSpPr>
-          <p:cNvPr id="4" name="TextBox 3"/>
-          <p:cNvSpPr txBox="1"/>
-          <p:nvPr/>
-        </p:nvSpPr>
-        <p:spPr>
-          <a:xfrm>
-            <a:off x="8529729" y="0"/>
-            <a:ext cx="628698" cy="461665"/>
-          </a:xfrm>
-          <a:prstGeom prst="rect">
-            <a:avLst/>
-          </a:prstGeom>
-          <a:noFill/>
-        </p:spPr>
-        <p:txBody>
-          <a:bodyPr wrap="none" rtlCol="0">
-            <a:spAutoFit/>
-          </a:bodyPr>
-          <a:lstStyle/>
-          <a:p>
-            <a:r>
-              <a:rPr lang="en-GB" sz="2400" b="1" dirty="0">
-                <a:solidFill>
-                  <a:schemeClr val="bg1"/>
-                </a:solidFill>
-              </a:rPr>
-              <a:t>2/4</a:t>
-            </a:r>
-          </a:p>
-        </p:txBody>
-      </p:sp>
-    </p:spTree>
-    <p:extLst>
-      <p:ext uri="{BB962C8B-B14F-4D97-AF65-F5344CB8AC3E}">
-        <p14:creationId xmlns:p14="http://schemas.microsoft.com/office/powerpoint/2010/main" val="3661959308"/>
-      </p:ext>
-    </p:extLst>
-  </p:cSld>
-  <p:clrMapOvr>
-    <a:masterClrMapping/>
-  </p:clrMapOvr>
-</p:sld>
-</file>
-
-<file path=ppt/slides/slide29.xml><?xml version="1.0" encoding="utf-8"?>
-<p:sld xmlns:a="http://schemas.openxmlformats.org/drawingml/2006/main" xmlns:r="http://schemas.openxmlformats.org/officeDocument/2006/relationships" xmlns:p="http://schemas.openxmlformats.org/presentationml/2006/main">
-  <p:cSld>
-    <p:spTree>
-      <p:nvGrpSpPr>
-        <p:cNvPr id="1" name=""/>
-        <p:cNvGrpSpPr/>
-        <p:nvPr/>
-      </p:nvGrpSpPr>
-      <p:grpSpPr>
-        <a:xfrm>
-          <a:off x="0" y="0"/>
-          <a:ext cx="0" cy="0"/>
-          <a:chOff x="0" y="0"/>
-          <a:chExt cx="0" cy="0"/>
-        </a:xfrm>
-      </p:grpSpPr>
-      <p:sp>
-        <p:nvSpPr>
-          <p:cNvPr id="3" name="Subtitle 2"/>
-          <p:cNvSpPr>
-            <a:spLocks noGrp="1"/>
-          </p:cNvSpPr>
-          <p:nvPr>
-            <p:ph type="subTitle" idx="1"/>
-          </p:nvPr>
-        </p:nvSpPr>
-        <p:spPr>
-          <a:xfrm>
-            <a:off x="323528" y="188640"/>
-            <a:ext cx="8640960" cy="6480720"/>
-          </a:xfrm>
-        </p:spPr>
-        <p:txBody>
-          <a:bodyPr>
-            <a:noAutofit/>
-          </a:bodyPr>
-          <a:lstStyle/>
-          <a:p>
-            <a:r>
-              <a:rPr lang="en-GB" sz="4400" dirty="0">
-                <a:solidFill>
-                  <a:schemeClr val="bg1"/>
-                </a:solidFill>
-              </a:rPr>
-              <a:t>If Your glory wants to come here</a:t>
-            </a:r>
-          </a:p>
-          <a:p>
-            <a:r>
-              <a:rPr lang="en-GB" sz="4400" dirty="0">
-                <a:solidFill>
-                  <a:schemeClr val="bg1"/>
-                </a:solidFill>
-              </a:rPr>
-              <a:t>Let it fall we want it all</a:t>
-            </a:r>
-          </a:p>
-          <a:p>
-            <a:r>
-              <a:rPr lang="en-GB" sz="4400" dirty="0">
-                <a:solidFill>
-                  <a:schemeClr val="bg1"/>
-                </a:solidFill>
-              </a:rPr>
-              <a:t>Your fire is consuming</a:t>
-            </a:r>
-          </a:p>
-          <a:p>
-            <a:r>
-              <a:rPr lang="en-GB" sz="4400" dirty="0">
-                <a:solidFill>
-                  <a:schemeClr val="bg1"/>
-                </a:solidFill>
-              </a:rPr>
-              <a:t>Fill this place set it ablaze</a:t>
-            </a:r>
-          </a:p>
-          <a:p>
-            <a:r>
-              <a:rPr lang="en-GB" sz="4400" dirty="0">
-                <a:solidFill>
-                  <a:schemeClr val="bg1"/>
-                </a:solidFill>
-              </a:rPr>
-              <a:t>And I'll be a living sacrifice for You</a:t>
-            </a:r>
-            <a:br>
-              <a:rPr lang="en-GB" sz="4400" dirty="0">
-                <a:solidFill>
-                  <a:schemeClr val="bg1"/>
-                </a:solidFill>
-              </a:rPr>
-            </a:br>
-            <a:br>
-              <a:rPr lang="en-GB" sz="4400" dirty="0">
-                <a:solidFill>
-                  <a:schemeClr val="bg1"/>
-                </a:solidFill>
-              </a:rPr>
-            </a:br>
-            <a:r>
-              <a:rPr lang="en-GB" sz="4400" dirty="0">
-                <a:solidFill>
-                  <a:schemeClr val="bg1"/>
-                </a:solidFill>
-              </a:rPr>
-              <a:t>You're a fire the refiner</a:t>
-            </a:r>
-          </a:p>
-          <a:p>
-            <a:r>
-              <a:rPr lang="en-GB" sz="4400" dirty="0">
-                <a:solidFill>
-                  <a:schemeClr val="bg1"/>
-                </a:solidFill>
-              </a:rPr>
-              <a:t>I </a:t>
-            </a:r>
-            <a:r>
-              <a:rPr lang="en-GB" sz="4400" dirty="0" err="1">
-                <a:solidFill>
-                  <a:schemeClr val="bg1"/>
-                </a:solidFill>
-              </a:rPr>
-              <a:t>wanna</a:t>
-            </a:r>
-            <a:r>
-              <a:rPr lang="en-GB" sz="4400" dirty="0">
-                <a:solidFill>
-                  <a:schemeClr val="bg1"/>
-                </a:solidFill>
-              </a:rPr>
-              <a:t> be consumed</a:t>
-            </a:r>
-          </a:p>
-        </p:txBody>
-      </p:sp>
-      <p:sp>
-        <p:nvSpPr>
-          <p:cNvPr id="4" name="TextBox 3"/>
-          <p:cNvSpPr txBox="1"/>
-          <p:nvPr/>
-        </p:nvSpPr>
-        <p:spPr>
-          <a:xfrm>
-            <a:off x="8529729" y="0"/>
-            <a:ext cx="628698" cy="461665"/>
-          </a:xfrm>
-          <a:prstGeom prst="rect">
-            <a:avLst/>
-          </a:prstGeom>
-          <a:noFill/>
-        </p:spPr>
-        <p:txBody>
-          <a:bodyPr wrap="none" rtlCol="0">
-            <a:spAutoFit/>
-          </a:bodyPr>
-          <a:lstStyle/>
-          <a:p>
-            <a:r>
-              <a:rPr lang="en-GB" sz="2400" b="1" dirty="0">
-                <a:solidFill>
-                  <a:schemeClr val="bg1"/>
-                </a:solidFill>
-              </a:rPr>
-              <a:t>3/4</a:t>
-            </a:r>
-          </a:p>
-        </p:txBody>
-      </p:sp>
-    </p:spTree>
-    <p:extLst>
-      <p:ext uri="{BB962C8B-B14F-4D97-AF65-F5344CB8AC3E}">
-        <p14:creationId xmlns:p14="http://schemas.microsoft.com/office/powerpoint/2010/main" val="1446621887"/>
-      </p:ext>
-    </p:extLst>
-  </p:cSld>
-  <p:clrMapOvr>
-    <a:masterClrMapping/>
-  </p:clrMapOvr>
-</p:sld>
-</file>
-
-<file path=ppt/slides/slide3.xml><?xml version="1.0" encoding="utf-8"?>
-<p:sld xmlns:a="http://schemas.openxmlformats.org/drawingml/2006/main" xmlns:r="http://schemas.openxmlformats.org/officeDocument/2006/relationships" xmlns:p="http://schemas.openxmlformats.org/presentationml/2006/main">
-  <p:cSld>
-    <p:spTree>
-      <p:nvGrpSpPr>
-        <p:cNvPr id="1" name=""/>
-        <p:cNvGrpSpPr/>
-        <p:nvPr/>
-      </p:nvGrpSpPr>
-      <p:grpSpPr>
-        <a:xfrm>
-          <a:off x="0" y="0"/>
-          <a:ext cx="0" cy="0"/>
-          <a:chOff x="0" y="0"/>
-          <a:chExt cx="0" cy="0"/>
-        </a:xfrm>
-      </p:grpSpPr>
-      <p:sp>
-        <p:nvSpPr>
-          <p:cNvPr id="3" name="Subtitle 2"/>
-          <p:cNvSpPr>
-            <a:spLocks noGrp="1"/>
-          </p:cNvSpPr>
-          <p:nvPr>
-            <p:ph type="subTitle" idx="1"/>
-          </p:nvPr>
-        </p:nvSpPr>
-        <p:spPr>
-          <a:xfrm>
-            <a:off x="323528" y="188640"/>
-            <a:ext cx="8640960" cy="6480720"/>
-          </a:xfrm>
-        </p:spPr>
-        <p:txBody>
-          <a:bodyPr>
-            <a:noAutofit/>
-          </a:bodyPr>
-          <a:lstStyle/>
-          <a:p>
-            <a:r>
-              <a:rPr lang="en-GB" sz="4600" dirty="0">
-                <a:solidFill>
-                  <a:schemeClr val="bg1"/>
-                </a:solidFill>
-              </a:rPr>
-              <a:t>This little light of mine, </a:t>
-            </a:r>
-            <a:br>
-              <a:rPr lang="en-GB" sz="4600" dirty="0">
-                <a:solidFill>
-                  <a:schemeClr val="bg1"/>
-                </a:solidFill>
-              </a:rPr>
-            </a:br>
-            <a:r>
-              <a:rPr lang="en-GB" sz="4600" dirty="0">
-                <a:solidFill>
-                  <a:schemeClr val="bg1"/>
-                </a:solidFill>
-              </a:rPr>
-              <a:t>I'm </a:t>
-            </a:r>
-            <a:r>
-              <a:rPr lang="en-GB" sz="4600" dirty="0" err="1">
-                <a:solidFill>
-                  <a:schemeClr val="bg1"/>
-                </a:solidFill>
-              </a:rPr>
-              <a:t>gonna</a:t>
-            </a:r>
-            <a:r>
-              <a:rPr lang="en-GB" sz="4600" dirty="0">
-                <a:solidFill>
-                  <a:schemeClr val="bg1"/>
-                </a:solidFill>
-              </a:rPr>
-              <a:t> let it shine</a:t>
-            </a:r>
-          </a:p>
-          <a:p>
-            <a:r>
-              <a:rPr lang="en-GB" sz="4600" dirty="0">
-                <a:solidFill>
-                  <a:schemeClr val="bg1"/>
-                </a:solidFill>
-              </a:rPr>
-              <a:t>This little light of mine, </a:t>
-            </a:r>
-            <a:br>
-              <a:rPr lang="en-GB" sz="4600" dirty="0">
-                <a:solidFill>
-                  <a:schemeClr val="bg1"/>
-                </a:solidFill>
-              </a:rPr>
-            </a:br>
-            <a:r>
-              <a:rPr lang="en-GB" sz="4600" dirty="0">
-                <a:solidFill>
-                  <a:schemeClr val="bg1"/>
-                </a:solidFill>
-              </a:rPr>
-              <a:t>I'm </a:t>
-            </a:r>
-            <a:r>
-              <a:rPr lang="en-GB" sz="4600" dirty="0" err="1">
-                <a:solidFill>
-                  <a:schemeClr val="bg1"/>
-                </a:solidFill>
-              </a:rPr>
-              <a:t>gonna</a:t>
-            </a:r>
-            <a:r>
-              <a:rPr lang="en-GB" sz="4600" dirty="0">
-                <a:solidFill>
-                  <a:schemeClr val="bg1"/>
-                </a:solidFill>
-              </a:rPr>
-              <a:t> let it shine</a:t>
-            </a:r>
-          </a:p>
-          <a:p>
-            <a:r>
-              <a:rPr lang="en-GB" sz="4600" dirty="0">
-                <a:solidFill>
-                  <a:schemeClr val="bg1"/>
-                </a:solidFill>
-              </a:rPr>
-              <a:t>This little light of mine, </a:t>
-            </a:r>
-            <a:br>
-              <a:rPr lang="en-GB" sz="4600" dirty="0">
-                <a:solidFill>
-                  <a:schemeClr val="bg1"/>
-                </a:solidFill>
-              </a:rPr>
-            </a:br>
-            <a:r>
-              <a:rPr lang="en-GB" sz="4600" dirty="0">
-                <a:solidFill>
-                  <a:schemeClr val="bg1"/>
-                </a:solidFill>
-              </a:rPr>
-              <a:t>I'm </a:t>
-            </a:r>
-            <a:r>
-              <a:rPr lang="en-GB" sz="4600" dirty="0" err="1">
-                <a:solidFill>
-                  <a:schemeClr val="bg1"/>
-                </a:solidFill>
-              </a:rPr>
-              <a:t>gonna</a:t>
-            </a:r>
-            <a:r>
-              <a:rPr lang="en-GB" sz="4600" dirty="0">
-                <a:solidFill>
-                  <a:schemeClr val="bg1"/>
-                </a:solidFill>
-              </a:rPr>
-              <a:t> let it shine</a:t>
-            </a:r>
-          </a:p>
-          <a:p>
-            <a:r>
-              <a:rPr lang="en-GB" sz="4600" dirty="0">
-                <a:solidFill>
-                  <a:schemeClr val="bg1"/>
-                </a:solidFill>
-              </a:rPr>
-              <a:t>Let it shine, let it shine, let it shine</a:t>
-            </a:r>
-          </a:p>
-        </p:txBody>
-      </p:sp>
-      <p:sp>
-        <p:nvSpPr>
-          <p:cNvPr id="4" name="TextBox 3"/>
-          <p:cNvSpPr txBox="1"/>
-          <p:nvPr/>
-        </p:nvSpPr>
-        <p:spPr>
-          <a:xfrm>
-            <a:off x="8529729" y="0"/>
-            <a:ext cx="628698" cy="461665"/>
-          </a:xfrm>
-          <a:prstGeom prst="rect">
-            <a:avLst/>
-          </a:prstGeom>
-          <a:noFill/>
-        </p:spPr>
-        <p:txBody>
-          <a:bodyPr wrap="none" rtlCol="0">
-            <a:spAutoFit/>
-          </a:bodyPr>
-          <a:lstStyle/>
-          <a:p>
-            <a:r>
-              <a:rPr lang="en-GB" sz="2400" b="1" dirty="0">
-                <a:solidFill>
-                  <a:schemeClr val="bg1"/>
-                </a:solidFill>
-              </a:rPr>
-              <a:t>1/3</a:t>
-            </a:r>
-          </a:p>
-        </p:txBody>
-      </p:sp>
-    </p:spTree>
-    <p:extLst>
-      <p:ext uri="{BB962C8B-B14F-4D97-AF65-F5344CB8AC3E}">
-        <p14:creationId xmlns:p14="http://schemas.microsoft.com/office/powerpoint/2010/main" val="348632634"/>
-      </p:ext>
-    </p:extLst>
-  </p:cSld>
-  <p:clrMapOvr>
-    <a:masterClrMapping/>
-  </p:clrMapOvr>
-</p:sld>
-</file>
-
-<file path=ppt/slides/slide30.xml><?xml version="1.0" encoding="utf-8"?>
-<p:sld xmlns:a="http://schemas.openxmlformats.org/drawingml/2006/main" xmlns:r="http://schemas.openxmlformats.org/officeDocument/2006/relationships" xmlns:p="http://schemas.openxmlformats.org/presentationml/2006/main">
-  <p:cSld>
-    <p:spTree>
-      <p:nvGrpSpPr>
-        <p:cNvPr id="1" name=""/>
-        <p:cNvGrpSpPr/>
-        <p:nvPr/>
-      </p:nvGrpSpPr>
-      <p:grpSpPr>
-        <a:xfrm>
-          <a:off x="0" y="0"/>
-          <a:ext cx="0" cy="0"/>
-          <a:chOff x="0" y="0"/>
-          <a:chExt cx="0" cy="0"/>
-        </a:xfrm>
-      </p:grpSpPr>
-      <p:sp>
-        <p:nvSpPr>
-          <p:cNvPr id="3" name="Subtitle 2"/>
-          <p:cNvSpPr>
-            <a:spLocks noGrp="1"/>
-          </p:cNvSpPr>
-          <p:nvPr>
-            <p:ph type="subTitle" idx="1"/>
-          </p:nvPr>
-        </p:nvSpPr>
-        <p:spPr>
-          <a:xfrm>
-            <a:off x="323528" y="188640"/>
-            <a:ext cx="8640960" cy="6480720"/>
-          </a:xfrm>
-        </p:spPr>
-        <p:txBody>
-          <a:bodyPr>
-            <a:noAutofit/>
-          </a:bodyPr>
-          <a:lstStyle/>
-          <a:p>
-            <a:r>
-              <a:rPr lang="en-GB" sz="5400" dirty="0">
-                <a:solidFill>
-                  <a:schemeClr val="bg1"/>
-                </a:solidFill>
-              </a:rPr>
-              <a:t>Clean my hands purify my heart</a:t>
-            </a:r>
-          </a:p>
-          <a:p>
-            <a:r>
-              <a:rPr lang="en-GB" sz="5400" dirty="0">
-                <a:solidFill>
-                  <a:schemeClr val="bg1"/>
-                </a:solidFill>
-              </a:rPr>
-              <a:t>I </a:t>
-            </a:r>
-            <a:r>
-              <a:rPr lang="en-GB" sz="5400" dirty="0" err="1">
-                <a:solidFill>
-                  <a:schemeClr val="bg1"/>
-                </a:solidFill>
-              </a:rPr>
-              <a:t>wanna</a:t>
-            </a:r>
-            <a:r>
-              <a:rPr lang="en-GB" sz="5400" dirty="0">
-                <a:solidFill>
-                  <a:schemeClr val="bg1"/>
-                </a:solidFill>
-              </a:rPr>
-              <a:t> burn for You only for You</a:t>
-            </a:r>
-          </a:p>
-          <a:p>
-            <a:r>
-              <a:rPr lang="en-GB" sz="5400" dirty="0">
-                <a:solidFill>
-                  <a:schemeClr val="bg1"/>
-                </a:solidFill>
-              </a:rPr>
-              <a:t>Take my life as a sacrifice</a:t>
-            </a:r>
-          </a:p>
-          <a:p>
-            <a:r>
-              <a:rPr lang="en-GB" sz="5400" dirty="0">
-                <a:solidFill>
-                  <a:schemeClr val="bg1"/>
-                </a:solidFill>
-              </a:rPr>
-              <a:t>I </a:t>
-            </a:r>
-            <a:r>
-              <a:rPr lang="en-GB" sz="5400" dirty="0" err="1">
-                <a:solidFill>
-                  <a:schemeClr val="bg1"/>
-                </a:solidFill>
-              </a:rPr>
-              <a:t>wanna</a:t>
-            </a:r>
-            <a:r>
-              <a:rPr lang="en-GB" sz="5400" dirty="0">
-                <a:solidFill>
-                  <a:schemeClr val="bg1"/>
-                </a:solidFill>
-              </a:rPr>
-              <a:t> burn for You only for You</a:t>
-            </a:r>
-          </a:p>
-        </p:txBody>
-      </p:sp>
-      <p:sp>
-        <p:nvSpPr>
-          <p:cNvPr id="4" name="TextBox 3"/>
-          <p:cNvSpPr txBox="1"/>
-          <p:nvPr/>
-        </p:nvSpPr>
-        <p:spPr>
-          <a:xfrm>
-            <a:off x="8529729" y="0"/>
-            <a:ext cx="628698" cy="461665"/>
-          </a:xfrm>
-          <a:prstGeom prst="rect">
-            <a:avLst/>
-          </a:prstGeom>
-          <a:noFill/>
-        </p:spPr>
-        <p:txBody>
-          <a:bodyPr wrap="none" rtlCol="0">
-            <a:spAutoFit/>
-          </a:bodyPr>
-          <a:lstStyle/>
-          <a:p>
-            <a:r>
-              <a:rPr lang="en-GB" sz="2400" b="1" dirty="0">
-                <a:solidFill>
-                  <a:schemeClr val="bg1"/>
-                </a:solidFill>
-              </a:rPr>
-              <a:t>4/4</a:t>
-            </a:r>
-          </a:p>
-        </p:txBody>
-      </p:sp>
-    </p:spTree>
-    <p:extLst>
-      <p:ext uri="{BB962C8B-B14F-4D97-AF65-F5344CB8AC3E}">
-        <p14:creationId xmlns:p14="http://schemas.microsoft.com/office/powerpoint/2010/main" val="3788699378"/>
-      </p:ext>
-    </p:extLst>
-  </p:cSld>
-  <p:clrMapOvr>
-    <a:masterClrMapping/>
-  </p:clrMapOvr>
-</p:sld>
-</file>
-
-<file path=ppt/slides/slide31.xml><?xml version="1.0" encoding="utf-8"?>
 <p:sld xmlns:a="http://schemas.openxmlformats.org/drawingml/2006/main" xmlns:r="http://schemas.openxmlformats.org/officeDocument/2006/relationships" xmlns:p="http://schemas.openxmlformats.org/presentationml/2006/main">
   <p:cSld>
     <p:spTree>
@@ -6743,7 +5825,1060 @@
     </p:spTree>
     <p:extLst>
       <p:ext uri="{BB962C8B-B14F-4D97-AF65-F5344CB8AC3E}">
-        <p14:creationId xmlns:p14="http://schemas.microsoft.com/office/powerpoint/2010/main" val="2064641005"/>
+        <p14:creationId xmlns:p14="http://schemas.microsoft.com/office/powerpoint/2010/main" val="1673225636"/>
+      </p:ext>
+    </p:extLst>
+  </p:cSld>
+  <p:clrMapOvr>
+    <a:masterClrMapping/>
+  </p:clrMapOvr>
+</p:sld>
+</file>
+
+<file path=ppt/slides/slide28.xml><?xml version="1.0" encoding="utf-8"?>
+<p:sld xmlns:a="http://schemas.openxmlformats.org/drawingml/2006/main" xmlns:r="http://schemas.openxmlformats.org/officeDocument/2006/relationships" xmlns:p="http://schemas.openxmlformats.org/presentationml/2006/main">
+  <p:cSld>
+    <p:spTree>
+      <p:nvGrpSpPr>
+        <p:cNvPr id="1" name=""/>
+        <p:cNvGrpSpPr/>
+        <p:nvPr/>
+      </p:nvGrpSpPr>
+      <p:grpSpPr>
+        <a:xfrm>
+          <a:off x="0" y="0"/>
+          <a:ext cx="0" cy="0"/>
+          <a:chOff x="0" y="0"/>
+          <a:chExt cx="0" cy="0"/>
+        </a:xfrm>
+      </p:grpSpPr>
+      <p:sp>
+        <p:nvSpPr>
+          <p:cNvPr id="3" name="Subtitle 2"/>
+          <p:cNvSpPr>
+            <a:spLocks noGrp="1"/>
+          </p:cNvSpPr>
+          <p:nvPr>
+            <p:ph type="subTitle" idx="1"/>
+          </p:nvPr>
+        </p:nvSpPr>
+        <p:spPr>
+          <a:xfrm>
+            <a:off x="323528" y="188640"/>
+            <a:ext cx="8640960" cy="6480720"/>
+          </a:xfrm>
+        </p:spPr>
+        <p:txBody>
+          <a:bodyPr>
+            <a:noAutofit/>
+          </a:bodyPr>
+          <a:lstStyle/>
+          <a:p>
+            <a:endParaRPr lang="en-GB" sz="6600" dirty="0">
+              <a:solidFill>
+                <a:srgbClr val="00A3E0"/>
+              </a:solidFill>
+              <a:latin typeface="akagi_probook"/>
+            </a:endParaRPr>
+          </a:p>
+          <a:p>
+            <a:r>
+              <a:rPr lang="en-GB" sz="6600" dirty="0">
+                <a:solidFill>
+                  <a:srgbClr val="00A3E0"/>
+                </a:solidFill>
+                <a:latin typeface="akagi_probook"/>
+              </a:rPr>
+              <a:t>Refiner</a:t>
+            </a:r>
+          </a:p>
+          <a:p>
+            <a:br>
+              <a:rPr lang="en-GB" sz="1200" dirty="0">
+                <a:solidFill>
+                  <a:schemeClr val="bg1"/>
+                </a:solidFill>
+              </a:rPr>
+            </a:br>
+            <a:r>
+              <a:rPr lang="en-GB" sz="1200" dirty="0">
+                <a:solidFill>
+                  <a:schemeClr val="bg1"/>
+                </a:solidFill>
+              </a:rPr>
+              <a:t>CCLI Song # 7142743</a:t>
+            </a:r>
+          </a:p>
+          <a:p>
+            <a:endParaRPr lang="en-GB" sz="1200" dirty="0">
+              <a:solidFill>
+                <a:schemeClr val="bg1"/>
+              </a:solidFill>
+            </a:endParaRPr>
+          </a:p>
+          <a:p>
+            <a:r>
+              <a:rPr lang="en-GB" sz="1200" dirty="0">
+                <a:solidFill>
+                  <a:schemeClr val="bg1"/>
+                </a:solidFill>
+              </a:rPr>
+              <a:t>Chandler Moore</a:t>
+            </a:r>
+          </a:p>
+          <a:p>
+            <a:endParaRPr lang="en-GB" sz="1200" dirty="0">
+              <a:solidFill>
+                <a:schemeClr val="bg1"/>
+              </a:solidFill>
+            </a:endParaRPr>
+          </a:p>
+          <a:p>
+            <a:r>
+              <a:rPr lang="en-GB" sz="1200" dirty="0">
+                <a:solidFill>
+                  <a:schemeClr val="bg1"/>
+                </a:solidFill>
+              </a:rPr>
+              <a:t>© Chandler Moore Designee (Admin. by Capitol CMG Publishing)</a:t>
+            </a:r>
+          </a:p>
+          <a:p>
+            <a:r>
+              <a:rPr lang="en-GB" sz="1200" dirty="0">
+                <a:solidFill>
+                  <a:schemeClr val="bg1"/>
+                </a:solidFill>
+              </a:rPr>
+              <a:t>For use solely with the </a:t>
+            </a:r>
+            <a:r>
+              <a:rPr lang="en-GB" sz="1200" dirty="0" err="1">
+                <a:solidFill>
+                  <a:schemeClr val="bg1"/>
+                </a:solidFill>
+              </a:rPr>
+              <a:t>SongSelect</a:t>
+            </a:r>
+            <a:r>
+              <a:rPr lang="en-GB" sz="1200" dirty="0">
+                <a:solidFill>
+                  <a:schemeClr val="bg1"/>
+                </a:solidFill>
+              </a:rPr>
+              <a:t>® Terms of Use. All rights reserved. www.ccli.com</a:t>
+            </a:r>
+          </a:p>
+          <a:p>
+            <a:endParaRPr lang="en-GB" sz="1200" dirty="0">
+              <a:solidFill>
+                <a:schemeClr val="bg1"/>
+              </a:solidFill>
+            </a:endParaRPr>
+          </a:p>
+          <a:p>
+            <a:r>
+              <a:rPr lang="en-GB" sz="1200" dirty="0">
+                <a:solidFill>
+                  <a:schemeClr val="bg1"/>
+                </a:solidFill>
+              </a:rPr>
+              <a:t>CCLI Licence No. 33265</a:t>
+            </a:r>
+          </a:p>
+        </p:txBody>
+      </p:sp>
+    </p:spTree>
+    <p:extLst>
+      <p:ext uri="{BB962C8B-B14F-4D97-AF65-F5344CB8AC3E}">
+        <p14:creationId xmlns:p14="http://schemas.microsoft.com/office/powerpoint/2010/main" val="3981282301"/>
+      </p:ext>
+    </p:extLst>
+  </p:cSld>
+  <p:clrMapOvr>
+    <a:masterClrMapping/>
+  </p:clrMapOvr>
+</p:sld>
+</file>
+
+<file path=ppt/slides/slide29.xml><?xml version="1.0" encoding="utf-8"?>
+<p:sld xmlns:a="http://schemas.openxmlformats.org/drawingml/2006/main" xmlns:r="http://schemas.openxmlformats.org/officeDocument/2006/relationships" xmlns:p="http://schemas.openxmlformats.org/presentationml/2006/main">
+  <p:cSld>
+    <p:spTree>
+      <p:nvGrpSpPr>
+        <p:cNvPr id="1" name=""/>
+        <p:cNvGrpSpPr/>
+        <p:nvPr/>
+      </p:nvGrpSpPr>
+      <p:grpSpPr>
+        <a:xfrm>
+          <a:off x="0" y="0"/>
+          <a:ext cx="0" cy="0"/>
+          <a:chOff x="0" y="0"/>
+          <a:chExt cx="0" cy="0"/>
+        </a:xfrm>
+      </p:grpSpPr>
+      <p:sp>
+        <p:nvSpPr>
+          <p:cNvPr id="3" name="Subtitle 2"/>
+          <p:cNvSpPr>
+            <a:spLocks noGrp="1"/>
+          </p:cNvSpPr>
+          <p:nvPr>
+            <p:ph type="subTitle" idx="1"/>
+          </p:nvPr>
+        </p:nvSpPr>
+        <p:spPr>
+          <a:xfrm>
+            <a:off x="323528" y="188640"/>
+            <a:ext cx="8640960" cy="6480720"/>
+          </a:xfrm>
+        </p:spPr>
+        <p:txBody>
+          <a:bodyPr>
+            <a:noAutofit/>
+          </a:bodyPr>
+          <a:lstStyle/>
+          <a:p>
+            <a:r>
+              <a:rPr lang="en-GB" sz="4400" dirty="0">
+                <a:solidFill>
+                  <a:schemeClr val="bg1"/>
+                </a:solidFill>
+              </a:rPr>
+              <a:t>If the altar's where You meet us</a:t>
+            </a:r>
+          </a:p>
+          <a:p>
+            <a:r>
+              <a:rPr lang="en-GB" sz="4400" dirty="0">
+                <a:solidFill>
+                  <a:schemeClr val="bg1"/>
+                </a:solidFill>
+              </a:rPr>
+              <a:t>Take me there take me there</a:t>
+            </a:r>
+          </a:p>
+          <a:p>
+            <a:r>
+              <a:rPr lang="en-GB" sz="4400" dirty="0">
+                <a:solidFill>
+                  <a:schemeClr val="bg1"/>
+                </a:solidFill>
+              </a:rPr>
+              <a:t>If what You need is just an offering</a:t>
+            </a:r>
+          </a:p>
+          <a:p>
+            <a:r>
+              <a:rPr lang="en-GB" sz="4400" dirty="0">
+                <a:solidFill>
+                  <a:schemeClr val="bg1"/>
+                </a:solidFill>
+              </a:rPr>
+              <a:t>It's right here my life is here</a:t>
+            </a:r>
+          </a:p>
+          <a:p>
+            <a:r>
+              <a:rPr lang="en-GB" sz="4400" dirty="0">
+                <a:solidFill>
+                  <a:schemeClr val="bg1"/>
+                </a:solidFill>
+              </a:rPr>
+              <a:t>And I'll be a living sacrifice for You</a:t>
+            </a:r>
+            <a:br>
+              <a:rPr lang="en-GB" sz="4400" dirty="0">
+                <a:solidFill>
+                  <a:schemeClr val="bg1"/>
+                </a:solidFill>
+              </a:rPr>
+            </a:br>
+            <a:br>
+              <a:rPr lang="en-GB" sz="4400" dirty="0">
+                <a:solidFill>
+                  <a:schemeClr val="bg1"/>
+                </a:solidFill>
+              </a:rPr>
+            </a:br>
+            <a:r>
+              <a:rPr lang="en-GB" sz="4400" dirty="0">
+                <a:solidFill>
+                  <a:schemeClr val="bg1"/>
+                </a:solidFill>
+              </a:rPr>
+              <a:t>You're a fire the refiner</a:t>
+            </a:r>
+          </a:p>
+          <a:p>
+            <a:r>
+              <a:rPr lang="en-GB" sz="4400" dirty="0">
+                <a:solidFill>
+                  <a:schemeClr val="bg1"/>
+                </a:solidFill>
+              </a:rPr>
+              <a:t>I </a:t>
+            </a:r>
+            <a:r>
+              <a:rPr lang="en-GB" sz="4400" dirty="0" err="1">
+                <a:solidFill>
+                  <a:schemeClr val="bg1"/>
+                </a:solidFill>
+              </a:rPr>
+              <a:t>wanna</a:t>
+            </a:r>
+            <a:r>
+              <a:rPr lang="en-GB" sz="4400" dirty="0">
+                <a:solidFill>
+                  <a:schemeClr val="bg1"/>
+                </a:solidFill>
+              </a:rPr>
+              <a:t> be consumed</a:t>
+            </a:r>
+          </a:p>
+        </p:txBody>
+      </p:sp>
+      <p:sp>
+        <p:nvSpPr>
+          <p:cNvPr id="4" name="TextBox 3"/>
+          <p:cNvSpPr txBox="1"/>
+          <p:nvPr/>
+        </p:nvSpPr>
+        <p:spPr>
+          <a:xfrm>
+            <a:off x="8529729" y="0"/>
+            <a:ext cx="628698" cy="461665"/>
+          </a:xfrm>
+          <a:prstGeom prst="rect">
+            <a:avLst/>
+          </a:prstGeom>
+          <a:noFill/>
+        </p:spPr>
+        <p:txBody>
+          <a:bodyPr wrap="none" rtlCol="0">
+            <a:spAutoFit/>
+          </a:bodyPr>
+          <a:lstStyle/>
+          <a:p>
+            <a:r>
+              <a:rPr lang="en-GB" sz="2400" b="1" dirty="0">
+                <a:solidFill>
+                  <a:schemeClr val="bg1"/>
+                </a:solidFill>
+              </a:rPr>
+              <a:t>1/4</a:t>
+            </a:r>
+          </a:p>
+        </p:txBody>
+      </p:sp>
+    </p:spTree>
+    <p:extLst>
+      <p:ext uri="{BB962C8B-B14F-4D97-AF65-F5344CB8AC3E}">
+        <p14:creationId xmlns:p14="http://schemas.microsoft.com/office/powerpoint/2010/main" val="2870070286"/>
+      </p:ext>
+    </p:extLst>
+  </p:cSld>
+  <p:clrMapOvr>
+    <a:masterClrMapping/>
+  </p:clrMapOvr>
+</p:sld>
+</file>
+
+<file path=ppt/slides/slide3.xml><?xml version="1.0" encoding="utf-8"?>
+<p:sld xmlns:a="http://schemas.openxmlformats.org/drawingml/2006/main" xmlns:r="http://schemas.openxmlformats.org/officeDocument/2006/relationships" xmlns:p="http://schemas.openxmlformats.org/presentationml/2006/main">
+  <p:cSld>
+    <p:spTree>
+      <p:nvGrpSpPr>
+        <p:cNvPr id="1" name=""/>
+        <p:cNvGrpSpPr/>
+        <p:nvPr/>
+      </p:nvGrpSpPr>
+      <p:grpSpPr>
+        <a:xfrm>
+          <a:off x="0" y="0"/>
+          <a:ext cx="0" cy="0"/>
+          <a:chOff x="0" y="0"/>
+          <a:chExt cx="0" cy="0"/>
+        </a:xfrm>
+      </p:grpSpPr>
+      <p:sp>
+        <p:nvSpPr>
+          <p:cNvPr id="3" name="Subtitle 2"/>
+          <p:cNvSpPr>
+            <a:spLocks noGrp="1"/>
+          </p:cNvSpPr>
+          <p:nvPr>
+            <p:ph type="subTitle" idx="1"/>
+          </p:nvPr>
+        </p:nvSpPr>
+        <p:spPr>
+          <a:xfrm>
+            <a:off x="323528" y="188640"/>
+            <a:ext cx="8640960" cy="6480720"/>
+          </a:xfrm>
+        </p:spPr>
+        <p:txBody>
+          <a:bodyPr>
+            <a:noAutofit/>
+          </a:bodyPr>
+          <a:lstStyle/>
+          <a:p>
+            <a:r>
+              <a:rPr lang="en-GB" sz="4600" dirty="0">
+                <a:solidFill>
+                  <a:schemeClr val="bg1"/>
+                </a:solidFill>
+              </a:rPr>
+              <a:t>This little light of mine, </a:t>
+            </a:r>
+            <a:br>
+              <a:rPr lang="en-GB" sz="4600" dirty="0">
+                <a:solidFill>
+                  <a:schemeClr val="bg1"/>
+                </a:solidFill>
+              </a:rPr>
+            </a:br>
+            <a:r>
+              <a:rPr lang="en-GB" sz="4600" dirty="0">
+                <a:solidFill>
+                  <a:schemeClr val="bg1"/>
+                </a:solidFill>
+              </a:rPr>
+              <a:t>I'm </a:t>
+            </a:r>
+            <a:r>
+              <a:rPr lang="en-GB" sz="4600" dirty="0" err="1">
+                <a:solidFill>
+                  <a:schemeClr val="bg1"/>
+                </a:solidFill>
+              </a:rPr>
+              <a:t>gonna</a:t>
+            </a:r>
+            <a:r>
+              <a:rPr lang="en-GB" sz="4600" dirty="0">
+                <a:solidFill>
+                  <a:schemeClr val="bg1"/>
+                </a:solidFill>
+              </a:rPr>
+              <a:t> let it shine</a:t>
+            </a:r>
+          </a:p>
+          <a:p>
+            <a:r>
+              <a:rPr lang="en-GB" sz="4600" dirty="0">
+                <a:solidFill>
+                  <a:schemeClr val="bg1"/>
+                </a:solidFill>
+              </a:rPr>
+              <a:t>This little light of mine, </a:t>
+            </a:r>
+            <a:br>
+              <a:rPr lang="en-GB" sz="4600" dirty="0">
+                <a:solidFill>
+                  <a:schemeClr val="bg1"/>
+                </a:solidFill>
+              </a:rPr>
+            </a:br>
+            <a:r>
+              <a:rPr lang="en-GB" sz="4600" dirty="0">
+                <a:solidFill>
+                  <a:schemeClr val="bg1"/>
+                </a:solidFill>
+              </a:rPr>
+              <a:t>I'm </a:t>
+            </a:r>
+            <a:r>
+              <a:rPr lang="en-GB" sz="4600" dirty="0" err="1">
+                <a:solidFill>
+                  <a:schemeClr val="bg1"/>
+                </a:solidFill>
+              </a:rPr>
+              <a:t>gonna</a:t>
+            </a:r>
+            <a:r>
+              <a:rPr lang="en-GB" sz="4600" dirty="0">
+                <a:solidFill>
+                  <a:schemeClr val="bg1"/>
+                </a:solidFill>
+              </a:rPr>
+              <a:t> let it shine</a:t>
+            </a:r>
+          </a:p>
+          <a:p>
+            <a:r>
+              <a:rPr lang="en-GB" sz="4600" dirty="0">
+                <a:solidFill>
+                  <a:schemeClr val="bg1"/>
+                </a:solidFill>
+              </a:rPr>
+              <a:t>This little light of mine, </a:t>
+            </a:r>
+            <a:br>
+              <a:rPr lang="en-GB" sz="4600" dirty="0">
+                <a:solidFill>
+                  <a:schemeClr val="bg1"/>
+                </a:solidFill>
+              </a:rPr>
+            </a:br>
+            <a:r>
+              <a:rPr lang="en-GB" sz="4600" dirty="0">
+                <a:solidFill>
+                  <a:schemeClr val="bg1"/>
+                </a:solidFill>
+              </a:rPr>
+              <a:t>I'm </a:t>
+            </a:r>
+            <a:r>
+              <a:rPr lang="en-GB" sz="4600" dirty="0" err="1">
+                <a:solidFill>
+                  <a:schemeClr val="bg1"/>
+                </a:solidFill>
+              </a:rPr>
+              <a:t>gonna</a:t>
+            </a:r>
+            <a:r>
+              <a:rPr lang="en-GB" sz="4600" dirty="0">
+                <a:solidFill>
+                  <a:schemeClr val="bg1"/>
+                </a:solidFill>
+              </a:rPr>
+              <a:t> let it shine</a:t>
+            </a:r>
+          </a:p>
+          <a:p>
+            <a:r>
+              <a:rPr lang="en-GB" sz="4600" dirty="0">
+                <a:solidFill>
+                  <a:schemeClr val="bg1"/>
+                </a:solidFill>
+              </a:rPr>
+              <a:t>Let it shine, let it shine, let it shine</a:t>
+            </a:r>
+          </a:p>
+        </p:txBody>
+      </p:sp>
+      <p:sp>
+        <p:nvSpPr>
+          <p:cNvPr id="4" name="TextBox 3"/>
+          <p:cNvSpPr txBox="1"/>
+          <p:nvPr/>
+        </p:nvSpPr>
+        <p:spPr>
+          <a:xfrm>
+            <a:off x="8529729" y="0"/>
+            <a:ext cx="628698" cy="461665"/>
+          </a:xfrm>
+          <a:prstGeom prst="rect">
+            <a:avLst/>
+          </a:prstGeom>
+          <a:noFill/>
+        </p:spPr>
+        <p:txBody>
+          <a:bodyPr wrap="none" rtlCol="0">
+            <a:spAutoFit/>
+          </a:bodyPr>
+          <a:lstStyle/>
+          <a:p>
+            <a:r>
+              <a:rPr lang="en-GB" sz="2400" b="1" dirty="0">
+                <a:solidFill>
+                  <a:schemeClr val="bg1"/>
+                </a:solidFill>
+              </a:rPr>
+              <a:t>1/3</a:t>
+            </a:r>
+          </a:p>
+        </p:txBody>
+      </p:sp>
+    </p:spTree>
+    <p:extLst>
+      <p:ext uri="{BB962C8B-B14F-4D97-AF65-F5344CB8AC3E}">
+        <p14:creationId xmlns:p14="http://schemas.microsoft.com/office/powerpoint/2010/main" val="348632634"/>
+      </p:ext>
+    </p:extLst>
+  </p:cSld>
+  <p:clrMapOvr>
+    <a:masterClrMapping/>
+  </p:clrMapOvr>
+</p:sld>
+</file>
+
+<file path=ppt/slides/slide30.xml><?xml version="1.0" encoding="utf-8"?>
+<p:sld xmlns:a="http://schemas.openxmlformats.org/drawingml/2006/main" xmlns:r="http://schemas.openxmlformats.org/officeDocument/2006/relationships" xmlns:p="http://schemas.openxmlformats.org/presentationml/2006/main">
+  <p:cSld>
+    <p:spTree>
+      <p:nvGrpSpPr>
+        <p:cNvPr id="1" name=""/>
+        <p:cNvGrpSpPr/>
+        <p:nvPr/>
+      </p:nvGrpSpPr>
+      <p:grpSpPr>
+        <a:xfrm>
+          <a:off x="0" y="0"/>
+          <a:ext cx="0" cy="0"/>
+          <a:chOff x="0" y="0"/>
+          <a:chExt cx="0" cy="0"/>
+        </a:xfrm>
+      </p:grpSpPr>
+      <p:sp>
+        <p:nvSpPr>
+          <p:cNvPr id="3" name="Subtitle 2"/>
+          <p:cNvSpPr>
+            <a:spLocks noGrp="1"/>
+          </p:cNvSpPr>
+          <p:nvPr>
+            <p:ph type="subTitle" idx="1"/>
+          </p:nvPr>
+        </p:nvSpPr>
+        <p:spPr>
+          <a:xfrm>
+            <a:off x="323528" y="188640"/>
+            <a:ext cx="8640960" cy="6480720"/>
+          </a:xfrm>
+        </p:spPr>
+        <p:txBody>
+          <a:bodyPr>
+            <a:noAutofit/>
+          </a:bodyPr>
+          <a:lstStyle/>
+          <a:p>
+            <a:r>
+              <a:rPr lang="en-GB" sz="6000" dirty="0">
+                <a:solidFill>
+                  <a:schemeClr val="bg1"/>
+                </a:solidFill>
+              </a:rPr>
+              <a:t>I </a:t>
+            </a:r>
+            <a:r>
+              <a:rPr lang="en-GB" sz="6000" dirty="0" err="1">
+                <a:solidFill>
+                  <a:schemeClr val="bg1"/>
+                </a:solidFill>
+              </a:rPr>
+              <a:t>wanna</a:t>
+            </a:r>
+            <a:r>
+              <a:rPr lang="en-GB" sz="6000" dirty="0">
+                <a:solidFill>
+                  <a:schemeClr val="bg1"/>
+                </a:solidFill>
+              </a:rPr>
+              <a:t> be tried by fire</a:t>
+            </a:r>
+          </a:p>
+          <a:p>
+            <a:r>
+              <a:rPr lang="en-GB" sz="6000" dirty="0">
+                <a:solidFill>
+                  <a:schemeClr val="bg1"/>
+                </a:solidFill>
+              </a:rPr>
+              <a:t>Purified</a:t>
+            </a:r>
+          </a:p>
+          <a:p>
+            <a:r>
+              <a:rPr lang="en-GB" sz="6000" dirty="0">
+                <a:solidFill>
+                  <a:schemeClr val="bg1"/>
+                </a:solidFill>
+              </a:rPr>
+              <a:t>You take whatever You desire</a:t>
+            </a:r>
+          </a:p>
+          <a:p>
+            <a:r>
+              <a:rPr lang="en-GB" sz="6000" dirty="0">
+                <a:solidFill>
+                  <a:schemeClr val="bg1"/>
+                </a:solidFill>
+              </a:rPr>
+              <a:t>Lord here's my life</a:t>
+            </a:r>
+          </a:p>
+        </p:txBody>
+      </p:sp>
+      <p:sp>
+        <p:nvSpPr>
+          <p:cNvPr id="4" name="TextBox 3"/>
+          <p:cNvSpPr txBox="1"/>
+          <p:nvPr/>
+        </p:nvSpPr>
+        <p:spPr>
+          <a:xfrm>
+            <a:off x="8529729" y="0"/>
+            <a:ext cx="628698" cy="461665"/>
+          </a:xfrm>
+          <a:prstGeom prst="rect">
+            <a:avLst/>
+          </a:prstGeom>
+          <a:noFill/>
+        </p:spPr>
+        <p:txBody>
+          <a:bodyPr wrap="none" rtlCol="0">
+            <a:spAutoFit/>
+          </a:bodyPr>
+          <a:lstStyle/>
+          <a:p>
+            <a:r>
+              <a:rPr lang="en-GB" sz="2400" b="1" dirty="0">
+                <a:solidFill>
+                  <a:schemeClr val="bg1"/>
+                </a:solidFill>
+              </a:rPr>
+              <a:t>2/4</a:t>
+            </a:r>
+          </a:p>
+        </p:txBody>
+      </p:sp>
+    </p:spTree>
+    <p:extLst>
+      <p:ext uri="{BB962C8B-B14F-4D97-AF65-F5344CB8AC3E}">
+        <p14:creationId xmlns:p14="http://schemas.microsoft.com/office/powerpoint/2010/main" val="3661959308"/>
+      </p:ext>
+    </p:extLst>
+  </p:cSld>
+  <p:clrMapOvr>
+    <a:masterClrMapping/>
+  </p:clrMapOvr>
+</p:sld>
+</file>
+
+<file path=ppt/slides/slide31.xml><?xml version="1.0" encoding="utf-8"?>
+<p:sld xmlns:a="http://schemas.openxmlformats.org/drawingml/2006/main" xmlns:r="http://schemas.openxmlformats.org/officeDocument/2006/relationships" xmlns:p="http://schemas.openxmlformats.org/presentationml/2006/main">
+  <p:cSld>
+    <p:spTree>
+      <p:nvGrpSpPr>
+        <p:cNvPr id="1" name=""/>
+        <p:cNvGrpSpPr/>
+        <p:nvPr/>
+      </p:nvGrpSpPr>
+      <p:grpSpPr>
+        <a:xfrm>
+          <a:off x="0" y="0"/>
+          <a:ext cx="0" cy="0"/>
+          <a:chOff x="0" y="0"/>
+          <a:chExt cx="0" cy="0"/>
+        </a:xfrm>
+      </p:grpSpPr>
+      <p:sp>
+        <p:nvSpPr>
+          <p:cNvPr id="3" name="Subtitle 2"/>
+          <p:cNvSpPr>
+            <a:spLocks noGrp="1"/>
+          </p:cNvSpPr>
+          <p:nvPr>
+            <p:ph type="subTitle" idx="1"/>
+          </p:nvPr>
+        </p:nvSpPr>
+        <p:spPr>
+          <a:xfrm>
+            <a:off x="323528" y="188640"/>
+            <a:ext cx="8640960" cy="6480720"/>
+          </a:xfrm>
+        </p:spPr>
+        <p:txBody>
+          <a:bodyPr>
+            <a:noAutofit/>
+          </a:bodyPr>
+          <a:lstStyle/>
+          <a:p>
+            <a:r>
+              <a:rPr lang="en-GB" sz="4400" dirty="0">
+                <a:solidFill>
+                  <a:schemeClr val="bg1"/>
+                </a:solidFill>
+              </a:rPr>
+              <a:t>If Your glory wants to come here</a:t>
+            </a:r>
+          </a:p>
+          <a:p>
+            <a:r>
+              <a:rPr lang="en-GB" sz="4400" dirty="0">
+                <a:solidFill>
+                  <a:schemeClr val="bg1"/>
+                </a:solidFill>
+              </a:rPr>
+              <a:t>Let it fall we want it all</a:t>
+            </a:r>
+          </a:p>
+          <a:p>
+            <a:r>
+              <a:rPr lang="en-GB" sz="4400" dirty="0">
+                <a:solidFill>
+                  <a:schemeClr val="bg1"/>
+                </a:solidFill>
+              </a:rPr>
+              <a:t>Your fire is consuming</a:t>
+            </a:r>
+          </a:p>
+          <a:p>
+            <a:r>
+              <a:rPr lang="en-GB" sz="4400" dirty="0">
+                <a:solidFill>
+                  <a:schemeClr val="bg1"/>
+                </a:solidFill>
+              </a:rPr>
+              <a:t>Fill this place set it ablaze</a:t>
+            </a:r>
+          </a:p>
+          <a:p>
+            <a:r>
+              <a:rPr lang="en-GB" sz="4400" dirty="0">
+                <a:solidFill>
+                  <a:schemeClr val="bg1"/>
+                </a:solidFill>
+              </a:rPr>
+              <a:t>And I'll be a living sacrifice for You</a:t>
+            </a:r>
+            <a:br>
+              <a:rPr lang="en-GB" sz="4400" dirty="0">
+                <a:solidFill>
+                  <a:schemeClr val="bg1"/>
+                </a:solidFill>
+              </a:rPr>
+            </a:br>
+            <a:br>
+              <a:rPr lang="en-GB" sz="4400" dirty="0">
+                <a:solidFill>
+                  <a:schemeClr val="bg1"/>
+                </a:solidFill>
+              </a:rPr>
+            </a:br>
+            <a:r>
+              <a:rPr lang="en-GB" sz="4400" dirty="0">
+                <a:solidFill>
+                  <a:schemeClr val="bg1"/>
+                </a:solidFill>
+              </a:rPr>
+              <a:t>You're a fire the refiner</a:t>
+            </a:r>
+          </a:p>
+          <a:p>
+            <a:r>
+              <a:rPr lang="en-GB" sz="4400" dirty="0">
+                <a:solidFill>
+                  <a:schemeClr val="bg1"/>
+                </a:solidFill>
+              </a:rPr>
+              <a:t>I </a:t>
+            </a:r>
+            <a:r>
+              <a:rPr lang="en-GB" sz="4400" dirty="0" err="1">
+                <a:solidFill>
+                  <a:schemeClr val="bg1"/>
+                </a:solidFill>
+              </a:rPr>
+              <a:t>wanna</a:t>
+            </a:r>
+            <a:r>
+              <a:rPr lang="en-GB" sz="4400" dirty="0">
+                <a:solidFill>
+                  <a:schemeClr val="bg1"/>
+                </a:solidFill>
+              </a:rPr>
+              <a:t> be consumed</a:t>
+            </a:r>
+          </a:p>
+        </p:txBody>
+      </p:sp>
+      <p:sp>
+        <p:nvSpPr>
+          <p:cNvPr id="4" name="TextBox 3"/>
+          <p:cNvSpPr txBox="1"/>
+          <p:nvPr/>
+        </p:nvSpPr>
+        <p:spPr>
+          <a:xfrm>
+            <a:off x="8529729" y="0"/>
+            <a:ext cx="628698" cy="461665"/>
+          </a:xfrm>
+          <a:prstGeom prst="rect">
+            <a:avLst/>
+          </a:prstGeom>
+          <a:noFill/>
+        </p:spPr>
+        <p:txBody>
+          <a:bodyPr wrap="none" rtlCol="0">
+            <a:spAutoFit/>
+          </a:bodyPr>
+          <a:lstStyle/>
+          <a:p>
+            <a:r>
+              <a:rPr lang="en-GB" sz="2400" b="1" dirty="0">
+                <a:solidFill>
+                  <a:schemeClr val="bg1"/>
+                </a:solidFill>
+              </a:rPr>
+              <a:t>3/4</a:t>
+            </a:r>
+          </a:p>
+        </p:txBody>
+      </p:sp>
+    </p:spTree>
+    <p:extLst>
+      <p:ext uri="{BB962C8B-B14F-4D97-AF65-F5344CB8AC3E}">
+        <p14:creationId xmlns:p14="http://schemas.microsoft.com/office/powerpoint/2010/main" val="1446621887"/>
+      </p:ext>
+    </p:extLst>
+  </p:cSld>
+  <p:clrMapOvr>
+    <a:masterClrMapping/>
+  </p:clrMapOvr>
+</p:sld>
+</file>
+
+<file path=ppt/slides/slide32.xml><?xml version="1.0" encoding="utf-8"?>
+<p:sld xmlns:a="http://schemas.openxmlformats.org/drawingml/2006/main" xmlns:r="http://schemas.openxmlformats.org/officeDocument/2006/relationships" xmlns:p="http://schemas.openxmlformats.org/presentationml/2006/main">
+  <p:cSld>
+    <p:spTree>
+      <p:nvGrpSpPr>
+        <p:cNvPr id="1" name=""/>
+        <p:cNvGrpSpPr/>
+        <p:nvPr/>
+      </p:nvGrpSpPr>
+      <p:grpSpPr>
+        <a:xfrm>
+          <a:off x="0" y="0"/>
+          <a:ext cx="0" cy="0"/>
+          <a:chOff x="0" y="0"/>
+          <a:chExt cx="0" cy="0"/>
+        </a:xfrm>
+      </p:grpSpPr>
+      <p:sp>
+        <p:nvSpPr>
+          <p:cNvPr id="3" name="Subtitle 2"/>
+          <p:cNvSpPr>
+            <a:spLocks noGrp="1"/>
+          </p:cNvSpPr>
+          <p:nvPr>
+            <p:ph type="subTitle" idx="1"/>
+          </p:nvPr>
+        </p:nvSpPr>
+        <p:spPr>
+          <a:xfrm>
+            <a:off x="323528" y="188640"/>
+            <a:ext cx="8640960" cy="6480720"/>
+          </a:xfrm>
+        </p:spPr>
+        <p:txBody>
+          <a:bodyPr>
+            <a:noAutofit/>
+          </a:bodyPr>
+          <a:lstStyle/>
+          <a:p>
+            <a:r>
+              <a:rPr lang="en-GB" sz="5400" dirty="0">
+                <a:solidFill>
+                  <a:schemeClr val="bg1"/>
+                </a:solidFill>
+              </a:rPr>
+              <a:t>Clean my hands purify my heart</a:t>
+            </a:r>
+          </a:p>
+          <a:p>
+            <a:r>
+              <a:rPr lang="en-GB" sz="5400" dirty="0">
+                <a:solidFill>
+                  <a:schemeClr val="bg1"/>
+                </a:solidFill>
+              </a:rPr>
+              <a:t>I </a:t>
+            </a:r>
+            <a:r>
+              <a:rPr lang="en-GB" sz="5400" dirty="0" err="1">
+                <a:solidFill>
+                  <a:schemeClr val="bg1"/>
+                </a:solidFill>
+              </a:rPr>
+              <a:t>wanna</a:t>
+            </a:r>
+            <a:r>
+              <a:rPr lang="en-GB" sz="5400" dirty="0">
+                <a:solidFill>
+                  <a:schemeClr val="bg1"/>
+                </a:solidFill>
+              </a:rPr>
+              <a:t> burn for You only for You</a:t>
+            </a:r>
+          </a:p>
+          <a:p>
+            <a:r>
+              <a:rPr lang="en-GB" sz="5400" dirty="0">
+                <a:solidFill>
+                  <a:schemeClr val="bg1"/>
+                </a:solidFill>
+              </a:rPr>
+              <a:t>Take my life as a sacrifice</a:t>
+            </a:r>
+          </a:p>
+          <a:p>
+            <a:r>
+              <a:rPr lang="en-GB" sz="5400" dirty="0">
+                <a:solidFill>
+                  <a:schemeClr val="bg1"/>
+                </a:solidFill>
+              </a:rPr>
+              <a:t>I </a:t>
+            </a:r>
+            <a:r>
+              <a:rPr lang="en-GB" sz="5400" dirty="0" err="1">
+                <a:solidFill>
+                  <a:schemeClr val="bg1"/>
+                </a:solidFill>
+              </a:rPr>
+              <a:t>wanna</a:t>
+            </a:r>
+            <a:r>
+              <a:rPr lang="en-GB" sz="5400" dirty="0">
+                <a:solidFill>
+                  <a:schemeClr val="bg1"/>
+                </a:solidFill>
+              </a:rPr>
+              <a:t> burn for You only for You</a:t>
+            </a:r>
+          </a:p>
+        </p:txBody>
+      </p:sp>
+      <p:sp>
+        <p:nvSpPr>
+          <p:cNvPr id="4" name="TextBox 3"/>
+          <p:cNvSpPr txBox="1"/>
+          <p:nvPr/>
+        </p:nvSpPr>
+        <p:spPr>
+          <a:xfrm>
+            <a:off x="8529729" y="0"/>
+            <a:ext cx="628698" cy="461665"/>
+          </a:xfrm>
+          <a:prstGeom prst="rect">
+            <a:avLst/>
+          </a:prstGeom>
+          <a:noFill/>
+        </p:spPr>
+        <p:txBody>
+          <a:bodyPr wrap="none" rtlCol="0">
+            <a:spAutoFit/>
+          </a:bodyPr>
+          <a:lstStyle/>
+          <a:p>
+            <a:r>
+              <a:rPr lang="en-GB" sz="2400" b="1" dirty="0">
+                <a:solidFill>
+                  <a:schemeClr val="bg1"/>
+                </a:solidFill>
+              </a:rPr>
+              <a:t>4/4</a:t>
+            </a:r>
+          </a:p>
+        </p:txBody>
+      </p:sp>
+    </p:spTree>
+    <p:extLst>
+      <p:ext uri="{BB962C8B-B14F-4D97-AF65-F5344CB8AC3E}">
+        <p14:creationId xmlns:p14="http://schemas.microsoft.com/office/powerpoint/2010/main" val="3788699378"/>
       </p:ext>
     </p:extLst>
   </p:cSld>
@@ -7137,71 +7272,125 @@
           </a:bodyPr>
           <a:lstStyle/>
           <a:p>
-            <a:endParaRPr lang="en-GB" sz="9600" dirty="0"/>
-          </a:p>
-          <a:p>
-            <a:r>
-              <a:rPr lang="en-GB" sz="9600" dirty="0">
-                <a:solidFill>
-                  <a:schemeClr val="bg1"/>
-                </a:solidFill>
-              </a:rPr>
-              <a:t>I know Who I am</a:t>
-            </a:r>
-          </a:p>
-          <a:p>
-            <a:r>
-              <a:rPr lang="en-GB" sz="1200" dirty="0"/>
-              <a:t>CCLI Song # 7115745</a:t>
-            </a:r>
-          </a:p>
-          <a:p>
-            <a:endParaRPr lang="en-GB" sz="1200" dirty="0"/>
-          </a:p>
-          <a:p>
-            <a:r>
-              <a:rPr lang="en-GB" sz="1200" dirty="0" err="1"/>
-              <a:t>Osinachi</a:t>
-            </a:r>
-            <a:r>
-              <a:rPr lang="en-GB" sz="1200" dirty="0"/>
-              <a:t> Kalu Okoro </a:t>
-            </a:r>
-            <a:r>
-              <a:rPr lang="en-GB" sz="1200" dirty="0" err="1"/>
-              <a:t>Egbu</a:t>
-            </a:r>
-            <a:endParaRPr lang="en-GB" sz="1200" dirty="0"/>
-          </a:p>
-          <a:p>
-            <a:endParaRPr lang="en-GB" sz="1200" dirty="0"/>
-          </a:p>
-          <a:p>
-            <a:r>
-              <a:rPr lang="en-GB" sz="1200" dirty="0"/>
-              <a:t>© 2013 Integrity Music Europe (Admin. by Integrity Music Ltd)</a:t>
-            </a:r>
-          </a:p>
-          <a:p>
-            <a:r>
-              <a:rPr lang="en-GB" sz="1200" dirty="0"/>
+            <a:endParaRPr lang="en-GB" sz="6600" dirty="0">
+              <a:solidFill>
+                <a:srgbClr val="00A3E0"/>
+              </a:solidFill>
+              <a:latin typeface="akagi_probook"/>
+            </a:endParaRPr>
+          </a:p>
+          <a:p>
+            <a:r>
+              <a:rPr lang="en-GB" sz="6600" dirty="0">
+                <a:solidFill>
+                  <a:srgbClr val="00A3E0"/>
+                </a:solidFill>
+                <a:latin typeface="akagi_probook"/>
+              </a:rPr>
+              <a:t>Sing Unto the Lord</a:t>
+            </a:r>
+          </a:p>
+          <a:p>
+            <a:br>
+              <a:rPr lang="en-GB" sz="1200" dirty="0">
+                <a:solidFill>
+                  <a:schemeClr val="bg1"/>
+                </a:solidFill>
+              </a:rPr>
+            </a:br>
+            <a:r>
+              <a:rPr lang="en-GB" sz="1200" dirty="0">
+                <a:solidFill>
+                  <a:schemeClr val="bg1"/>
+                </a:solidFill>
+              </a:rPr>
+              <a:t>CCLI Song # 4109954</a:t>
+            </a:r>
+          </a:p>
+          <a:p>
+            <a:endParaRPr lang="en-GB" sz="1200" dirty="0">
+              <a:solidFill>
+                <a:schemeClr val="bg1"/>
+              </a:solidFill>
+            </a:endParaRPr>
+          </a:p>
+          <a:p>
+            <a:r>
+              <a:rPr lang="en-GB" sz="1200" dirty="0">
+                <a:solidFill>
+                  <a:schemeClr val="bg1"/>
+                </a:solidFill>
+              </a:rPr>
+              <a:t>Howard Francis | Mark Beswick | Nicky Brown</a:t>
+            </a:r>
+          </a:p>
+          <a:p>
+            <a:endParaRPr lang="en-GB" sz="1200" dirty="0">
+              <a:solidFill>
+                <a:schemeClr val="bg1"/>
+              </a:solidFill>
+            </a:endParaRPr>
+          </a:p>
+          <a:p>
+            <a:r>
+              <a:rPr lang="en-GB" sz="1200" dirty="0">
+                <a:solidFill>
+                  <a:schemeClr val="bg1"/>
+                </a:solidFill>
+              </a:rPr>
+              <a:t>© 2003 Thankyou Music (Admin. by Integrity Music Ltd)</a:t>
+            </a:r>
+          </a:p>
+          <a:p>
+            <a:r>
+              <a:rPr lang="en-GB" sz="1200" dirty="0">
+                <a:solidFill>
+                  <a:schemeClr val="bg1"/>
+                </a:solidFill>
+              </a:rPr>
+              <a:t>Remaining portion is unaffiliated</a:t>
+            </a:r>
+          </a:p>
+          <a:p>
+            <a:r>
+              <a:rPr lang="en-GB" sz="1200" dirty="0">
+                <a:solidFill>
+                  <a:schemeClr val="bg1"/>
+                </a:solidFill>
+              </a:rPr>
               <a:t>For use solely with the </a:t>
             </a:r>
             <a:r>
-              <a:rPr lang="en-GB" sz="1200" dirty="0" err="1"/>
+              <a:rPr lang="en-GB" sz="1200" dirty="0" err="1">
+                <a:solidFill>
+                  <a:schemeClr val="bg1"/>
+                </a:solidFill>
+              </a:rPr>
               <a:t>SongSelect</a:t>
             </a:r>
             <a:r>
-              <a:rPr lang="en-GB" sz="1200" dirty="0"/>
+              <a:rPr lang="en-GB" sz="1200" dirty="0">
+                <a:solidFill>
+                  <a:schemeClr val="bg1"/>
+                </a:solidFill>
+              </a:rPr>
               <a:t>® Terms of Use. All rights reserved. www.ccli.com</a:t>
             </a:r>
           </a:p>
           <a:p>
-            <a:endParaRPr lang="en-GB" sz="1200" dirty="0"/>
-          </a:p>
-          <a:p>
-            <a:r>
-              <a:rPr lang="en-GB" sz="1200" dirty="0"/>
+            <a:endParaRPr lang="en-GB" sz="1200" dirty="0">
+              <a:solidFill>
+                <a:schemeClr val="bg1"/>
+              </a:solidFill>
+            </a:endParaRPr>
+          </a:p>
+          <a:p>
+            <a:r>
+              <a:rPr lang="en-GB" sz="1200" dirty="0">
+                <a:solidFill>
+                  <a:schemeClr val="bg1"/>
+                </a:solidFill>
+              </a:rPr>
               <a:t>CCLI Licence No. 33265</a:t>
             </a:r>
           </a:p>
@@ -7210,7 +7399,7 @@
     </p:spTree>
     <p:extLst>
       <p:ext uri="{BB962C8B-B14F-4D97-AF65-F5344CB8AC3E}">
-        <p14:creationId xmlns:p14="http://schemas.microsoft.com/office/powerpoint/2010/main" val="3308045615"/>
+        <p14:creationId xmlns:p14="http://schemas.microsoft.com/office/powerpoint/2010/main" val="1895740341"/>
       </p:ext>
     </p:extLst>
   </p:cSld>
@@ -7265,7 +7454,7 @@
                   <a:schemeClr val="bg1"/>
                 </a:solidFill>
               </a:rPr>
-              <a:t>We are a chosen generation</a:t>
+              <a:t>Sing unto the Lord a new song</a:t>
             </a:r>
           </a:p>
           <a:p>
@@ -7275,7 +7464,7 @@
                   <a:schemeClr val="bg1"/>
                 </a:solidFill>
               </a:rPr>
-              <a:t>Called forth to show His excellence</a:t>
+              <a:t>Bless Him praise Him</a:t>
             </a:r>
           </a:p>
           <a:p>
@@ -7285,7 +7474,7 @@
                   <a:schemeClr val="bg1"/>
                 </a:solidFill>
               </a:rPr>
-              <a:t>All I require for life God has given me</a:t>
+              <a:t>Lift Him higher</a:t>
             </a:r>
           </a:p>
           <a:p>
@@ -7295,15 +7484,20 @@
                   <a:schemeClr val="bg1"/>
                 </a:solidFill>
               </a:rPr>
-              <a:t>And I know who I am</a:t>
-            </a:r>
-            <a:br>
+              <a:t>All you chosen generation</a:t>
+            </a:r>
+          </a:p>
+          <a:p>
+            <a:r>
               <a:rPr lang="en-GB" sz="5400" dirty="0">
                 <a:solidFill>
                   <a:schemeClr val="bg1"/>
                 </a:solidFill>
               </a:rPr>
-            </a:br>
+              <a:t>Dance and celebrate</a:t>
+            </a:r>
+          </a:p>
+          <a:p>
             <a:r>
               <a:rPr lang="en-GB" sz="5400" dirty="0">
                 <a:solidFill>
@@ -7343,7 +7537,7 @@
                   <a:schemeClr val="bg1"/>
                 </a:solidFill>
               </a:rPr>
-              <a:t>1/4</a:t>
+              <a:t>1/3</a:t>
             </a:r>
           </a:p>
         </p:txBody>
@@ -7351,7 +7545,7 @@
     </p:spTree>
     <p:extLst>
       <p:ext uri="{BB962C8B-B14F-4D97-AF65-F5344CB8AC3E}">
-        <p14:creationId xmlns:p14="http://schemas.microsoft.com/office/powerpoint/2010/main" val="163130024"/>
+        <p14:creationId xmlns:p14="http://schemas.microsoft.com/office/powerpoint/2010/main" val="3985050235"/>
       </p:ext>
     </p:extLst>
   </p:cSld>
@@ -7406,7 +7600,7 @@
                   <a:schemeClr val="bg1"/>
                 </a:solidFill>
               </a:rPr>
-              <a:t>I know who God says I am What He says I am</a:t>
+              <a:t>If you lift Him high</a:t>
             </a:r>
           </a:p>
           <a:p>
@@ -7416,23 +7610,17 @@
                   <a:schemeClr val="bg1"/>
                 </a:solidFill>
               </a:rPr>
-              <a:t>Where He says </a:t>
-            </a:r>
-            <a:r>
-              <a:rPr lang="en-GB" sz="5400" dirty="0" err="1">
-                <a:solidFill>
-                  <a:schemeClr val="bg1"/>
-                </a:solidFill>
-              </a:rPr>
-              <a:t>I’am</a:t>
-            </a:r>
+              <a:t>He will draw us</a:t>
+            </a:r>
+          </a:p>
+          <a:p>
             <a:r>
               <a:rPr lang="en-GB" sz="5400" dirty="0">
                 <a:solidFill>
                   <a:schemeClr val="bg1"/>
                 </a:solidFill>
               </a:rPr>
-              <a:t> at </a:t>
+              <a:t>Nearer ever closer to Him</a:t>
             </a:r>
           </a:p>
           <a:p>
@@ -7442,29 +7630,7 @@
                   <a:schemeClr val="bg1"/>
                 </a:solidFill>
               </a:rPr>
-              <a:t>I know who I am</a:t>
-            </a:r>
-            <a:br>
-              <a:rPr lang="en-GB" sz="5400" dirty="0">
-                <a:solidFill>
-                  <a:schemeClr val="bg1"/>
-                </a:solidFill>
-              </a:rPr>
-            </a:br>
-            <a:br>
-              <a:rPr lang="en-GB" sz="5400" dirty="0">
-                <a:solidFill>
-                  <a:schemeClr val="bg1"/>
-                </a:solidFill>
-              </a:rPr>
-            </a:br>
-            <a:r>
-              <a:rPr lang="en-GB" sz="5400" dirty="0">
-                <a:solidFill>
-                  <a:schemeClr val="bg1"/>
-                </a:solidFill>
-              </a:rPr>
-              <a:t>(REPEAT)</a:t>
+              <a:t>Day by day</a:t>
             </a:r>
           </a:p>
         </p:txBody>
@@ -7497,7 +7663,7 @@
                   <a:schemeClr val="bg1"/>
                 </a:solidFill>
               </a:rPr>
-              <a:t>2/4</a:t>
+              <a:t>2/3</a:t>
             </a:r>
           </a:p>
         </p:txBody>
@@ -7505,7 +7671,7 @@
     </p:spTree>
     <p:extLst>
       <p:ext uri="{BB962C8B-B14F-4D97-AF65-F5344CB8AC3E}">
-        <p14:creationId xmlns:p14="http://schemas.microsoft.com/office/powerpoint/2010/main" val="564552926"/>
+        <p14:creationId xmlns:p14="http://schemas.microsoft.com/office/powerpoint/2010/main" val="2360679960"/>
       </p:ext>
     </p:extLst>
   </p:cSld>
@@ -7560,7 +7726,7 @@
                   <a:schemeClr val="bg1"/>
                 </a:solidFill>
               </a:rPr>
-              <a:t>I'm working in power </a:t>
+              <a:t>If you lift Him high</a:t>
             </a:r>
           </a:p>
           <a:p>
@@ -7570,7 +7736,7 @@
                   <a:schemeClr val="bg1"/>
                 </a:solidFill>
               </a:rPr>
-              <a:t>I'm working miracles</a:t>
+              <a:t>He will draw us</a:t>
             </a:r>
           </a:p>
           <a:p>
@@ -7580,47 +7746,17 @@
                   <a:schemeClr val="bg1"/>
                 </a:solidFill>
               </a:rPr>
-              <a:t>I live a life of favour </a:t>
-            </a:r>
-          </a:p>
-          <a:p>
-            <a:r>
-              <a:rPr lang="en-GB" sz="5400" dirty="0" err="1">
-                <a:solidFill>
-                  <a:schemeClr val="bg1"/>
-                </a:solidFill>
-              </a:rPr>
-              <a:t>'Cause</a:t>
-            </a:r>
+              <a:t>Nearer ever closer to Him</a:t>
+            </a:r>
+          </a:p>
+          <a:p>
             <a:r>
               <a:rPr lang="en-GB" sz="5400" dirty="0">
                 <a:solidFill>
                   <a:schemeClr val="bg1"/>
                 </a:solidFill>
               </a:rPr>
-              <a:t> I know who I am </a:t>
-            </a:r>
-            <a:br>
-              <a:rPr lang="en-GB" sz="5400" dirty="0">
-                <a:solidFill>
-                  <a:schemeClr val="bg1"/>
-                </a:solidFill>
-              </a:rPr>
-            </a:br>
-            <a:br>
-              <a:rPr lang="en-GB" sz="5400" dirty="0">
-                <a:solidFill>
-                  <a:schemeClr val="bg1"/>
-                </a:solidFill>
-              </a:rPr>
-            </a:br>
-            <a:r>
-              <a:rPr lang="en-GB" sz="5400" dirty="0">
-                <a:solidFill>
-                  <a:schemeClr val="bg1"/>
-                </a:solidFill>
-              </a:rPr>
-              <a:t>(REPEAT)</a:t>
+              <a:t>Every day</a:t>
             </a:r>
           </a:p>
         </p:txBody>
@@ -7653,7 +7789,7 @@
                   <a:schemeClr val="bg1"/>
                 </a:solidFill>
               </a:rPr>
-              <a:t>3/4</a:t>
+              <a:t>3/3</a:t>
             </a:r>
           </a:p>
         </p:txBody>
@@ -7661,7 +7797,7 @@
     </p:spTree>
     <p:extLst>
       <p:ext uri="{BB962C8B-B14F-4D97-AF65-F5344CB8AC3E}">
-        <p14:creationId xmlns:p14="http://schemas.microsoft.com/office/powerpoint/2010/main" val="1120616589"/>
+        <p14:creationId xmlns:p14="http://schemas.microsoft.com/office/powerpoint/2010/main" val="3479529706"/>
       </p:ext>
     </p:extLst>
   </p:cSld>

--- a/docs/songs_13-02-2022.pptx
+++ b/docs/songs_13-02-2022.pptx
@@ -21,22 +21,23 @@
     <p:sldId id="426" r:id="rId15"/>
     <p:sldId id="541" r:id="rId16"/>
     <p:sldId id="547" r:id="rId17"/>
-    <p:sldId id="408" r:id="rId18"/>
-    <p:sldId id="409" r:id="rId19"/>
-    <p:sldId id="410" r:id="rId20"/>
-    <p:sldId id="411" r:id="rId21"/>
-    <p:sldId id="480" r:id="rId22"/>
-    <p:sldId id="481" r:id="rId23"/>
-    <p:sldId id="482" r:id="rId24"/>
-    <p:sldId id="483" r:id="rId25"/>
-    <p:sldId id="484" r:id="rId26"/>
-    <p:sldId id="486" r:id="rId27"/>
-    <p:sldId id="537" r:id="rId28"/>
-    <p:sldId id="542" r:id="rId29"/>
-    <p:sldId id="543" r:id="rId30"/>
-    <p:sldId id="544" r:id="rId31"/>
-    <p:sldId id="546" r:id="rId32"/>
-    <p:sldId id="545" r:id="rId33"/>
+    <p:sldId id="548" r:id="rId18"/>
+    <p:sldId id="408" r:id="rId19"/>
+    <p:sldId id="409" r:id="rId20"/>
+    <p:sldId id="410" r:id="rId21"/>
+    <p:sldId id="411" r:id="rId22"/>
+    <p:sldId id="480" r:id="rId23"/>
+    <p:sldId id="481" r:id="rId24"/>
+    <p:sldId id="482" r:id="rId25"/>
+    <p:sldId id="483" r:id="rId26"/>
+    <p:sldId id="484" r:id="rId27"/>
+    <p:sldId id="486" r:id="rId28"/>
+    <p:sldId id="537" r:id="rId29"/>
+    <p:sldId id="542" r:id="rId30"/>
+    <p:sldId id="543" r:id="rId31"/>
+    <p:sldId id="544" r:id="rId32"/>
+    <p:sldId id="546" r:id="rId33"/>
+    <p:sldId id="545" r:id="rId34"/>
   </p:sldIdLst>
   <p:sldSz cx="9144000" cy="6858000" type="screen4x3"/>
   <p:notesSz cx="6858000" cy="9144000"/>
@@ -336,7 +337,7 @@
             <a:fld id="{26EA1CF3-4A15-4CBF-9A5A-6A56C368BE71}" type="datetimeFigureOut">
               <a:rPr lang="en-GB" smtClean="0"/>
               <a:pPr/>
-              <a:t>11/02/2022</a:t>
+              <a:t>12/02/2022</a:t>
             </a:fld>
             <a:endParaRPr lang="en-GB"/>
           </a:p>
@@ -503,7 +504,7 @@
             <a:fld id="{26EA1CF3-4A15-4CBF-9A5A-6A56C368BE71}" type="datetimeFigureOut">
               <a:rPr lang="en-GB" smtClean="0"/>
               <a:pPr/>
-              <a:t>11/02/2022</a:t>
+              <a:t>12/02/2022</a:t>
             </a:fld>
             <a:endParaRPr lang="en-GB"/>
           </a:p>
@@ -680,7 +681,7 @@
             <a:fld id="{26EA1CF3-4A15-4CBF-9A5A-6A56C368BE71}" type="datetimeFigureOut">
               <a:rPr lang="en-GB" smtClean="0"/>
               <a:pPr/>
-              <a:t>11/02/2022</a:t>
+              <a:t>12/02/2022</a:t>
             </a:fld>
             <a:endParaRPr lang="en-GB"/>
           </a:p>
@@ -847,7 +848,7 @@
             <a:fld id="{26EA1CF3-4A15-4CBF-9A5A-6A56C368BE71}" type="datetimeFigureOut">
               <a:rPr lang="en-GB" smtClean="0"/>
               <a:pPr/>
-              <a:t>11/02/2022</a:t>
+              <a:t>12/02/2022</a:t>
             </a:fld>
             <a:endParaRPr lang="en-GB"/>
           </a:p>
@@ -1090,7 +1091,7 @@
             <a:fld id="{26EA1CF3-4A15-4CBF-9A5A-6A56C368BE71}" type="datetimeFigureOut">
               <a:rPr lang="en-GB" smtClean="0"/>
               <a:pPr/>
-              <a:t>11/02/2022</a:t>
+              <a:t>12/02/2022</a:t>
             </a:fld>
             <a:endParaRPr lang="en-GB"/>
           </a:p>
@@ -1375,7 +1376,7 @@
             <a:fld id="{26EA1CF3-4A15-4CBF-9A5A-6A56C368BE71}" type="datetimeFigureOut">
               <a:rPr lang="en-GB" smtClean="0"/>
               <a:pPr/>
-              <a:t>11/02/2022</a:t>
+              <a:t>12/02/2022</a:t>
             </a:fld>
             <a:endParaRPr lang="en-GB"/>
           </a:p>
@@ -1794,7 +1795,7 @@
             <a:fld id="{26EA1CF3-4A15-4CBF-9A5A-6A56C368BE71}" type="datetimeFigureOut">
               <a:rPr lang="en-GB" smtClean="0"/>
               <a:pPr/>
-              <a:t>11/02/2022</a:t>
+              <a:t>12/02/2022</a:t>
             </a:fld>
             <a:endParaRPr lang="en-GB"/>
           </a:p>
@@ -1909,7 +1910,7 @@
             <a:fld id="{26EA1CF3-4A15-4CBF-9A5A-6A56C368BE71}" type="datetimeFigureOut">
               <a:rPr lang="en-GB" smtClean="0"/>
               <a:pPr/>
-              <a:t>11/02/2022</a:t>
+              <a:t>12/02/2022</a:t>
             </a:fld>
             <a:endParaRPr lang="en-GB"/>
           </a:p>
@@ -2001,7 +2002,7 @@
             <a:fld id="{26EA1CF3-4A15-4CBF-9A5A-6A56C368BE71}" type="datetimeFigureOut">
               <a:rPr lang="en-GB" smtClean="0"/>
               <a:pPr/>
-              <a:t>11/02/2022</a:t>
+              <a:t>12/02/2022</a:t>
             </a:fld>
             <a:endParaRPr lang="en-GB"/>
           </a:p>
@@ -2275,7 +2276,7 @@
             <a:fld id="{26EA1CF3-4A15-4CBF-9A5A-6A56C368BE71}" type="datetimeFigureOut">
               <a:rPr lang="en-GB" smtClean="0"/>
               <a:pPr/>
-              <a:t>11/02/2022</a:t>
+              <a:t>12/02/2022</a:t>
             </a:fld>
             <a:endParaRPr lang="en-GB"/>
           </a:p>
@@ -2525,7 +2526,7 @@
             <a:fld id="{26EA1CF3-4A15-4CBF-9A5A-6A56C368BE71}" type="datetimeFigureOut">
               <a:rPr lang="en-GB" smtClean="0"/>
               <a:pPr/>
-              <a:t>11/02/2022</a:t>
+              <a:t>12/02/2022</a:t>
             </a:fld>
             <a:endParaRPr lang="en-GB"/>
           </a:p>
@@ -2738,7 +2739,7 @@
             <a:fld id="{26EA1CF3-4A15-4CBF-9A5A-6A56C368BE71}" type="datetimeFigureOut">
               <a:rPr lang="en-GB" smtClean="0"/>
               <a:pPr/>
-              <a:t>11/02/2022</a:t>
+              <a:t>12/02/2022</a:t>
             </a:fld>
             <a:endParaRPr lang="en-GB"/>
           </a:p>
@@ -3603,7 +3604,7 @@
                   <a:schemeClr val="bg1"/>
                 </a:solidFill>
               </a:rPr>
-              <a:t>1/4</a:t>
+              <a:t>1/6</a:t>
             </a:r>
           </a:p>
         </p:txBody>
@@ -3757,7 +3758,7 @@
                   <a:schemeClr val="bg1"/>
                 </a:solidFill>
               </a:rPr>
-              <a:t>2/4</a:t>
+              <a:t>2/6</a:t>
             </a:r>
           </a:p>
         </p:txBody>
@@ -3913,7 +3914,7 @@
                   <a:schemeClr val="bg1"/>
                 </a:solidFill>
               </a:rPr>
-              <a:t>3/4</a:t>
+              <a:t>3/6</a:t>
             </a:r>
           </a:p>
         </p:txBody>
@@ -4095,7 +4096,7 @@
                   <a:schemeClr val="bg1"/>
                 </a:solidFill>
               </a:rPr>
-              <a:t>4/4</a:t>
+              <a:t>4/6</a:t>
             </a:r>
           </a:p>
         </p:txBody>
@@ -4152,6 +4153,13 @@
           </a:bodyPr>
           <a:lstStyle/>
           <a:p>
+            <a:endParaRPr lang="en-GB" sz="4800" dirty="0">
+              <a:solidFill>
+                <a:schemeClr val="bg1"/>
+              </a:solidFill>
+            </a:endParaRPr>
+          </a:p>
+          <a:p>
             <a:r>
               <a:rPr lang="en-GB" sz="4800" dirty="0">
                 <a:solidFill>
@@ -4169,43 +4177,6 @@
                 </a:solidFill>
               </a:rPr>
               <a:t>I am so rich, I am beautiful.</a:t>
-            </a:r>
-          </a:p>
-          <a:p>
-            <a:br>
-              <a:rPr lang="en-GB" sz="4800" dirty="0">
-                <a:solidFill>
-                  <a:schemeClr val="bg1"/>
-                </a:solidFill>
-              </a:rPr>
-            </a:br>
-            <a:r>
-              <a:rPr lang="en-GB" sz="4800" dirty="0">
-                <a:solidFill>
-                  <a:schemeClr val="bg1"/>
-                </a:solidFill>
-              </a:rPr>
-              <a:t>Take a look at me, I'm a wonder.</a:t>
-            </a:r>
-          </a:p>
-          <a:p>
-            <a:r>
-              <a:rPr lang="en-GB" sz="4800" dirty="0">
-                <a:solidFill>
-                  <a:schemeClr val="bg1"/>
-                </a:solidFill>
-              </a:rPr>
-              <a:t>It doesn't matter what you see now.</a:t>
-            </a:r>
-          </a:p>
-          <a:p>
-            <a:r>
-              <a:rPr lang="en-GB" sz="4800" dirty="0">
-                <a:solidFill>
-                  <a:schemeClr val="bg1"/>
-                </a:solidFill>
-              </a:rPr>
-              <a:t>Can you see His glory for I know who I am?</a:t>
             </a:r>
           </a:p>
         </p:txBody>
@@ -4238,7 +4209,7 @@
                   <a:schemeClr val="bg1"/>
                 </a:solidFill>
               </a:rPr>
-              <a:t>4/4</a:t>
+              <a:t>5/6</a:t>
             </a:r>
           </a:p>
         </p:txBody>
@@ -4295,80 +4266,95 @@
           </a:bodyPr>
           <a:lstStyle/>
           <a:p>
-            <a:endParaRPr lang="en-GB" sz="9600" dirty="0"/>
-          </a:p>
-          <a:p>
-            <a:r>
-              <a:rPr lang="en-GB" sz="9600" dirty="0">
-                <a:solidFill>
-                  <a:schemeClr val="bg1"/>
-                </a:solidFill>
-              </a:rPr>
-              <a:t>Your Love Never Fails</a:t>
-            </a:r>
-          </a:p>
-          <a:p>
-            <a:r>
-              <a:rPr lang="en-GB" sz="1200" dirty="0"/>
-              <a:t>CCLI Song # 5337172</a:t>
-            </a:r>
-          </a:p>
-          <a:p>
-            <a:endParaRPr lang="en-GB" sz="1200" dirty="0"/>
-          </a:p>
-          <a:p>
-            <a:r>
-              <a:rPr lang="en-GB" sz="1200" dirty="0"/>
-              <a:t>Anthony Skinner | Chris </a:t>
-            </a:r>
-            <a:r>
-              <a:rPr lang="en-GB" sz="1200" dirty="0" err="1"/>
-              <a:t>McClarney</a:t>
-            </a:r>
-            <a:endParaRPr lang="en-GB" sz="1200" dirty="0"/>
-          </a:p>
-          <a:p>
-            <a:endParaRPr lang="en-GB" sz="1200" dirty="0"/>
-          </a:p>
-          <a:p>
-            <a:r>
-              <a:rPr lang="en-GB" sz="1200" dirty="0"/>
-              <a:t>© 2008 Integrity's Alleluia! Music (Admin. by Integrity Music Ltd)</a:t>
-            </a:r>
-          </a:p>
-          <a:p>
-            <a:r>
-              <a:rPr lang="en-GB" sz="1200" dirty="0"/>
-              <a:t>Out Of The Cave Music (Admin. by Integrity Music Ltd)</a:t>
-            </a:r>
-          </a:p>
-          <a:p>
-            <a:r>
-              <a:rPr lang="en-GB" sz="1200" dirty="0"/>
-              <a:t>Thankyou Music (Admin. by Integrity Music Ltd)</a:t>
-            </a:r>
-          </a:p>
-          <a:p>
-            <a:r>
-              <a:rPr lang="en-GB" sz="1200" dirty="0"/>
-              <a:t>For use solely with the </a:t>
-            </a:r>
-            <a:r>
-              <a:rPr lang="en-GB" sz="1200" dirty="0" err="1"/>
-              <a:t>SongSelect</a:t>
-            </a:r>
-            <a:r>
-              <a:rPr lang="en-GB" sz="1200" dirty="0"/>
-              <a:t>® Terms of Use. All rights reserved. www.ccli.com</a:t>
-            </a:r>
-          </a:p>
-          <a:p>
-            <a:endParaRPr lang="en-GB" sz="1200" dirty="0"/>
-          </a:p>
-          <a:p>
-            <a:r>
-              <a:rPr lang="en-GB" sz="1200" dirty="0"/>
-              <a:t>CCLI Licence No. 33265</a:t>
+            <a:endParaRPr lang="en-GB" sz="4800" dirty="0">
+              <a:solidFill>
+                <a:schemeClr val="bg1"/>
+              </a:solidFill>
+            </a:endParaRPr>
+          </a:p>
+          <a:p>
+            <a:r>
+              <a:rPr lang="en-GB" sz="4800" dirty="0">
+                <a:solidFill>
+                  <a:schemeClr val="bg1"/>
+                </a:solidFill>
+              </a:rPr>
+              <a:t>Take a look at me, I'm a wonder.</a:t>
+            </a:r>
+          </a:p>
+          <a:p>
+            <a:r>
+              <a:rPr lang="en-GB" sz="4800" dirty="0">
+                <a:solidFill>
+                  <a:schemeClr val="bg1"/>
+                </a:solidFill>
+              </a:rPr>
+              <a:t>It doesn't matter what you see now.</a:t>
+            </a:r>
+          </a:p>
+          <a:p>
+            <a:r>
+              <a:rPr lang="en-GB" sz="4800" dirty="0">
+                <a:solidFill>
+                  <a:schemeClr val="bg1"/>
+                </a:solidFill>
+              </a:rPr>
+              <a:t>Can you see His glory for I know who I am?</a:t>
+            </a:r>
+            <a:br>
+              <a:rPr lang="en-GB" sz="4800" dirty="0">
+                <a:solidFill>
+                  <a:schemeClr val="bg1"/>
+                </a:solidFill>
+              </a:rPr>
+            </a:br>
+            <a:br>
+              <a:rPr lang="en-GB" sz="4800" dirty="0">
+                <a:solidFill>
+                  <a:schemeClr val="bg1"/>
+                </a:solidFill>
+              </a:rPr>
+            </a:br>
+            <a:r>
+              <a:rPr lang="en-GB" sz="4800" dirty="0">
+                <a:solidFill>
+                  <a:schemeClr val="bg1"/>
+                </a:solidFill>
+              </a:rPr>
+              <a:t>(REPEAT)</a:t>
+            </a:r>
+          </a:p>
+        </p:txBody>
+      </p:sp>
+      <p:sp>
+        <p:nvSpPr>
+          <p:cNvPr id="4" name="TextBox 3"/>
+          <p:cNvSpPr txBox="1"/>
+          <p:nvPr/>
+        </p:nvSpPr>
+        <p:spPr>
+          <a:xfrm>
+            <a:off x="8529729" y="0"/>
+            <a:ext cx="628698" cy="461665"/>
+          </a:xfrm>
+          <a:prstGeom prst="rect">
+            <a:avLst/>
+          </a:prstGeom>
+          <a:noFill/>
+        </p:spPr>
+        <p:txBody>
+          <a:bodyPr wrap="none" rtlCol="0">
+            <a:spAutoFit/>
+          </a:bodyPr>
+          <a:lstStyle/>
+          <a:p>
+            <a:r>
+              <a:rPr lang="en-GB" sz="2400" b="1" dirty="0">
+                <a:solidFill>
+                  <a:schemeClr val="bg1"/>
+                </a:solidFill>
+              </a:rPr>
+              <a:t>6/6</a:t>
             </a:r>
           </a:p>
         </p:txBody>
@@ -4376,7 +4362,7 @@
     </p:spTree>
     <p:extLst>
       <p:ext uri="{BB962C8B-B14F-4D97-AF65-F5344CB8AC3E}">
-        <p14:creationId xmlns:p14="http://schemas.microsoft.com/office/powerpoint/2010/main" val="2533024977"/>
+        <p14:creationId xmlns:p14="http://schemas.microsoft.com/office/powerpoint/2010/main" val="2818619805"/>
       </p:ext>
     </p:extLst>
   </p:cSld>
@@ -4425,109 +4411,80 @@
           </a:bodyPr>
           <a:lstStyle/>
           <a:p>
-            <a:r>
-              <a:rPr lang="en-GB" sz="4900" dirty="0">
-                <a:solidFill>
-                  <a:schemeClr val="bg1"/>
-                </a:solidFill>
-              </a:rPr>
-              <a:t>Nothing can separate</a:t>
-            </a:r>
-          </a:p>
-          <a:p>
-            <a:r>
-              <a:rPr lang="en-GB" sz="4900" dirty="0">
-                <a:solidFill>
-                  <a:schemeClr val="bg1"/>
-                </a:solidFill>
-              </a:rPr>
-              <a:t>Even if I ran away</a:t>
-            </a:r>
-          </a:p>
-          <a:p>
-            <a:r>
-              <a:rPr lang="en-GB" sz="4900" dirty="0">
-                <a:solidFill>
-                  <a:schemeClr val="bg1"/>
-                </a:solidFill>
-              </a:rPr>
-              <a:t>Your love never fails</a:t>
-            </a:r>
-          </a:p>
-          <a:p>
-            <a:r>
-              <a:rPr lang="en-GB" sz="4900" dirty="0">
-                <a:solidFill>
-                  <a:schemeClr val="bg1"/>
-                </a:solidFill>
-              </a:rPr>
-              <a:t>I know I still make mistakes but</a:t>
-            </a:r>
-          </a:p>
-          <a:p>
-            <a:r>
-              <a:rPr lang="en-GB" sz="4900" dirty="0">
-                <a:solidFill>
-                  <a:schemeClr val="bg1"/>
-                </a:solidFill>
-              </a:rPr>
-              <a:t>You have new mercies for me </a:t>
-            </a:r>
-            <a:r>
-              <a:rPr lang="en-GB" sz="4900" dirty="0" err="1">
-                <a:solidFill>
-                  <a:schemeClr val="bg1"/>
-                </a:solidFill>
-              </a:rPr>
-              <a:t>ev'ryday</a:t>
-            </a:r>
-            <a:endParaRPr lang="en-GB" sz="4900" dirty="0">
-              <a:solidFill>
-                <a:schemeClr val="bg1"/>
-              </a:solidFill>
-            </a:endParaRPr>
-          </a:p>
-          <a:p>
-            <a:r>
-              <a:rPr lang="en-GB" sz="4900" dirty="0">
-                <a:solidFill>
-                  <a:schemeClr val="bg1"/>
-                </a:solidFill>
-              </a:rPr>
-              <a:t>Your love never fails</a:t>
-            </a:r>
-          </a:p>
-        </p:txBody>
-      </p:sp>
-      <p:sp>
-        <p:nvSpPr>
-          <p:cNvPr id="4" name="TextBox 3"/>
-          <p:cNvSpPr txBox="1"/>
-          <p:nvPr/>
-        </p:nvSpPr>
-        <p:spPr>
-          <a:xfrm>
-            <a:off x="8529729" y="0"/>
-            <a:ext cx="628698" cy="461665"/>
-          </a:xfrm>
-          <a:prstGeom prst="rect">
-            <a:avLst/>
-          </a:prstGeom>
-          <a:noFill/>
-        </p:spPr>
-        <p:txBody>
-          <a:bodyPr wrap="none" rtlCol="0">
-            <a:spAutoFit/>
-          </a:bodyPr>
-          <a:lstStyle/>
-          <a:p>
-            <a:r>
-              <a:rPr lang="en-GB" sz="2400" b="1" dirty="0">
-                <a:solidFill>
-                  <a:schemeClr val="bg1"/>
-                </a:solidFill>
-              </a:rPr>
-              <a:t>1/4</a:t>
+            <a:endParaRPr lang="en-GB" sz="9600" dirty="0"/>
+          </a:p>
+          <a:p>
+            <a:r>
+              <a:rPr lang="en-GB" sz="9600" dirty="0">
+                <a:solidFill>
+                  <a:schemeClr val="bg1"/>
+                </a:solidFill>
+              </a:rPr>
+              <a:t>Your Love Never Fails</a:t>
+            </a:r>
+          </a:p>
+          <a:p>
+            <a:r>
+              <a:rPr lang="en-GB" sz="1200" dirty="0"/>
+              <a:t>CCLI Song # 5337172</a:t>
+            </a:r>
+          </a:p>
+          <a:p>
+            <a:endParaRPr lang="en-GB" sz="1200" dirty="0"/>
+          </a:p>
+          <a:p>
+            <a:r>
+              <a:rPr lang="en-GB" sz="1200" dirty="0"/>
+              <a:t>Anthony Skinner | Chris </a:t>
+            </a:r>
+            <a:r>
+              <a:rPr lang="en-GB" sz="1200" dirty="0" err="1"/>
+              <a:t>McClarney</a:t>
+            </a:r>
+            <a:endParaRPr lang="en-GB" sz="1200" dirty="0"/>
+          </a:p>
+          <a:p>
+            <a:endParaRPr lang="en-GB" sz="1200" dirty="0"/>
+          </a:p>
+          <a:p>
+            <a:r>
+              <a:rPr lang="en-GB" sz="1200" dirty="0"/>
+              <a:t>© 2008 Integrity's Alleluia! Music (Admin. by Integrity Music Ltd)</a:t>
+            </a:r>
+          </a:p>
+          <a:p>
+            <a:r>
+              <a:rPr lang="en-GB" sz="1200" dirty="0"/>
+              <a:t>Out Of The Cave Music (Admin. by Integrity Music Ltd)</a:t>
+            </a:r>
+          </a:p>
+          <a:p>
+            <a:r>
+              <a:rPr lang="en-GB" sz="1200" dirty="0"/>
+              <a:t>Thankyou Music (Admin. by Integrity Music Ltd)</a:t>
+            </a:r>
+          </a:p>
+          <a:p>
+            <a:r>
+              <a:rPr lang="en-GB" sz="1200" dirty="0"/>
+              <a:t>For use solely with the </a:t>
+            </a:r>
+            <a:r>
+              <a:rPr lang="en-GB" sz="1200" dirty="0" err="1"/>
+              <a:t>SongSelect</a:t>
+            </a:r>
+            <a:r>
+              <a:rPr lang="en-GB" sz="1200" dirty="0"/>
+              <a:t>® Terms of Use. All rights reserved. www.ccli.com</a:t>
+            </a:r>
+          </a:p>
+          <a:p>
+            <a:endParaRPr lang="en-GB" sz="1200" dirty="0"/>
+          </a:p>
+          <a:p>
+            <a:r>
+              <a:rPr lang="en-GB" sz="1200" dirty="0"/>
+              <a:t>CCLI Licence No. 33265</a:t>
             </a:r>
           </a:p>
         </p:txBody>
@@ -4535,7 +4492,7 @@
     </p:spTree>
     <p:extLst>
       <p:ext uri="{BB962C8B-B14F-4D97-AF65-F5344CB8AC3E}">
-        <p14:creationId xmlns:p14="http://schemas.microsoft.com/office/powerpoint/2010/main" val="1913697752"/>
+        <p14:creationId xmlns:p14="http://schemas.microsoft.com/office/powerpoint/2010/main" val="2533024977"/>
       </p:ext>
     </p:extLst>
   </p:cSld>
@@ -4585,82 +4542,75 @@
           <a:lstStyle/>
           <a:p>
             <a:r>
-              <a:rPr lang="en-GB" sz="4400" dirty="0">
-                <a:solidFill>
-                  <a:schemeClr val="bg1"/>
-                </a:solidFill>
-              </a:rPr>
-              <a:t>You stay the same through the ages</a:t>
-            </a:r>
-          </a:p>
-          <a:p>
-            <a:r>
-              <a:rPr lang="en-GB" sz="4400" dirty="0">
-                <a:solidFill>
-                  <a:schemeClr val="bg1"/>
-                </a:solidFill>
-              </a:rPr>
-              <a:t>Your love never changes</a:t>
-            </a:r>
-          </a:p>
-          <a:p>
-            <a:r>
-              <a:rPr lang="en-GB" sz="4400" dirty="0">
-                <a:solidFill>
-                  <a:schemeClr val="bg1"/>
-                </a:solidFill>
-              </a:rPr>
-              <a:t>There may be pain in the night</a:t>
-            </a:r>
-          </a:p>
-          <a:p>
-            <a:r>
-              <a:rPr lang="en-GB" sz="4400" dirty="0">
-                <a:solidFill>
-                  <a:schemeClr val="bg1"/>
-                </a:solidFill>
-              </a:rPr>
-              <a:t>But joy comes in the morning</a:t>
-            </a:r>
-          </a:p>
-          <a:p>
-            <a:r>
-              <a:rPr lang="en-GB" sz="4400" dirty="0">
-                <a:solidFill>
-                  <a:schemeClr val="bg1"/>
-                </a:solidFill>
-              </a:rPr>
-              <a:t>And when the oceans rage</a:t>
-            </a:r>
-          </a:p>
-          <a:p>
-            <a:r>
-              <a:rPr lang="en-GB" sz="4400" dirty="0">
-                <a:solidFill>
-                  <a:schemeClr val="bg1"/>
-                </a:solidFill>
-              </a:rPr>
-              <a:t>I don't have to be afraid</a:t>
-            </a:r>
-          </a:p>
-          <a:p>
-            <a:r>
-              <a:rPr lang="en-GB" sz="4400" dirty="0">
-                <a:solidFill>
-                  <a:schemeClr val="bg1"/>
-                </a:solidFill>
-              </a:rPr>
-              <a:t>Because I know that You love me</a:t>
-            </a:r>
-          </a:p>
-          <a:p>
-            <a:r>
-              <a:rPr lang="en-GB" sz="4400" dirty="0">
-                <a:solidFill>
-                  <a:schemeClr val="bg1"/>
-                </a:solidFill>
-              </a:rPr>
-              <a:t>(Your love never fails)</a:t>
+              <a:rPr lang="en-GB" sz="4900" dirty="0">
+                <a:solidFill>
+                  <a:schemeClr val="bg1"/>
+                </a:solidFill>
+              </a:rPr>
+              <a:t>Nothing can separate</a:t>
+            </a:r>
+          </a:p>
+          <a:p>
+            <a:r>
+              <a:rPr lang="en-GB" sz="4900" dirty="0">
+                <a:solidFill>
+                  <a:schemeClr val="bg1"/>
+                </a:solidFill>
+              </a:rPr>
+              <a:t>Even if I ran away</a:t>
+            </a:r>
+          </a:p>
+          <a:p>
+            <a:r>
+              <a:rPr lang="en-GB" sz="4900" dirty="0">
+                <a:solidFill>
+                  <a:schemeClr val="bg1"/>
+                </a:solidFill>
+              </a:rPr>
+              <a:t>Your love never fails</a:t>
+            </a:r>
+          </a:p>
+          <a:p>
+            <a:r>
+              <a:rPr lang="en-GB" sz="4900" dirty="0">
+                <a:solidFill>
+                  <a:schemeClr val="bg1"/>
+                </a:solidFill>
+              </a:rPr>
+              <a:t>I know I still make mistakes but</a:t>
+            </a:r>
+          </a:p>
+          <a:p>
+            <a:r>
+              <a:rPr lang="en-GB" sz="4900" dirty="0">
+                <a:solidFill>
+                  <a:schemeClr val="bg1"/>
+                </a:solidFill>
+              </a:rPr>
+              <a:t>You have new mercies for me </a:t>
+            </a:r>
+            <a:r>
+              <a:rPr lang="en-GB" sz="4900" dirty="0" err="1">
+                <a:solidFill>
+                  <a:schemeClr val="bg1"/>
+                </a:solidFill>
+              </a:rPr>
+              <a:t>ev'ryday</a:t>
+            </a:r>
+            <a:endParaRPr lang="en-GB" sz="4900" dirty="0">
+              <a:solidFill>
+                <a:schemeClr val="bg1"/>
+              </a:solidFill>
+            </a:endParaRPr>
+          </a:p>
+          <a:p>
+            <a:r>
+              <a:rPr lang="en-GB" sz="4900" dirty="0">
+                <a:solidFill>
+                  <a:schemeClr val="bg1"/>
+                </a:solidFill>
+              </a:rPr>
+              <a:t>Your love never fails</a:t>
             </a:r>
           </a:p>
         </p:txBody>
@@ -4693,7 +4643,7 @@
                   <a:schemeClr val="bg1"/>
                 </a:solidFill>
               </a:rPr>
-              <a:t>2/4</a:t>
+              <a:t>1/4</a:t>
             </a:r>
           </a:p>
         </p:txBody>
@@ -4701,7 +4651,7 @@
     </p:spTree>
     <p:extLst>
       <p:ext uri="{BB962C8B-B14F-4D97-AF65-F5344CB8AC3E}">
-        <p14:creationId xmlns:p14="http://schemas.microsoft.com/office/powerpoint/2010/main" val="384510526"/>
+        <p14:creationId xmlns:p14="http://schemas.microsoft.com/office/powerpoint/2010/main" val="1913697752"/>
       </p:ext>
     </p:extLst>
   </p:cSld>
@@ -4825,8 +4775,8 @@
         </p:nvSpPr>
         <p:spPr>
           <a:xfrm>
-            <a:off x="323528" y="116632"/>
-            <a:ext cx="8640960" cy="6552728"/>
+            <a:off x="323528" y="188640"/>
+            <a:ext cx="8640960" cy="6480720"/>
           </a:xfrm>
         </p:spPr>
         <p:txBody>
@@ -4841,7 +4791,7 @@
                   <a:schemeClr val="bg1"/>
                 </a:solidFill>
               </a:rPr>
-              <a:t>The wind is strong and the water's deep</a:t>
+              <a:t>You stay the same through the ages</a:t>
             </a:r>
           </a:p>
           <a:p>
@@ -4851,7 +4801,7 @@
                   <a:schemeClr val="bg1"/>
                 </a:solidFill>
               </a:rPr>
-              <a:t>But I'm not alone here in these open seas</a:t>
+              <a:t>Your love never changes</a:t>
             </a:r>
           </a:p>
           <a:p>
@@ -4861,7 +4811,7 @@
                   <a:schemeClr val="bg1"/>
                 </a:solidFill>
               </a:rPr>
-              <a:t>Your love never fails</a:t>
+              <a:t>There may be pain in the night</a:t>
             </a:r>
           </a:p>
           <a:p>
@@ -4871,7 +4821,7 @@
                   <a:schemeClr val="bg1"/>
                 </a:solidFill>
               </a:rPr>
-              <a:t>The chasm is far too wide</a:t>
+              <a:t>But joy comes in the morning</a:t>
             </a:r>
           </a:p>
           <a:p>
@@ -4881,7 +4831,7 @@
                   <a:schemeClr val="bg1"/>
                 </a:solidFill>
               </a:rPr>
-              <a:t>I never thought I'd reach the other side</a:t>
+              <a:t>And when the oceans rage</a:t>
             </a:r>
           </a:p>
           <a:p>
@@ -4891,7 +4841,27 @@
                   <a:schemeClr val="bg1"/>
                 </a:solidFill>
               </a:rPr>
-              <a:t>Your love never fails</a:t>
+              <a:t>I don't have to be afraid</a:t>
+            </a:r>
+          </a:p>
+          <a:p>
+            <a:r>
+              <a:rPr lang="en-GB" sz="4400" dirty="0">
+                <a:solidFill>
+                  <a:schemeClr val="bg1"/>
+                </a:solidFill>
+              </a:rPr>
+              <a:t>Because I know that You love me</a:t>
+            </a:r>
+          </a:p>
+          <a:p>
+            <a:r>
+              <a:rPr lang="en-GB" sz="4400" dirty="0">
+                <a:solidFill>
+                  <a:schemeClr val="bg1"/>
+                </a:solidFill>
+              </a:rPr>
+              <a:t>(Your love never fails)</a:t>
             </a:r>
           </a:p>
         </p:txBody>
@@ -4924,7 +4894,7 @@
                   <a:schemeClr val="bg1"/>
                 </a:solidFill>
               </a:rPr>
-              <a:t>3/4</a:t>
+              <a:t>2/4</a:t>
             </a:r>
           </a:p>
         </p:txBody>
@@ -4932,7 +4902,7 @@
     </p:spTree>
     <p:extLst>
       <p:ext uri="{BB962C8B-B14F-4D97-AF65-F5344CB8AC3E}">
-        <p14:creationId xmlns:p14="http://schemas.microsoft.com/office/powerpoint/2010/main" val="2153540039"/>
+        <p14:creationId xmlns:p14="http://schemas.microsoft.com/office/powerpoint/2010/main" val="384510526"/>
       </p:ext>
     </p:extLst>
   </p:cSld>
@@ -4987,7 +4957,7 @@
                   <a:schemeClr val="bg1"/>
                 </a:solidFill>
               </a:rPr>
-              <a:t>You make all things</a:t>
+              <a:t>The wind is strong and the water's deep</a:t>
             </a:r>
           </a:p>
           <a:p>
@@ -4997,7 +4967,7 @@
                   <a:schemeClr val="bg1"/>
                 </a:solidFill>
               </a:rPr>
-              <a:t>Work together for my good</a:t>
+              <a:t>But I'm not alone here in these open seas</a:t>
             </a:r>
           </a:p>
           <a:p>
@@ -5007,7 +4977,7 @@
                   <a:schemeClr val="bg1"/>
                 </a:solidFill>
               </a:rPr>
-              <a:t>You make all things</a:t>
+              <a:t>Your love never fails</a:t>
             </a:r>
           </a:p>
           <a:p>
@@ -5017,7 +4987,27 @@
                   <a:schemeClr val="bg1"/>
                 </a:solidFill>
               </a:rPr>
-              <a:t>Work together for my good</a:t>
+              <a:t>The chasm is far too wide</a:t>
+            </a:r>
+          </a:p>
+          <a:p>
+            <a:r>
+              <a:rPr lang="en-GB" sz="4400" dirty="0">
+                <a:solidFill>
+                  <a:schemeClr val="bg1"/>
+                </a:solidFill>
+              </a:rPr>
+              <a:t>I never thought I'd reach the other side</a:t>
+            </a:r>
+          </a:p>
+          <a:p>
+            <a:r>
+              <a:rPr lang="en-GB" sz="4400" dirty="0">
+                <a:solidFill>
+                  <a:schemeClr val="bg1"/>
+                </a:solidFill>
+              </a:rPr>
+              <a:t>Your love never fails</a:t>
             </a:r>
           </a:p>
         </p:txBody>
@@ -5050,7 +5040,7 @@
                   <a:schemeClr val="bg1"/>
                 </a:solidFill>
               </a:rPr>
-              <a:t>4/4</a:t>
+              <a:t>3/4</a:t>
             </a:r>
           </a:p>
         </p:txBody>
@@ -5058,7 +5048,7 @@
     </p:spTree>
     <p:extLst>
       <p:ext uri="{BB962C8B-B14F-4D97-AF65-F5344CB8AC3E}">
-        <p14:creationId xmlns:p14="http://schemas.microsoft.com/office/powerpoint/2010/main" val="3165966296"/>
+        <p14:creationId xmlns:p14="http://schemas.microsoft.com/office/powerpoint/2010/main" val="2153540039"/>
       </p:ext>
     </p:extLst>
   </p:cSld>
@@ -5097,8 +5087,8 @@
         </p:nvSpPr>
         <p:spPr>
           <a:xfrm>
-            <a:off x="323528" y="188640"/>
-            <a:ext cx="8640960" cy="6480720"/>
+            <a:off x="323528" y="116632"/>
+            <a:ext cx="8640960" cy="6552728"/>
           </a:xfrm>
         </p:spPr>
         <p:txBody>
@@ -5107,117 +5097,76 @@
           </a:bodyPr>
           <a:lstStyle/>
           <a:p>
-            <a:endParaRPr lang="en-GB" sz="6600" dirty="0">
-              <a:solidFill>
-                <a:srgbClr val="00A3E0"/>
-              </a:solidFill>
-              <a:latin typeface="akagi_probook"/>
-            </a:endParaRPr>
-          </a:p>
-          <a:p>
-            <a:r>
-              <a:rPr lang="en-GB" sz="6600" dirty="0">
-                <a:solidFill>
-                  <a:srgbClr val="00A3E0"/>
-                </a:solidFill>
-                <a:latin typeface="akagi_probook"/>
-              </a:rPr>
-              <a:t>Worthy</a:t>
-            </a:r>
-          </a:p>
-          <a:p>
-            <a:endParaRPr lang="en-GB" sz="6600" dirty="0">
-              <a:solidFill>
-                <a:srgbClr val="00A3E0"/>
-              </a:solidFill>
-              <a:latin typeface="akagi_probook"/>
-            </a:endParaRPr>
-          </a:p>
-          <a:p>
-            <a:r>
-              <a:rPr lang="en-GB" sz="1200" dirty="0">
-                <a:solidFill>
-                  <a:schemeClr val="bg1"/>
-                </a:solidFill>
-              </a:rPr>
-              <a:t>CCLI Song # 7111931</a:t>
-            </a:r>
-          </a:p>
-          <a:p>
-            <a:endParaRPr lang="en-GB" sz="1200" dirty="0">
-              <a:solidFill>
-                <a:schemeClr val="bg1"/>
-              </a:solidFill>
-            </a:endParaRPr>
-          </a:p>
-          <a:p>
-            <a:r>
-              <a:rPr lang="en-GB" sz="1200" dirty="0">
-                <a:solidFill>
-                  <a:schemeClr val="bg1"/>
-                </a:solidFill>
-              </a:rPr>
-              <a:t>Chris Brown | Mack Brock | Steven Furtick</a:t>
-            </a:r>
-          </a:p>
-          <a:p>
-            <a:endParaRPr lang="en-GB" sz="1200" dirty="0">
-              <a:solidFill>
-                <a:schemeClr val="bg1"/>
-              </a:solidFill>
-            </a:endParaRPr>
-          </a:p>
-          <a:p>
-            <a:r>
-              <a:rPr lang="en-GB" sz="1200" dirty="0">
-                <a:solidFill>
-                  <a:schemeClr val="bg1"/>
-                </a:solidFill>
-              </a:rPr>
-              <a:t>© Music by Elevation Worship Publishing (Admin. by Essential Music Publishing LLC)</a:t>
-            </a:r>
-          </a:p>
-          <a:p>
-            <a:r>
-              <a:rPr lang="en-GB" sz="1200" dirty="0">
-                <a:solidFill>
-                  <a:schemeClr val="bg1"/>
-                </a:solidFill>
-              </a:rPr>
-              <a:t>For use solely with the </a:t>
-            </a:r>
-            <a:r>
-              <a:rPr lang="en-GB" sz="1200" dirty="0" err="1">
-                <a:solidFill>
-                  <a:schemeClr val="bg1"/>
-                </a:solidFill>
-              </a:rPr>
-              <a:t>SongSelect</a:t>
-            </a:r>
-            <a:r>
-              <a:rPr lang="en-GB" sz="1200" dirty="0">
-                <a:solidFill>
-                  <a:schemeClr val="bg1"/>
-                </a:solidFill>
-              </a:rPr>
-              <a:t>® Terms of Use. All rights reserved. www.ccli.com</a:t>
-            </a:r>
-          </a:p>
-          <a:p>
-            <a:endParaRPr lang="en-GB" sz="1200" dirty="0">
-              <a:solidFill>
-                <a:schemeClr val="bg1"/>
-              </a:solidFill>
-            </a:endParaRPr>
-          </a:p>
-          <a:p>
-            <a:r>
-              <a:rPr lang="en-GB" sz="1200" dirty="0">
-                <a:solidFill>
-                  <a:schemeClr val="bg1"/>
-                </a:solidFill>
-              </a:rPr>
-              <a:t>CCLI Licence No. 33265</a:t>
+            <a:r>
+              <a:rPr lang="en-GB" sz="4400" dirty="0">
+                <a:solidFill>
+                  <a:schemeClr val="bg1"/>
+                </a:solidFill>
+              </a:rPr>
+              <a:t>You make all things</a:t>
+            </a:r>
+          </a:p>
+          <a:p>
+            <a:r>
+              <a:rPr lang="en-GB" sz="4400" dirty="0">
+                <a:solidFill>
+                  <a:schemeClr val="bg1"/>
+                </a:solidFill>
+              </a:rPr>
+              <a:t>Work together for my good</a:t>
+            </a:r>
+          </a:p>
+          <a:p>
+            <a:r>
+              <a:rPr lang="en-GB" sz="4400" dirty="0">
+                <a:solidFill>
+                  <a:schemeClr val="bg1"/>
+                </a:solidFill>
+              </a:rPr>
+              <a:t>You make all things</a:t>
+            </a:r>
+          </a:p>
+          <a:p>
+            <a:r>
+              <a:rPr lang="en-GB" sz="4400" dirty="0">
+                <a:solidFill>
+                  <a:schemeClr val="bg1"/>
+                </a:solidFill>
+              </a:rPr>
+              <a:t>Work together for my good</a:t>
+            </a:r>
+          </a:p>
+        </p:txBody>
+      </p:sp>
+      <p:sp>
+        <p:nvSpPr>
+          <p:cNvPr id="4" name="TextBox 3"/>
+          <p:cNvSpPr txBox="1"/>
+          <p:nvPr/>
+        </p:nvSpPr>
+        <p:spPr>
+          <a:xfrm>
+            <a:off x="8529729" y="0"/>
+            <a:ext cx="628698" cy="461665"/>
+          </a:xfrm>
+          <a:prstGeom prst="rect">
+            <a:avLst/>
+          </a:prstGeom>
+          <a:noFill/>
+        </p:spPr>
+        <p:txBody>
+          <a:bodyPr wrap="none" rtlCol="0">
+            <a:spAutoFit/>
+          </a:bodyPr>
+          <a:lstStyle/>
+          <a:p>
+            <a:r>
+              <a:rPr lang="en-GB" sz="2400" b="1" dirty="0">
+                <a:solidFill>
+                  <a:schemeClr val="bg1"/>
+                </a:solidFill>
+              </a:rPr>
+              <a:t>4/4</a:t>
             </a:r>
           </a:p>
         </p:txBody>
@@ -5225,7 +5174,7 @@
     </p:spTree>
     <p:extLst>
       <p:ext uri="{BB962C8B-B14F-4D97-AF65-F5344CB8AC3E}">
-        <p14:creationId xmlns:p14="http://schemas.microsoft.com/office/powerpoint/2010/main" val="3421161000"/>
+        <p14:creationId xmlns:p14="http://schemas.microsoft.com/office/powerpoint/2010/main" val="3165966296"/>
       </p:ext>
     </p:extLst>
   </p:cSld>
@@ -5274,76 +5223,117 @@
           </a:bodyPr>
           <a:lstStyle/>
           <a:p>
-            <a:r>
-              <a:rPr lang="en-GB" sz="5400" dirty="0">
-                <a:solidFill>
-                  <a:schemeClr val="bg1"/>
-                </a:solidFill>
-              </a:rPr>
-              <a:t>It was my cross You bore</a:t>
-            </a:r>
-          </a:p>
-          <a:p>
-            <a:r>
-              <a:rPr lang="en-GB" sz="5400" dirty="0">
-                <a:solidFill>
-                  <a:schemeClr val="bg1"/>
-                </a:solidFill>
-              </a:rPr>
-              <a:t>So I could live in the freedom You died for</a:t>
-            </a:r>
-          </a:p>
-          <a:p>
-            <a:r>
-              <a:rPr lang="en-GB" sz="5400" dirty="0">
-                <a:solidFill>
-                  <a:schemeClr val="bg1"/>
-                </a:solidFill>
-              </a:rPr>
-              <a:t>And now my life is Yours</a:t>
-            </a:r>
-          </a:p>
-          <a:p>
-            <a:r>
-              <a:rPr lang="en-GB" sz="5400" dirty="0">
-                <a:solidFill>
-                  <a:schemeClr val="bg1"/>
-                </a:solidFill>
-              </a:rPr>
-              <a:t>And I will sing of Your goodness forevermore</a:t>
-            </a:r>
-          </a:p>
-        </p:txBody>
-      </p:sp>
-      <p:sp>
-        <p:nvSpPr>
-          <p:cNvPr id="4" name="TextBox 3"/>
-          <p:cNvSpPr txBox="1"/>
-          <p:nvPr/>
-        </p:nvSpPr>
-        <p:spPr>
-          <a:xfrm>
-            <a:off x="8529729" y="0"/>
-            <a:ext cx="628698" cy="461665"/>
-          </a:xfrm>
-          <a:prstGeom prst="rect">
-            <a:avLst/>
-          </a:prstGeom>
-          <a:noFill/>
-        </p:spPr>
-        <p:txBody>
-          <a:bodyPr wrap="none" rtlCol="0">
-            <a:spAutoFit/>
-          </a:bodyPr>
-          <a:lstStyle/>
-          <a:p>
-            <a:r>
-              <a:rPr lang="en-GB" sz="2400" b="1" dirty="0">
-                <a:solidFill>
-                  <a:schemeClr val="bg1"/>
-                </a:solidFill>
-              </a:rPr>
-              <a:t>1/4</a:t>
+            <a:endParaRPr lang="en-GB" sz="6600" dirty="0">
+              <a:solidFill>
+                <a:srgbClr val="00A3E0"/>
+              </a:solidFill>
+              <a:latin typeface="akagi_probook"/>
+            </a:endParaRPr>
+          </a:p>
+          <a:p>
+            <a:r>
+              <a:rPr lang="en-GB" sz="6600" dirty="0">
+                <a:solidFill>
+                  <a:srgbClr val="00A3E0"/>
+                </a:solidFill>
+                <a:latin typeface="akagi_probook"/>
+              </a:rPr>
+              <a:t>Worthy</a:t>
+            </a:r>
+          </a:p>
+          <a:p>
+            <a:endParaRPr lang="en-GB" sz="6600" dirty="0">
+              <a:solidFill>
+                <a:srgbClr val="00A3E0"/>
+              </a:solidFill>
+              <a:latin typeface="akagi_probook"/>
+            </a:endParaRPr>
+          </a:p>
+          <a:p>
+            <a:r>
+              <a:rPr lang="en-GB" sz="1200" dirty="0">
+                <a:solidFill>
+                  <a:schemeClr val="bg1"/>
+                </a:solidFill>
+              </a:rPr>
+              <a:t>CCLI Song # 7111931</a:t>
+            </a:r>
+          </a:p>
+          <a:p>
+            <a:endParaRPr lang="en-GB" sz="1200" dirty="0">
+              <a:solidFill>
+                <a:schemeClr val="bg1"/>
+              </a:solidFill>
+            </a:endParaRPr>
+          </a:p>
+          <a:p>
+            <a:r>
+              <a:rPr lang="en-GB" sz="1200" dirty="0">
+                <a:solidFill>
+                  <a:schemeClr val="bg1"/>
+                </a:solidFill>
+              </a:rPr>
+              <a:t>Chris Brown | Mack Brock | Steven Furtick</a:t>
+            </a:r>
+          </a:p>
+          <a:p>
+            <a:endParaRPr lang="en-GB" sz="1200" dirty="0">
+              <a:solidFill>
+                <a:schemeClr val="bg1"/>
+              </a:solidFill>
+            </a:endParaRPr>
+          </a:p>
+          <a:p>
+            <a:r>
+              <a:rPr lang="en-GB" sz="1200" dirty="0">
+                <a:solidFill>
+                  <a:schemeClr val="bg1"/>
+                </a:solidFill>
+              </a:rPr>
+              <a:t>© Music by Elevation Worship Publishing (Admin. by Essential Music Publishing LLC)</a:t>
+            </a:r>
+          </a:p>
+          <a:p>
+            <a:r>
+              <a:rPr lang="en-GB" sz="1200" dirty="0">
+                <a:solidFill>
+                  <a:schemeClr val="bg1"/>
+                </a:solidFill>
+              </a:rPr>
+              <a:t>For use solely with the </a:t>
+            </a:r>
+            <a:r>
+              <a:rPr lang="en-GB" sz="1200" dirty="0" err="1">
+                <a:solidFill>
+                  <a:schemeClr val="bg1"/>
+                </a:solidFill>
+              </a:rPr>
+              <a:t>SongSelect</a:t>
+            </a:r>
+            <a:r>
+              <a:rPr lang="en-GB" sz="1200" dirty="0">
+                <a:solidFill>
+                  <a:schemeClr val="bg1"/>
+                </a:solidFill>
+              </a:rPr>
+              <a:t>® Terms of Use. All rights reserved. www.ccli.com</a:t>
+            </a:r>
+          </a:p>
+          <a:p>
+            <a:endParaRPr lang="en-GB" sz="1200" dirty="0">
+              <a:solidFill>
+                <a:schemeClr val="bg1"/>
+              </a:solidFill>
+            </a:endParaRPr>
+          </a:p>
+          <a:p>
+            <a:r>
+              <a:rPr lang="en-GB" sz="1200" dirty="0">
+                <a:solidFill>
+                  <a:schemeClr val="bg1"/>
+                </a:solidFill>
+              </a:rPr>
+              <a:t>CCLI Licence No. 33265</a:t>
             </a:r>
           </a:p>
         </p:txBody>
@@ -5351,7 +5341,7 @@
     </p:spTree>
     <p:extLst>
       <p:ext uri="{BB962C8B-B14F-4D97-AF65-F5344CB8AC3E}">
-        <p14:creationId xmlns:p14="http://schemas.microsoft.com/office/powerpoint/2010/main" val="3348290221"/>
+        <p14:creationId xmlns:p14="http://schemas.microsoft.com/office/powerpoint/2010/main" val="3421161000"/>
       </p:ext>
     </p:extLst>
   </p:cSld>
@@ -5406,7 +5396,7 @@
                   <a:schemeClr val="bg1"/>
                 </a:solidFill>
               </a:rPr>
-              <a:t>Worthy is Your name, Jesus</a:t>
+              <a:t>It was my cross You bore</a:t>
             </a:r>
           </a:p>
           <a:p>
@@ -5416,7 +5406,7 @@
                   <a:schemeClr val="bg1"/>
                 </a:solidFill>
               </a:rPr>
-              <a:t>You deserve the praise </a:t>
+              <a:t>So I could live in the freedom You died for</a:t>
             </a:r>
           </a:p>
           <a:p>
@@ -5426,7 +5416,7 @@
                   <a:schemeClr val="bg1"/>
                 </a:solidFill>
               </a:rPr>
-              <a:t>Worthy is Your name</a:t>
+              <a:t>And now my life is Yours</a:t>
             </a:r>
           </a:p>
           <a:p>
@@ -5436,27 +5426,7 @@
                   <a:schemeClr val="bg1"/>
                 </a:solidFill>
               </a:rPr>
-              <a:t>Worthy is Your name, Jesus</a:t>
-            </a:r>
-          </a:p>
-          <a:p>
-            <a:r>
-              <a:rPr lang="en-GB" sz="5400" dirty="0">
-                <a:solidFill>
-                  <a:schemeClr val="bg1"/>
-                </a:solidFill>
-              </a:rPr>
-              <a:t>You deserve the praise </a:t>
-            </a:r>
-          </a:p>
-          <a:p>
-            <a:r>
-              <a:rPr lang="en-GB" sz="5400" dirty="0">
-                <a:solidFill>
-                  <a:schemeClr val="bg1"/>
-                </a:solidFill>
-              </a:rPr>
-              <a:t>Worthy is Your name</a:t>
+              <a:t>And I will sing of Your goodness forevermore</a:t>
             </a:r>
           </a:p>
         </p:txBody>
@@ -5489,7 +5459,7 @@
                   <a:schemeClr val="bg1"/>
                 </a:solidFill>
               </a:rPr>
-              <a:t>2/4</a:t>
+              <a:t>1/4</a:t>
             </a:r>
           </a:p>
         </p:txBody>
@@ -5497,7 +5467,7 @@
     </p:spTree>
     <p:extLst>
       <p:ext uri="{BB962C8B-B14F-4D97-AF65-F5344CB8AC3E}">
-        <p14:creationId xmlns:p14="http://schemas.microsoft.com/office/powerpoint/2010/main" val="2544967348"/>
+        <p14:creationId xmlns:p14="http://schemas.microsoft.com/office/powerpoint/2010/main" val="3348290221"/>
       </p:ext>
     </p:extLst>
   </p:cSld>
@@ -5552,7 +5522,7 @@
                   <a:schemeClr val="bg1"/>
                 </a:solidFill>
               </a:rPr>
-              <a:t>And now my shame is gone</a:t>
+              <a:t>Worthy is Your name, Jesus</a:t>
             </a:r>
           </a:p>
           <a:p>
@@ -5562,7 +5532,7 @@
                   <a:schemeClr val="bg1"/>
                 </a:solidFill>
               </a:rPr>
-              <a:t>I stand amazed in Your love undeniable</a:t>
+              <a:t>You deserve the praise </a:t>
             </a:r>
           </a:p>
           <a:p>
@@ -5572,7 +5542,7 @@
                   <a:schemeClr val="bg1"/>
                 </a:solidFill>
               </a:rPr>
-              <a:t>Your grace goes on and on</a:t>
+              <a:t>Worthy is Your name</a:t>
             </a:r>
           </a:p>
           <a:p>
@@ -5582,7 +5552,27 @@
                   <a:schemeClr val="bg1"/>
                 </a:solidFill>
               </a:rPr>
-              <a:t>And I will sing of Your goodness forevermore</a:t>
+              <a:t>Worthy is Your name, Jesus</a:t>
+            </a:r>
+          </a:p>
+          <a:p>
+            <a:r>
+              <a:rPr lang="en-GB" sz="5400" dirty="0">
+                <a:solidFill>
+                  <a:schemeClr val="bg1"/>
+                </a:solidFill>
+              </a:rPr>
+              <a:t>You deserve the praise </a:t>
+            </a:r>
+          </a:p>
+          <a:p>
+            <a:r>
+              <a:rPr lang="en-GB" sz="5400" dirty="0">
+                <a:solidFill>
+                  <a:schemeClr val="bg1"/>
+                </a:solidFill>
+              </a:rPr>
+              <a:t>Worthy is Your name</a:t>
             </a:r>
           </a:p>
         </p:txBody>
@@ -5615,7 +5605,7 @@
                   <a:schemeClr val="bg1"/>
                 </a:solidFill>
               </a:rPr>
-              <a:t>3/4</a:t>
+              <a:t>2/4</a:t>
             </a:r>
           </a:p>
         </p:txBody>
@@ -5623,7 +5613,7 @@
     </p:spTree>
     <p:extLst>
       <p:ext uri="{BB962C8B-B14F-4D97-AF65-F5344CB8AC3E}">
-        <p14:creationId xmlns:p14="http://schemas.microsoft.com/office/powerpoint/2010/main" val="4115935787"/>
+        <p14:creationId xmlns:p14="http://schemas.microsoft.com/office/powerpoint/2010/main" val="2544967348"/>
       </p:ext>
     </p:extLst>
   </p:cSld>
@@ -5678,6 +5668,132 @@
                   <a:schemeClr val="bg1"/>
                 </a:solidFill>
               </a:rPr>
+              <a:t>And now my shame is gone</a:t>
+            </a:r>
+          </a:p>
+          <a:p>
+            <a:r>
+              <a:rPr lang="en-GB" sz="5400" dirty="0">
+                <a:solidFill>
+                  <a:schemeClr val="bg1"/>
+                </a:solidFill>
+              </a:rPr>
+              <a:t>I stand amazed in Your love undeniable</a:t>
+            </a:r>
+          </a:p>
+          <a:p>
+            <a:r>
+              <a:rPr lang="en-GB" sz="5400" dirty="0">
+                <a:solidFill>
+                  <a:schemeClr val="bg1"/>
+                </a:solidFill>
+              </a:rPr>
+              <a:t>Your grace goes on and on</a:t>
+            </a:r>
+          </a:p>
+          <a:p>
+            <a:r>
+              <a:rPr lang="en-GB" sz="5400" dirty="0">
+                <a:solidFill>
+                  <a:schemeClr val="bg1"/>
+                </a:solidFill>
+              </a:rPr>
+              <a:t>And I will sing of Your goodness forevermore</a:t>
+            </a:r>
+          </a:p>
+        </p:txBody>
+      </p:sp>
+      <p:sp>
+        <p:nvSpPr>
+          <p:cNvPr id="4" name="TextBox 3"/>
+          <p:cNvSpPr txBox="1"/>
+          <p:nvPr/>
+        </p:nvSpPr>
+        <p:spPr>
+          <a:xfrm>
+            <a:off x="8529729" y="0"/>
+            <a:ext cx="628698" cy="461665"/>
+          </a:xfrm>
+          <a:prstGeom prst="rect">
+            <a:avLst/>
+          </a:prstGeom>
+          <a:noFill/>
+        </p:spPr>
+        <p:txBody>
+          <a:bodyPr wrap="none" rtlCol="0">
+            <a:spAutoFit/>
+          </a:bodyPr>
+          <a:lstStyle/>
+          <a:p>
+            <a:r>
+              <a:rPr lang="en-GB" sz="2400" b="1" dirty="0">
+                <a:solidFill>
+                  <a:schemeClr val="bg1"/>
+                </a:solidFill>
+              </a:rPr>
+              <a:t>3/4</a:t>
+            </a:r>
+          </a:p>
+        </p:txBody>
+      </p:sp>
+    </p:spTree>
+    <p:extLst>
+      <p:ext uri="{BB962C8B-B14F-4D97-AF65-F5344CB8AC3E}">
+        <p14:creationId xmlns:p14="http://schemas.microsoft.com/office/powerpoint/2010/main" val="4115935787"/>
+      </p:ext>
+    </p:extLst>
+  </p:cSld>
+  <p:clrMapOvr>
+    <a:masterClrMapping/>
+  </p:clrMapOvr>
+</p:sld>
+</file>
+
+<file path=ppt/slides/slide27.xml><?xml version="1.0" encoding="utf-8"?>
+<p:sld xmlns:a="http://schemas.openxmlformats.org/drawingml/2006/main" xmlns:r="http://schemas.openxmlformats.org/officeDocument/2006/relationships" xmlns:p="http://schemas.openxmlformats.org/presentationml/2006/main">
+  <p:cSld>
+    <p:spTree>
+      <p:nvGrpSpPr>
+        <p:cNvPr id="1" name=""/>
+        <p:cNvGrpSpPr/>
+        <p:nvPr/>
+      </p:nvGrpSpPr>
+      <p:grpSpPr>
+        <a:xfrm>
+          <a:off x="0" y="0"/>
+          <a:ext cx="0" cy="0"/>
+          <a:chOff x="0" y="0"/>
+          <a:chExt cx="0" cy="0"/>
+        </a:xfrm>
+      </p:grpSpPr>
+      <p:sp>
+        <p:nvSpPr>
+          <p:cNvPr id="3" name="Subtitle 2"/>
+          <p:cNvSpPr>
+            <a:spLocks noGrp="1"/>
+          </p:cNvSpPr>
+          <p:nvPr>
+            <p:ph type="subTitle" idx="1"/>
+          </p:nvPr>
+        </p:nvSpPr>
+        <p:spPr>
+          <a:xfrm>
+            <a:off x="323528" y="188640"/>
+            <a:ext cx="8640960" cy="6480720"/>
+          </a:xfrm>
+        </p:spPr>
+        <p:txBody>
+          <a:bodyPr>
+            <a:noAutofit/>
+          </a:bodyPr>
+          <a:lstStyle/>
+          <a:p>
+            <a:r>
+              <a:rPr lang="en-GB" sz="5400" dirty="0">
+                <a:solidFill>
+                  <a:schemeClr val="bg1"/>
+                </a:solidFill>
+              </a:rPr>
               <a:t>Be exalted now in the heavens</a:t>
             </a:r>
           </a:p>
@@ -5759,7 +5875,7 @@
 </p:sld>
 </file>
 
-<file path=ppt/slides/slide27.xml><?xml version="1.0" encoding="utf-8"?>
+<file path=ppt/slides/slide28.xml><?xml version="1.0" encoding="utf-8"?>
 <p:sld xmlns:a="http://schemas.openxmlformats.org/drawingml/2006/main" xmlns:r="http://schemas.openxmlformats.org/officeDocument/2006/relationships" xmlns:p="http://schemas.openxmlformats.org/presentationml/2006/main">
   <p:cSld>
     <p:spTree>
@@ -5835,172 +5951,6 @@
 </p:sld>
 </file>
 
-<file path=ppt/slides/slide28.xml><?xml version="1.0" encoding="utf-8"?>
-<p:sld xmlns:a="http://schemas.openxmlformats.org/drawingml/2006/main" xmlns:r="http://schemas.openxmlformats.org/officeDocument/2006/relationships" xmlns:p="http://schemas.openxmlformats.org/presentationml/2006/main">
-  <p:cSld>
-    <p:spTree>
-      <p:nvGrpSpPr>
-        <p:cNvPr id="1" name=""/>
-        <p:cNvGrpSpPr/>
-        <p:nvPr/>
-      </p:nvGrpSpPr>
-      <p:grpSpPr>
-        <a:xfrm>
-          <a:off x="0" y="0"/>
-          <a:ext cx="0" cy="0"/>
-          <a:chOff x="0" y="0"/>
-          <a:chExt cx="0" cy="0"/>
-        </a:xfrm>
-      </p:grpSpPr>
-      <p:sp>
-        <p:nvSpPr>
-          <p:cNvPr id="3" name="Subtitle 2"/>
-          <p:cNvSpPr>
-            <a:spLocks noGrp="1"/>
-          </p:cNvSpPr>
-          <p:nvPr>
-            <p:ph type="subTitle" idx="1"/>
-          </p:nvPr>
-        </p:nvSpPr>
-        <p:spPr>
-          <a:xfrm>
-            <a:off x="323528" y="188640"/>
-            <a:ext cx="8640960" cy="6480720"/>
-          </a:xfrm>
-        </p:spPr>
-        <p:txBody>
-          <a:bodyPr>
-            <a:noAutofit/>
-          </a:bodyPr>
-          <a:lstStyle/>
-          <a:p>
-            <a:endParaRPr lang="en-GB" sz="6600" dirty="0">
-              <a:solidFill>
-                <a:srgbClr val="00A3E0"/>
-              </a:solidFill>
-              <a:latin typeface="akagi_probook"/>
-            </a:endParaRPr>
-          </a:p>
-          <a:p>
-            <a:r>
-              <a:rPr lang="en-GB" sz="6600" dirty="0">
-                <a:solidFill>
-                  <a:srgbClr val="00A3E0"/>
-                </a:solidFill>
-                <a:latin typeface="akagi_probook"/>
-              </a:rPr>
-              <a:t>Refiner</a:t>
-            </a:r>
-          </a:p>
-          <a:p>
-            <a:br>
-              <a:rPr lang="en-GB" sz="1200" dirty="0">
-                <a:solidFill>
-                  <a:schemeClr val="bg1"/>
-                </a:solidFill>
-              </a:rPr>
-            </a:br>
-            <a:r>
-              <a:rPr lang="en-GB" sz="1200" dirty="0">
-                <a:solidFill>
-                  <a:schemeClr val="bg1"/>
-                </a:solidFill>
-              </a:rPr>
-              <a:t>CCLI Song # 7142743</a:t>
-            </a:r>
-          </a:p>
-          <a:p>
-            <a:endParaRPr lang="en-GB" sz="1200" dirty="0">
-              <a:solidFill>
-                <a:schemeClr val="bg1"/>
-              </a:solidFill>
-            </a:endParaRPr>
-          </a:p>
-          <a:p>
-            <a:r>
-              <a:rPr lang="en-GB" sz="1200" dirty="0">
-                <a:solidFill>
-                  <a:schemeClr val="bg1"/>
-                </a:solidFill>
-              </a:rPr>
-              <a:t>Chandler Moore</a:t>
-            </a:r>
-          </a:p>
-          <a:p>
-            <a:endParaRPr lang="en-GB" sz="1200" dirty="0">
-              <a:solidFill>
-                <a:schemeClr val="bg1"/>
-              </a:solidFill>
-            </a:endParaRPr>
-          </a:p>
-          <a:p>
-            <a:r>
-              <a:rPr lang="en-GB" sz="1200" dirty="0">
-                <a:solidFill>
-                  <a:schemeClr val="bg1"/>
-                </a:solidFill>
-              </a:rPr>
-              <a:t>© Chandler Moore Designee (Admin. by Capitol CMG Publishing)</a:t>
-            </a:r>
-          </a:p>
-          <a:p>
-            <a:r>
-              <a:rPr lang="en-GB" sz="1200" dirty="0">
-                <a:solidFill>
-                  <a:schemeClr val="bg1"/>
-                </a:solidFill>
-              </a:rPr>
-              <a:t>For use solely with the </a:t>
-            </a:r>
-            <a:r>
-              <a:rPr lang="en-GB" sz="1200" dirty="0" err="1">
-                <a:solidFill>
-                  <a:schemeClr val="bg1"/>
-                </a:solidFill>
-              </a:rPr>
-              <a:t>SongSelect</a:t>
-            </a:r>
-            <a:r>
-              <a:rPr lang="en-GB" sz="1200" dirty="0">
-                <a:solidFill>
-                  <a:schemeClr val="bg1"/>
-                </a:solidFill>
-              </a:rPr>
-              <a:t>® Terms of Use. All rights reserved. www.ccli.com</a:t>
-            </a:r>
-          </a:p>
-          <a:p>
-            <a:endParaRPr lang="en-GB" sz="1200" dirty="0">
-              <a:solidFill>
-                <a:schemeClr val="bg1"/>
-              </a:solidFill>
-            </a:endParaRPr>
-          </a:p>
-          <a:p>
-            <a:r>
-              <a:rPr lang="en-GB" sz="1200" dirty="0">
-                <a:solidFill>
-                  <a:schemeClr val="bg1"/>
-                </a:solidFill>
-              </a:rPr>
-              <a:t>CCLI Licence No. 33265</a:t>
-            </a:r>
-          </a:p>
-        </p:txBody>
-      </p:sp>
-    </p:spTree>
-    <p:extLst>
-      <p:ext uri="{BB962C8B-B14F-4D97-AF65-F5344CB8AC3E}">
-        <p14:creationId xmlns:p14="http://schemas.microsoft.com/office/powerpoint/2010/main" val="3981282301"/>
-      </p:ext>
-    </p:extLst>
-  </p:cSld>
-  <p:clrMapOvr>
-    <a:masterClrMapping/>
-  </p:clrMapOvr>
-</p:sld>
-</file>
-
 <file path=ppt/slides/slide29.xml><?xml version="1.0" encoding="utf-8"?>
 <p:sld xmlns:a="http://schemas.openxmlformats.org/drawingml/2006/main" xmlns:r="http://schemas.openxmlformats.org/officeDocument/2006/relationships" xmlns:p="http://schemas.openxmlformats.org/presentationml/2006/main">
   <p:cSld>
@@ -6040,134 +5990,116 @@
           </a:bodyPr>
           <a:lstStyle/>
           <a:p>
-            <a:r>
-              <a:rPr lang="en-GB" sz="4400" dirty="0">
-                <a:solidFill>
-                  <a:schemeClr val="bg1"/>
-                </a:solidFill>
-              </a:rPr>
-              <a:t>If the altar's where You meet us</a:t>
-            </a:r>
-          </a:p>
-          <a:p>
-            <a:r>
-              <a:rPr lang="en-GB" sz="4400" dirty="0">
-                <a:solidFill>
-                  <a:schemeClr val="bg1"/>
-                </a:solidFill>
-              </a:rPr>
-              <a:t>Take me there take me there</a:t>
-            </a:r>
-          </a:p>
-          <a:p>
-            <a:r>
-              <a:rPr lang="en-GB" sz="4400" dirty="0">
-                <a:solidFill>
-                  <a:schemeClr val="bg1"/>
-                </a:solidFill>
-              </a:rPr>
-              <a:t>If what You need is just an offering</a:t>
-            </a:r>
-          </a:p>
-          <a:p>
-            <a:r>
-              <a:rPr lang="en-GB" sz="4400" dirty="0">
-                <a:solidFill>
-                  <a:schemeClr val="bg1"/>
-                </a:solidFill>
-              </a:rPr>
-              <a:t>It's right here my life is here</a:t>
-            </a:r>
-          </a:p>
-          <a:p>
-            <a:r>
-              <a:rPr lang="en-GB" sz="4400" dirty="0">
-                <a:solidFill>
-                  <a:schemeClr val="bg1"/>
-                </a:solidFill>
-              </a:rPr>
-              <a:t>And I'll be a living sacrifice for You</a:t>
-            </a:r>
+            <a:endParaRPr lang="en-GB" sz="6600" dirty="0">
+              <a:solidFill>
+                <a:srgbClr val="00A3E0"/>
+              </a:solidFill>
+              <a:latin typeface="akagi_probook"/>
+            </a:endParaRPr>
+          </a:p>
+          <a:p>
+            <a:r>
+              <a:rPr lang="en-GB" sz="6600" dirty="0">
+                <a:solidFill>
+                  <a:srgbClr val="00A3E0"/>
+                </a:solidFill>
+                <a:latin typeface="akagi_probook"/>
+              </a:rPr>
+              <a:t>Refiner</a:t>
+            </a:r>
+          </a:p>
+          <a:p>
             <a:br>
-              <a:rPr lang="en-GB" sz="4400" dirty="0">
+              <a:rPr lang="en-GB" sz="1200" dirty="0">
                 <a:solidFill>
                   <a:schemeClr val="bg1"/>
                 </a:solidFill>
               </a:rPr>
             </a:br>
-            <a:br>
-              <a:rPr lang="en-GB" sz="4400" dirty="0">
-                <a:solidFill>
-                  <a:schemeClr val="bg1"/>
-                </a:solidFill>
-              </a:rPr>
-            </a:br>
-            <a:r>
-              <a:rPr lang="en-GB" sz="4400" dirty="0">
-                <a:solidFill>
-                  <a:schemeClr val="bg1"/>
-                </a:solidFill>
-              </a:rPr>
-              <a:t>You're a fire the refiner</a:t>
-            </a:r>
-          </a:p>
-          <a:p>
-            <a:r>
-              <a:rPr lang="en-GB" sz="4400" dirty="0">
-                <a:solidFill>
-                  <a:schemeClr val="bg1"/>
-                </a:solidFill>
-              </a:rPr>
-              <a:t>I </a:t>
-            </a:r>
-            <a:r>
-              <a:rPr lang="en-GB" sz="4400" dirty="0" err="1">
-                <a:solidFill>
-                  <a:schemeClr val="bg1"/>
-                </a:solidFill>
-              </a:rPr>
-              <a:t>wanna</a:t>
-            </a:r>
-            <a:r>
-              <a:rPr lang="en-GB" sz="4400" dirty="0">
-                <a:solidFill>
-                  <a:schemeClr val="bg1"/>
-                </a:solidFill>
-              </a:rPr>
-              <a:t> be consumed</a:t>
-            </a:r>
-          </a:p>
-        </p:txBody>
-      </p:sp>
-      <p:sp>
-        <p:nvSpPr>
-          <p:cNvPr id="4" name="TextBox 3"/>
-          <p:cNvSpPr txBox="1"/>
-          <p:nvPr/>
-        </p:nvSpPr>
-        <p:spPr>
-          <a:xfrm>
-            <a:off x="8529729" y="0"/>
-            <a:ext cx="628698" cy="461665"/>
-          </a:xfrm>
-          <a:prstGeom prst="rect">
-            <a:avLst/>
-          </a:prstGeom>
-          <a:noFill/>
-        </p:spPr>
-        <p:txBody>
-          <a:bodyPr wrap="none" rtlCol="0">
-            <a:spAutoFit/>
-          </a:bodyPr>
-          <a:lstStyle/>
-          <a:p>
-            <a:r>
-              <a:rPr lang="en-GB" sz="2400" b="1" dirty="0">
-                <a:solidFill>
-                  <a:schemeClr val="bg1"/>
-                </a:solidFill>
-              </a:rPr>
-              <a:t>1/4</a:t>
+            <a:r>
+              <a:rPr lang="en-GB" sz="1200" dirty="0">
+                <a:solidFill>
+                  <a:schemeClr val="bg1"/>
+                </a:solidFill>
+              </a:rPr>
+              <a:t>CCLI Song # 7142743</a:t>
+            </a:r>
+          </a:p>
+          <a:p>
+            <a:endParaRPr lang="en-GB" sz="1200" dirty="0">
+              <a:solidFill>
+                <a:schemeClr val="bg1"/>
+              </a:solidFill>
+            </a:endParaRPr>
+          </a:p>
+          <a:p>
+            <a:r>
+              <a:rPr lang="en-GB" sz="1200" dirty="0">
+                <a:solidFill>
+                  <a:schemeClr val="bg1"/>
+                </a:solidFill>
+              </a:rPr>
+              <a:t>Chandler Moore</a:t>
+            </a:r>
+          </a:p>
+          <a:p>
+            <a:endParaRPr lang="en-GB" sz="1200" dirty="0">
+              <a:solidFill>
+                <a:schemeClr val="bg1"/>
+              </a:solidFill>
+            </a:endParaRPr>
+          </a:p>
+          <a:p>
+            <a:r>
+              <a:rPr lang="en-GB" sz="1200" dirty="0">
+                <a:solidFill>
+                  <a:schemeClr val="bg1"/>
+                </a:solidFill>
+              </a:rPr>
+              <a:t>© Chandler Moore Designee (Admin. by Capitol CMG Publishing)</a:t>
+            </a:r>
+          </a:p>
+          <a:p>
+            <a:r>
+              <a:rPr lang="en-GB" sz="1200" dirty="0">
+                <a:solidFill>
+                  <a:schemeClr val="bg1"/>
+                </a:solidFill>
+              </a:rPr>
+              <a:t>For use solely with the </a:t>
+            </a:r>
+            <a:r>
+              <a:rPr lang="en-GB" sz="1200" dirty="0" err="1">
+                <a:solidFill>
+                  <a:schemeClr val="bg1"/>
+                </a:solidFill>
+              </a:rPr>
+              <a:t>SongSelect</a:t>
+            </a:r>
+            <a:r>
+              <a:rPr lang="en-GB" sz="1200" dirty="0">
+                <a:solidFill>
+                  <a:schemeClr val="bg1"/>
+                </a:solidFill>
+              </a:rPr>
+              <a:t>® Terms of Use. All rights reserved. www.ccli.com</a:t>
+            </a:r>
+          </a:p>
+          <a:p>
+            <a:endParaRPr lang="en-GB" sz="1200" dirty="0">
+              <a:solidFill>
+                <a:schemeClr val="bg1"/>
+              </a:solidFill>
+            </a:endParaRPr>
+          </a:p>
+          <a:p>
+            <a:r>
+              <a:rPr lang="en-GB" sz="1200" dirty="0">
+                <a:solidFill>
+                  <a:schemeClr val="bg1"/>
+                </a:solidFill>
+              </a:rPr>
+              <a:t>CCLI Licence No. 33265</a:t>
             </a:r>
           </a:p>
         </p:txBody>
@@ -6175,7 +6107,7 @@
     </p:spTree>
     <p:extLst>
       <p:ext uri="{BB962C8B-B14F-4D97-AF65-F5344CB8AC3E}">
-        <p14:creationId xmlns:p14="http://schemas.microsoft.com/office/powerpoint/2010/main" val="2870070286"/>
+        <p14:creationId xmlns:p14="http://schemas.microsoft.com/office/powerpoint/2010/main" val="3981282301"/>
       </p:ext>
     </p:extLst>
   </p:cSld>
@@ -6444,7 +6376,79 @@
           <a:lstStyle/>
           <a:p>
             <a:r>
-              <a:rPr lang="en-GB" sz="6000" dirty="0">
+              <a:rPr lang="en-GB" sz="4400" dirty="0">
+                <a:solidFill>
+                  <a:schemeClr val="bg1"/>
+                </a:solidFill>
+              </a:rPr>
+              <a:t>If the altar's where You meet us</a:t>
+            </a:r>
+          </a:p>
+          <a:p>
+            <a:r>
+              <a:rPr lang="en-GB" sz="4400" dirty="0">
+                <a:solidFill>
+                  <a:schemeClr val="bg1"/>
+                </a:solidFill>
+              </a:rPr>
+              <a:t>Take me there take me there</a:t>
+            </a:r>
+          </a:p>
+          <a:p>
+            <a:r>
+              <a:rPr lang="en-GB" sz="4400" dirty="0">
+                <a:solidFill>
+                  <a:schemeClr val="bg1"/>
+                </a:solidFill>
+              </a:rPr>
+              <a:t>If what You need is just an offering</a:t>
+            </a:r>
+          </a:p>
+          <a:p>
+            <a:r>
+              <a:rPr lang="en-GB" sz="4400" dirty="0">
+                <a:solidFill>
+                  <a:schemeClr val="bg1"/>
+                </a:solidFill>
+              </a:rPr>
+              <a:t>It's right here my life is here</a:t>
+            </a:r>
+          </a:p>
+          <a:p>
+            <a:r>
+              <a:rPr lang="en-GB" sz="4400" dirty="0">
+                <a:solidFill>
+                  <a:schemeClr val="bg1"/>
+                </a:solidFill>
+              </a:rPr>
+              <a:t>And I'll be a living sacrifice for You</a:t>
+            </a:r>
+            <a:br>
+              <a:rPr lang="en-GB" sz="4400" dirty="0">
+                <a:solidFill>
+                  <a:schemeClr val="bg1"/>
+                </a:solidFill>
+              </a:rPr>
+            </a:br>
+            <a:br>
+              <a:rPr lang="en-GB" sz="4400" dirty="0">
+                <a:solidFill>
+                  <a:schemeClr val="bg1"/>
+                </a:solidFill>
+              </a:rPr>
+            </a:br>
+            <a:r>
+              <a:rPr lang="en-GB" sz="4400" dirty="0">
+                <a:solidFill>
+                  <a:schemeClr val="bg1"/>
+                </a:solidFill>
+              </a:rPr>
+              <a:t>You're a fire the refiner</a:t>
+            </a:r>
+          </a:p>
+          <a:p>
+            <a:r>
+              <a:rPr lang="en-GB" sz="4400" dirty="0">
                 <a:solidFill>
                   <a:schemeClr val="bg1"/>
                 </a:solidFill>
@@ -6452,7 +6456,7 @@
               <a:t>I </a:t>
             </a:r>
             <a:r>
-              <a:rPr lang="en-GB" sz="6000" dirty="0" err="1">
+              <a:rPr lang="en-GB" sz="4400" dirty="0" err="1">
                 <a:solidFill>
                   <a:schemeClr val="bg1"/>
                 </a:solidFill>
@@ -6460,42 +6464,12 @@
               <a:t>wanna</a:t>
             </a:r>
             <a:r>
-              <a:rPr lang="en-GB" sz="6000" dirty="0">
-                <a:solidFill>
-                  <a:schemeClr val="bg1"/>
-                </a:solidFill>
-              </a:rPr>
-              <a:t> be tried by fire</a:t>
-            </a:r>
-          </a:p>
-          <a:p>
-            <a:r>
-              <a:rPr lang="en-GB" sz="6000" dirty="0">
-                <a:solidFill>
-                  <a:schemeClr val="bg1"/>
-                </a:solidFill>
-              </a:rPr>
-              <a:t>Purified</a:t>
-            </a:r>
-          </a:p>
-          <a:p>
-            <a:r>
-              <a:rPr lang="en-GB" sz="6000" dirty="0">
-                <a:solidFill>
-                  <a:schemeClr val="bg1"/>
-                </a:solidFill>
-              </a:rPr>
-              <a:t>You take whatever You desire</a:t>
-            </a:r>
-          </a:p>
-          <a:p>
-            <a:r>
-              <a:rPr lang="en-GB" sz="6000" dirty="0">
-                <a:solidFill>
-                  <a:schemeClr val="bg1"/>
-                </a:solidFill>
-              </a:rPr>
-              <a:t>Lord here's my life</a:t>
+              <a:rPr lang="en-GB" sz="4400" dirty="0">
+                <a:solidFill>
+                  <a:schemeClr val="bg1"/>
+                </a:solidFill>
+              </a:rPr>
+              <a:t> be consumed</a:t>
             </a:r>
           </a:p>
         </p:txBody>
@@ -6528,7 +6502,7 @@
                   <a:schemeClr val="bg1"/>
                 </a:solidFill>
               </a:rPr>
-              <a:t>2/4</a:t>
+              <a:t>1/4</a:t>
             </a:r>
           </a:p>
         </p:txBody>
@@ -6536,7 +6510,7 @@
     </p:spTree>
     <p:extLst>
       <p:ext uri="{BB962C8B-B14F-4D97-AF65-F5344CB8AC3E}">
-        <p14:creationId xmlns:p14="http://schemas.microsoft.com/office/powerpoint/2010/main" val="3661959308"/>
+        <p14:creationId xmlns:p14="http://schemas.microsoft.com/office/powerpoint/2010/main" val="2870070286"/>
       </p:ext>
     </p:extLst>
   </p:cSld>
@@ -6586,6 +6560,148 @@
           <a:lstStyle/>
           <a:p>
             <a:r>
+              <a:rPr lang="en-GB" sz="6000" dirty="0">
+                <a:solidFill>
+                  <a:schemeClr val="bg1"/>
+                </a:solidFill>
+              </a:rPr>
+              <a:t>I </a:t>
+            </a:r>
+            <a:r>
+              <a:rPr lang="en-GB" sz="6000" dirty="0" err="1">
+                <a:solidFill>
+                  <a:schemeClr val="bg1"/>
+                </a:solidFill>
+              </a:rPr>
+              <a:t>wanna</a:t>
+            </a:r>
+            <a:r>
+              <a:rPr lang="en-GB" sz="6000" dirty="0">
+                <a:solidFill>
+                  <a:schemeClr val="bg1"/>
+                </a:solidFill>
+              </a:rPr>
+              <a:t> be tried by fire</a:t>
+            </a:r>
+          </a:p>
+          <a:p>
+            <a:r>
+              <a:rPr lang="en-GB" sz="6000" dirty="0">
+                <a:solidFill>
+                  <a:schemeClr val="bg1"/>
+                </a:solidFill>
+              </a:rPr>
+              <a:t>Purified</a:t>
+            </a:r>
+          </a:p>
+          <a:p>
+            <a:r>
+              <a:rPr lang="en-GB" sz="6000" dirty="0">
+                <a:solidFill>
+                  <a:schemeClr val="bg1"/>
+                </a:solidFill>
+              </a:rPr>
+              <a:t>You take whatever You desire</a:t>
+            </a:r>
+          </a:p>
+          <a:p>
+            <a:r>
+              <a:rPr lang="en-GB" sz="6000" dirty="0">
+                <a:solidFill>
+                  <a:schemeClr val="bg1"/>
+                </a:solidFill>
+              </a:rPr>
+              <a:t>Lord here's my life</a:t>
+            </a:r>
+          </a:p>
+        </p:txBody>
+      </p:sp>
+      <p:sp>
+        <p:nvSpPr>
+          <p:cNvPr id="4" name="TextBox 3"/>
+          <p:cNvSpPr txBox="1"/>
+          <p:nvPr/>
+        </p:nvSpPr>
+        <p:spPr>
+          <a:xfrm>
+            <a:off x="8529729" y="0"/>
+            <a:ext cx="628698" cy="461665"/>
+          </a:xfrm>
+          <a:prstGeom prst="rect">
+            <a:avLst/>
+          </a:prstGeom>
+          <a:noFill/>
+        </p:spPr>
+        <p:txBody>
+          <a:bodyPr wrap="none" rtlCol="0">
+            <a:spAutoFit/>
+          </a:bodyPr>
+          <a:lstStyle/>
+          <a:p>
+            <a:r>
+              <a:rPr lang="en-GB" sz="2400" b="1" dirty="0">
+                <a:solidFill>
+                  <a:schemeClr val="bg1"/>
+                </a:solidFill>
+              </a:rPr>
+              <a:t>2/4</a:t>
+            </a:r>
+          </a:p>
+        </p:txBody>
+      </p:sp>
+    </p:spTree>
+    <p:extLst>
+      <p:ext uri="{BB962C8B-B14F-4D97-AF65-F5344CB8AC3E}">
+        <p14:creationId xmlns:p14="http://schemas.microsoft.com/office/powerpoint/2010/main" val="3661959308"/>
+      </p:ext>
+    </p:extLst>
+  </p:cSld>
+  <p:clrMapOvr>
+    <a:masterClrMapping/>
+  </p:clrMapOvr>
+</p:sld>
+</file>
+
+<file path=ppt/slides/slide32.xml><?xml version="1.0" encoding="utf-8"?>
+<p:sld xmlns:a="http://schemas.openxmlformats.org/drawingml/2006/main" xmlns:r="http://schemas.openxmlformats.org/officeDocument/2006/relationships" xmlns:p="http://schemas.openxmlformats.org/presentationml/2006/main">
+  <p:cSld>
+    <p:spTree>
+      <p:nvGrpSpPr>
+        <p:cNvPr id="1" name=""/>
+        <p:cNvGrpSpPr/>
+        <p:nvPr/>
+      </p:nvGrpSpPr>
+      <p:grpSpPr>
+        <a:xfrm>
+          <a:off x="0" y="0"/>
+          <a:ext cx="0" cy="0"/>
+          <a:chOff x="0" y="0"/>
+          <a:chExt cx="0" cy="0"/>
+        </a:xfrm>
+      </p:grpSpPr>
+      <p:sp>
+        <p:nvSpPr>
+          <p:cNvPr id="3" name="Subtitle 2"/>
+          <p:cNvSpPr>
+            <a:spLocks noGrp="1"/>
+          </p:cNvSpPr>
+          <p:nvPr>
+            <p:ph type="subTitle" idx="1"/>
+          </p:nvPr>
+        </p:nvSpPr>
+        <p:spPr>
+          <a:xfrm>
+            <a:off x="323528" y="188640"/>
+            <a:ext cx="8640960" cy="6480720"/>
+          </a:xfrm>
+        </p:spPr>
+        <p:txBody>
+          <a:bodyPr>
+            <a:noAutofit/>
+          </a:bodyPr>
+          <a:lstStyle/>
+          <a:p>
+            <a:r>
               <a:rPr lang="en-GB" sz="4400" dirty="0">
                 <a:solidFill>
                   <a:schemeClr val="bg1"/>
@@ -6730,7 +6846,7 @@
 </p:sld>
 </file>
 
-<file path=ppt/slides/slide32.xml><?xml version="1.0" encoding="utf-8"?>
+<file path=ppt/slides/slide33.xml><?xml version="1.0" encoding="utf-8"?>
 <p:sld xmlns:a="http://schemas.openxmlformats.org/drawingml/2006/main" xmlns:r="http://schemas.openxmlformats.org/officeDocument/2006/relationships" xmlns:p="http://schemas.openxmlformats.org/presentationml/2006/main">
   <p:cSld>
     <p:spTree>
